--- a/C++/document/Getting_start_CGDK.buffer.pptx
+++ b/C++/document/Getting_start_CGDK.buffer.pptx
@@ -5,26 +5,27 @@
     <p:sldMasterId id="2147483648" r:id="rId1"/>
   </p:sldMasterIdLst>
   <p:notesMasterIdLst>
-    <p:notesMasterId r:id="rId19"/>
+    <p:notesMasterId r:id="rId20"/>
   </p:notesMasterIdLst>
   <p:sldIdLst>
     <p:sldId id="307" r:id="rId2"/>
     <p:sldId id="327" r:id="rId3"/>
     <p:sldId id="318" r:id="rId4"/>
     <p:sldId id="508" r:id="rId5"/>
-    <p:sldId id="509" r:id="rId6"/>
-    <p:sldId id="511" r:id="rId7"/>
-    <p:sldId id="518" r:id="rId8"/>
-    <p:sldId id="517" r:id="rId9"/>
-    <p:sldId id="512" r:id="rId10"/>
-    <p:sldId id="515" r:id="rId11"/>
-    <p:sldId id="516" r:id="rId12"/>
-    <p:sldId id="519" r:id="rId13"/>
-    <p:sldId id="520" r:id="rId14"/>
-    <p:sldId id="521" r:id="rId15"/>
-    <p:sldId id="522" r:id="rId16"/>
-    <p:sldId id="523" r:id="rId17"/>
-    <p:sldId id="326" r:id="rId18"/>
+    <p:sldId id="511" r:id="rId6"/>
+    <p:sldId id="518" r:id="rId7"/>
+    <p:sldId id="517" r:id="rId8"/>
+    <p:sldId id="512" r:id="rId9"/>
+    <p:sldId id="515" r:id="rId10"/>
+    <p:sldId id="516" r:id="rId11"/>
+    <p:sldId id="519" r:id="rId12"/>
+    <p:sldId id="520" r:id="rId13"/>
+    <p:sldId id="521" r:id="rId14"/>
+    <p:sldId id="522" r:id="rId15"/>
+    <p:sldId id="523" r:id="rId16"/>
+    <p:sldId id="524" r:id="rId17"/>
+    <p:sldId id="525" r:id="rId18"/>
+    <p:sldId id="326" r:id="rId19"/>
   </p:sldIdLst>
   <p:sldSz cx="12192000" cy="6858000"/>
   <p:notesSz cx="6858000" cy="9144000"/>
@@ -565,7 +566,7 @@
     </p:spTree>
     <p:extLst>
       <p:ext uri="{BB962C8B-B14F-4D97-AF65-F5344CB8AC3E}">
-        <p14:creationId xmlns:p14="http://schemas.microsoft.com/office/powerpoint/2010/main" val="3715941050"/>
+        <p14:creationId xmlns:p14="http://schemas.microsoft.com/office/powerpoint/2010/main" val="1764917145"/>
       </p:ext>
     </p:extLst>
   </p:cSld>
@@ -649,7 +650,7 @@
     </p:spTree>
     <p:extLst>
       <p:ext uri="{BB962C8B-B14F-4D97-AF65-F5344CB8AC3E}">
-        <p14:creationId xmlns:p14="http://schemas.microsoft.com/office/powerpoint/2010/main" val="2972421507"/>
+        <p14:creationId xmlns:p14="http://schemas.microsoft.com/office/powerpoint/2010/main" val="3725416236"/>
       </p:ext>
     </p:extLst>
   </p:cSld>
@@ -733,7 +734,7 @@
     </p:spTree>
     <p:extLst>
       <p:ext uri="{BB962C8B-B14F-4D97-AF65-F5344CB8AC3E}">
-        <p14:creationId xmlns:p14="http://schemas.microsoft.com/office/powerpoint/2010/main" val="3725416236"/>
+        <p14:creationId xmlns:p14="http://schemas.microsoft.com/office/powerpoint/2010/main" val="672350454"/>
       </p:ext>
     </p:extLst>
   </p:cSld>
@@ -817,7 +818,91 @@
     </p:spTree>
     <p:extLst>
       <p:ext uri="{BB962C8B-B14F-4D97-AF65-F5344CB8AC3E}">
-        <p14:creationId xmlns:p14="http://schemas.microsoft.com/office/powerpoint/2010/main" val="672350454"/>
+        <p14:creationId xmlns:p14="http://schemas.microsoft.com/office/powerpoint/2010/main" val="1107425549"/>
+      </p:ext>
+    </p:extLst>
+  </p:cSld>
+  <p:clrMapOvr>
+    <a:masterClrMapping/>
+  </p:clrMapOvr>
+</p:notes>
+</file>
+
+<file path=ppt/notesSlides/notesSlide13.xml><?xml version="1.0" encoding="utf-8"?>
+<p:notes xmlns:a="http://schemas.openxmlformats.org/drawingml/2006/main" xmlns:r="http://schemas.openxmlformats.org/officeDocument/2006/relationships" xmlns:p="http://schemas.openxmlformats.org/presentationml/2006/main">
+  <p:cSld>
+    <p:spTree>
+      <p:nvGrpSpPr>
+        <p:cNvPr id="1" name=""/>
+        <p:cNvGrpSpPr/>
+        <p:nvPr/>
+      </p:nvGrpSpPr>
+      <p:grpSpPr>
+        <a:xfrm>
+          <a:off x="0" y="0"/>
+          <a:ext cx="0" cy="0"/>
+          <a:chOff x="0" y="0"/>
+          <a:chExt cx="0" cy="0"/>
+        </a:xfrm>
+      </p:grpSpPr>
+      <p:sp>
+        <p:nvSpPr>
+          <p:cNvPr id="2" name="슬라이드 이미지 개체 틀 1"/>
+          <p:cNvSpPr>
+            <a:spLocks noGrp="1" noRot="1" noChangeAspect="1"/>
+          </p:cNvSpPr>
+          <p:nvPr>
+            <p:ph type="sldImg"/>
+          </p:nvPr>
+        </p:nvSpPr>
+        <p:spPr/>
+      </p:sp>
+      <p:sp>
+        <p:nvSpPr>
+          <p:cNvPr id="3" name="슬라이드 노트 개체 틀 2"/>
+          <p:cNvSpPr>
+            <a:spLocks noGrp="1"/>
+          </p:cNvSpPr>
+          <p:nvPr>
+            <p:ph type="body" idx="1"/>
+          </p:nvPr>
+        </p:nvSpPr>
+        <p:spPr/>
+        <p:txBody>
+          <a:bodyPr/>
+          <a:lstStyle/>
+          <a:p>
+            <a:endParaRPr lang="ko-KR" altLang="en-US" dirty="0"/>
+          </a:p>
+        </p:txBody>
+      </p:sp>
+      <p:sp>
+        <p:nvSpPr>
+          <p:cNvPr id="4" name="슬라이드 번호 개체 틀 3"/>
+          <p:cNvSpPr>
+            <a:spLocks noGrp="1"/>
+          </p:cNvSpPr>
+          <p:nvPr>
+            <p:ph type="sldNum" sz="quarter" idx="10"/>
+          </p:nvPr>
+        </p:nvSpPr>
+        <p:spPr/>
+        <p:txBody>
+          <a:bodyPr/>
+          <a:lstStyle/>
+          <a:p>
+            <a:fld id="{48F0D906-180E-40CD-8333-E002C5FAAA8E}" type="slidenum">
+              <a:rPr lang="ko-KR" altLang="en-US" smtClean="0"/>
+              <a:t>17</a:t>
+            </a:fld>
+            <a:endParaRPr lang="ko-KR" altLang="en-US"/>
+          </a:p>
+        </p:txBody>
+      </p:sp>
+    </p:spTree>
+    <p:extLst>
+      <p:ext uri="{BB962C8B-B14F-4D97-AF65-F5344CB8AC3E}">
+        <p14:creationId xmlns:p14="http://schemas.microsoft.com/office/powerpoint/2010/main" val="2798104668"/>
       </p:ext>
     </p:extLst>
   </p:cSld>
@@ -901,7 +986,7 @@
     </p:spTree>
     <p:extLst>
       <p:ext uri="{BB962C8B-B14F-4D97-AF65-F5344CB8AC3E}">
-        <p14:creationId xmlns:p14="http://schemas.microsoft.com/office/powerpoint/2010/main" val="1764917145"/>
+        <p14:creationId xmlns:p14="http://schemas.microsoft.com/office/powerpoint/2010/main" val="528150504"/>
       </p:ext>
     </p:extLst>
   </p:cSld>
@@ -985,7 +1070,7 @@
     </p:spTree>
     <p:extLst>
       <p:ext uri="{BB962C8B-B14F-4D97-AF65-F5344CB8AC3E}">
-        <p14:creationId xmlns:p14="http://schemas.microsoft.com/office/powerpoint/2010/main" val="528150504"/>
+        <p14:creationId xmlns:p14="http://schemas.microsoft.com/office/powerpoint/2010/main" val="310928788"/>
       </p:ext>
     </p:extLst>
   </p:cSld>
@@ -1069,7 +1154,7 @@
     </p:spTree>
     <p:extLst>
       <p:ext uri="{BB962C8B-B14F-4D97-AF65-F5344CB8AC3E}">
-        <p14:creationId xmlns:p14="http://schemas.microsoft.com/office/powerpoint/2010/main" val="310928788"/>
+        <p14:creationId xmlns:p14="http://schemas.microsoft.com/office/powerpoint/2010/main" val="205062812"/>
       </p:ext>
     </p:extLst>
   </p:cSld>
@@ -1153,7 +1238,7 @@
     </p:spTree>
     <p:extLst>
       <p:ext uri="{BB962C8B-B14F-4D97-AF65-F5344CB8AC3E}">
-        <p14:creationId xmlns:p14="http://schemas.microsoft.com/office/powerpoint/2010/main" val="205062812"/>
+        <p14:creationId xmlns:p14="http://schemas.microsoft.com/office/powerpoint/2010/main" val="113361739"/>
       </p:ext>
     </p:extLst>
   </p:cSld>
@@ -1237,7 +1322,7 @@
     </p:spTree>
     <p:extLst>
       <p:ext uri="{BB962C8B-B14F-4D97-AF65-F5344CB8AC3E}">
-        <p14:creationId xmlns:p14="http://schemas.microsoft.com/office/powerpoint/2010/main" val="113361739"/>
+        <p14:creationId xmlns:p14="http://schemas.microsoft.com/office/powerpoint/2010/main" val="2684497552"/>
       </p:ext>
     </p:extLst>
   </p:cSld>
@@ -1321,7 +1406,7 @@
     </p:spTree>
     <p:extLst>
       <p:ext uri="{BB962C8B-B14F-4D97-AF65-F5344CB8AC3E}">
-        <p14:creationId xmlns:p14="http://schemas.microsoft.com/office/powerpoint/2010/main" val="2684497552"/>
+        <p14:creationId xmlns:p14="http://schemas.microsoft.com/office/powerpoint/2010/main" val="3031550721"/>
       </p:ext>
     </p:extLst>
   </p:cSld>
@@ -1405,7 +1490,7 @@
     </p:spTree>
     <p:extLst>
       <p:ext uri="{BB962C8B-B14F-4D97-AF65-F5344CB8AC3E}">
-        <p14:creationId xmlns:p14="http://schemas.microsoft.com/office/powerpoint/2010/main" val="3031550721"/>
+        <p14:creationId xmlns:p14="http://schemas.microsoft.com/office/powerpoint/2010/main" val="11869886"/>
       </p:ext>
     </p:extLst>
   </p:cSld>
@@ -1489,7 +1574,7 @@
     </p:spTree>
     <p:extLst>
       <p:ext uri="{BB962C8B-B14F-4D97-AF65-F5344CB8AC3E}">
-        <p14:creationId xmlns:p14="http://schemas.microsoft.com/office/powerpoint/2010/main" val="11869886"/>
+        <p14:creationId xmlns:p14="http://schemas.microsoft.com/office/powerpoint/2010/main" val="2972421507"/>
       </p:ext>
     </p:extLst>
   </p:cSld>
@@ -4671,716 +4756,6 @@
           <a:chExt cx="0" cy="0"/>
         </a:xfrm>
       </p:grpSpPr>
-      <p:pic>
-        <p:nvPicPr>
-          <p:cNvPr id="14" name="그림 13">
-            <a:extLst>
-              <a:ext uri="{FF2B5EF4-FFF2-40B4-BE49-F238E27FC236}">
-                <a16:creationId xmlns:a16="http://schemas.microsoft.com/office/drawing/2014/main" id="{FB928D26-E77B-4DB9-6A51-84B1CA7E40C1}"/>
-              </a:ext>
-            </a:extLst>
-          </p:cNvPr>
-          <p:cNvPicPr>
-            <a:picLocks noChangeAspect="1"/>
-          </p:cNvPicPr>
-          <p:nvPr/>
-        </p:nvPicPr>
-        <p:blipFill>
-          <a:blip r:embed="rId3"/>
-          <a:stretch>
-            <a:fillRect/>
-          </a:stretch>
-        </p:blipFill>
-        <p:spPr>
-          <a:xfrm>
-            <a:off x="2192264" y="3134426"/>
-            <a:ext cx="8326012" cy="3000794"/>
-          </a:xfrm>
-          <a:prstGeom prst="rect">
-            <a:avLst/>
-          </a:prstGeom>
-        </p:spPr>
-      </p:pic>
-      <p:sp>
-        <p:nvSpPr>
-          <p:cNvPr id="62" name="TextBox 61"/>
-          <p:cNvSpPr txBox="1"/>
-          <p:nvPr/>
-        </p:nvSpPr>
-        <p:spPr>
-          <a:xfrm>
-            <a:off x="21018" y="0"/>
-            <a:ext cx="783291" cy="369332"/>
-          </a:xfrm>
-          <a:prstGeom prst="rect">
-            <a:avLst/>
-          </a:prstGeom>
-          <a:noFill/>
-        </p:spPr>
-        <p:txBody>
-          <a:bodyPr wrap="none" rtlCol="0">
-            <a:spAutoFit/>
-          </a:bodyPr>
-          <a:lstStyle/>
-          <a:p>
-            <a:r>
-              <a:rPr lang="en-US" altLang="ko-KR" b="1" dirty="0">
-                <a:solidFill>
-                  <a:schemeClr val="tx2">
-                    <a:lumMod val="20000"/>
-                    <a:lumOff val="80000"/>
-                  </a:schemeClr>
-                </a:solidFill>
-              </a:rPr>
-              <a:t>CGCII</a:t>
-            </a:r>
-            <a:endParaRPr lang="ko-KR" altLang="en-US" b="1" dirty="0">
-              <a:solidFill>
-                <a:schemeClr val="tx2">
-                  <a:lumMod val="20000"/>
-                  <a:lumOff val="80000"/>
-                </a:schemeClr>
-              </a:solidFill>
-            </a:endParaRPr>
-          </a:p>
-        </p:txBody>
-      </p:sp>
-      <p:sp>
-        <p:nvSpPr>
-          <p:cNvPr id="18" name="TextBox 17">
-            <a:extLst>
-              <a:ext uri="{FF2B5EF4-FFF2-40B4-BE49-F238E27FC236}">
-                <a16:creationId xmlns:a16="http://schemas.microsoft.com/office/drawing/2014/main" id="{56031253-0268-C339-46E0-5C0CA4065F93}"/>
-              </a:ext>
-            </a:extLst>
-          </p:cNvPr>
-          <p:cNvSpPr txBox="1"/>
-          <p:nvPr/>
-        </p:nvSpPr>
-        <p:spPr>
-          <a:xfrm>
-            <a:off x="-145470" y="369332"/>
-            <a:ext cx="2027461" cy="646331"/>
-          </a:xfrm>
-          <a:prstGeom prst="rect">
-            <a:avLst/>
-          </a:prstGeom>
-          <a:noFill/>
-          <a:effectLst>
-            <a:outerShdw blurRad="50800" dist="38100" algn="l" rotWithShape="0">
-              <a:prstClr val="black">
-                <a:alpha val="40000"/>
-              </a:prstClr>
-            </a:outerShdw>
-          </a:effectLst>
-        </p:spPr>
-        <p:txBody>
-          <a:bodyPr wrap="square">
-            <a:spAutoFit/>
-          </a:bodyPr>
-          <a:lstStyle/>
-          <a:p>
-            <a:pPr algn="ctr"/>
-            <a:r>
-              <a:rPr lang="en-US" altLang="ko-KR" dirty="0">
-                <a:latin typeface="Segoe UI Semibold" panose="020B0702040204020203" pitchFamily="34" charset="0"/>
-                <a:ea typeface="HY신명조" panose="02030600000101010101" pitchFamily="18" charset="-127"/>
-                <a:cs typeface="Segoe UI Semibold" panose="020B0702040204020203" pitchFamily="34" charset="0"/>
-              </a:rPr>
-              <a:t>CGDK</a:t>
-            </a:r>
-            <a:r>
-              <a:rPr lang="en-US" altLang="ko-KR" dirty="0">
-                <a:solidFill>
-                  <a:schemeClr val="tx1">
-                    <a:lumMod val="50000"/>
-                    <a:lumOff val="50000"/>
-                  </a:schemeClr>
-                </a:solidFill>
-                <a:latin typeface="HY신명조" panose="02030600000101010101" pitchFamily="18" charset="-127"/>
-                <a:ea typeface="HY신명조" panose="02030600000101010101" pitchFamily="18" charset="-127"/>
-              </a:rPr>
-              <a:t>::</a:t>
-            </a:r>
-            <a:r>
-              <a:rPr lang="en-US" altLang="ko-KR" dirty="0">
-                <a:latin typeface="HY신명조" panose="02030600000101010101" pitchFamily="18" charset="-127"/>
-                <a:ea typeface="HY신명조" panose="02030600000101010101" pitchFamily="18" charset="-127"/>
-              </a:rPr>
-              <a:t>buffer</a:t>
-            </a:r>
-            <a:br>
-              <a:rPr lang="en-US" altLang="ko-KR" dirty="0">
-                <a:latin typeface="HY신명조" panose="02030600000101010101" pitchFamily="18" charset="-127"/>
-                <a:ea typeface="HY신명조" panose="02030600000101010101" pitchFamily="18" charset="-127"/>
-              </a:rPr>
-            </a:br>
-            <a:r>
-              <a:rPr lang="en-US" altLang="ko-KR" sz="600" dirty="0">
-                <a:latin typeface="HY신명조" panose="02030600000101010101" pitchFamily="18" charset="-127"/>
-                <a:ea typeface="HY신명조" panose="02030600000101010101" pitchFamily="18" charset="-127"/>
-              </a:rPr>
-              <a:t>with Reflection</a:t>
-            </a:r>
-            <a:endParaRPr lang="ko-KR" altLang="en-US" sz="600" dirty="0">
-              <a:latin typeface="HY신명조" panose="02030600000101010101" pitchFamily="18" charset="-127"/>
-              <a:ea typeface="HY신명조" panose="02030600000101010101" pitchFamily="18" charset="-127"/>
-            </a:endParaRPr>
-          </a:p>
-          <a:p>
-            <a:pPr algn="ctr"/>
-            <a:endParaRPr lang="ko-KR" altLang="en-US" sz="1200" dirty="0"/>
-          </a:p>
-        </p:txBody>
-      </p:sp>
-      <p:cxnSp>
-        <p:nvCxnSpPr>
-          <p:cNvPr id="19" name="직선 연결선 18">
-            <a:extLst>
-              <a:ext uri="{FF2B5EF4-FFF2-40B4-BE49-F238E27FC236}">
-                <a16:creationId xmlns:a16="http://schemas.microsoft.com/office/drawing/2014/main" id="{4D54D713-F571-C9FB-DD7D-6AC15501D59F}"/>
-              </a:ext>
-            </a:extLst>
-          </p:cNvPr>
-          <p:cNvCxnSpPr/>
-          <p:nvPr/>
-        </p:nvCxnSpPr>
-        <p:spPr>
-          <a:xfrm>
-            <a:off x="0" y="369332"/>
-            <a:ext cx="1727200" cy="0"/>
-          </a:xfrm>
-          <a:prstGeom prst="line">
-            <a:avLst/>
-          </a:prstGeom>
-          <a:ln>
-            <a:solidFill>
-              <a:schemeClr val="tx1"/>
-            </a:solidFill>
-            <a:tailEnd type="triangle"/>
-          </a:ln>
-        </p:spPr>
-        <p:style>
-          <a:lnRef idx="1">
-            <a:schemeClr val="accent1"/>
-          </a:lnRef>
-          <a:fillRef idx="0">
-            <a:schemeClr val="accent1"/>
-          </a:fillRef>
-          <a:effectRef idx="0">
-            <a:schemeClr val="accent1"/>
-          </a:effectRef>
-          <a:fontRef idx="minor">
-            <a:schemeClr val="tx1"/>
-          </a:fontRef>
-        </p:style>
-      </p:cxnSp>
-      <p:sp>
-        <p:nvSpPr>
-          <p:cNvPr id="4" name="부제목 2">
-            <a:extLst>
-              <a:ext uri="{FF2B5EF4-FFF2-40B4-BE49-F238E27FC236}">
-                <a16:creationId xmlns:a16="http://schemas.microsoft.com/office/drawing/2014/main" id="{919BD469-8EF4-8A9F-3484-425E9E437DE1}"/>
-              </a:ext>
-            </a:extLst>
-          </p:cNvPr>
-          <p:cNvSpPr txBox="1">
-            <a:spLocks/>
-          </p:cNvSpPr>
-          <p:nvPr/>
-        </p:nvSpPr>
-        <p:spPr>
-          <a:xfrm>
-            <a:off x="9743758" y="6608604"/>
-            <a:ext cx="2426208" cy="238379"/>
-          </a:xfrm>
-          <a:prstGeom prst="rect">
-            <a:avLst/>
-          </a:prstGeom>
-        </p:spPr>
-        <p:txBody>
-          <a:bodyPr vert="horz" wrap="none" lIns="91440" tIns="45720" rIns="91440" bIns="45720" rtlCol="0">
-            <a:normAutofit/>
-          </a:bodyPr>
-          <a:lstStyle>
-            <a:lvl1pPr marL="228600" indent="-228600" algn="l" defTabSz="914400" rtl="0" eaLnBrk="1" latinLnBrk="1" hangingPunct="1">
-              <a:lnSpc>
-                <a:spcPct val="90000"/>
-              </a:lnSpc>
-              <a:spcBef>
-                <a:spcPts val="1000"/>
-              </a:spcBef>
-              <a:buFont typeface="Arial" panose="020B0604020202020204" pitchFamily="34" charset="0"/>
-              <a:buChar char="•"/>
-              <a:defRPr sz="2800" kern="1200">
-                <a:solidFill>
-                  <a:schemeClr val="tx1"/>
-                </a:solidFill>
-                <a:latin typeface="+mn-lt"/>
-                <a:ea typeface="+mn-ea"/>
-                <a:cs typeface="+mn-cs"/>
-              </a:defRPr>
-            </a:lvl1pPr>
-            <a:lvl2pPr marL="685800" indent="-228600" algn="l" defTabSz="914400" rtl="0" eaLnBrk="1" latinLnBrk="1" hangingPunct="1">
-              <a:lnSpc>
-                <a:spcPct val="90000"/>
-              </a:lnSpc>
-              <a:spcBef>
-                <a:spcPts val="500"/>
-              </a:spcBef>
-              <a:buFont typeface="Arial" panose="020B0604020202020204" pitchFamily="34" charset="0"/>
-              <a:buChar char="•"/>
-              <a:defRPr sz="2400" kern="1200">
-                <a:solidFill>
-                  <a:schemeClr val="tx1"/>
-                </a:solidFill>
-                <a:latin typeface="+mn-lt"/>
-                <a:ea typeface="+mn-ea"/>
-                <a:cs typeface="+mn-cs"/>
-              </a:defRPr>
-            </a:lvl2pPr>
-            <a:lvl3pPr marL="1143000" indent="-228600" algn="l" defTabSz="914400" rtl="0" eaLnBrk="1" latinLnBrk="1" hangingPunct="1">
-              <a:lnSpc>
-                <a:spcPct val="90000"/>
-              </a:lnSpc>
-              <a:spcBef>
-                <a:spcPts val="500"/>
-              </a:spcBef>
-              <a:buFont typeface="Arial" panose="020B0604020202020204" pitchFamily="34" charset="0"/>
-              <a:buChar char="•"/>
-              <a:defRPr sz="2000" kern="1200">
-                <a:solidFill>
-                  <a:schemeClr val="tx1"/>
-                </a:solidFill>
-                <a:latin typeface="+mn-lt"/>
-                <a:ea typeface="+mn-ea"/>
-                <a:cs typeface="+mn-cs"/>
-              </a:defRPr>
-            </a:lvl3pPr>
-            <a:lvl4pPr marL="1600200" indent="-228600" algn="l" defTabSz="914400" rtl="0" eaLnBrk="1" latinLnBrk="1" hangingPunct="1">
-              <a:lnSpc>
-                <a:spcPct val="90000"/>
-              </a:lnSpc>
-              <a:spcBef>
-                <a:spcPts val="500"/>
-              </a:spcBef>
-              <a:buFont typeface="Arial" panose="020B0604020202020204" pitchFamily="34" charset="0"/>
-              <a:buChar char="•"/>
-              <a:defRPr sz="1800" kern="1200">
-                <a:solidFill>
-                  <a:schemeClr val="tx1"/>
-                </a:solidFill>
-                <a:latin typeface="+mn-lt"/>
-                <a:ea typeface="+mn-ea"/>
-                <a:cs typeface="+mn-cs"/>
-              </a:defRPr>
-            </a:lvl4pPr>
-            <a:lvl5pPr marL="2057400" indent="-228600" algn="l" defTabSz="914400" rtl="0" eaLnBrk="1" latinLnBrk="1" hangingPunct="1">
-              <a:lnSpc>
-                <a:spcPct val="90000"/>
-              </a:lnSpc>
-              <a:spcBef>
-                <a:spcPts val="500"/>
-              </a:spcBef>
-              <a:buFont typeface="Arial" panose="020B0604020202020204" pitchFamily="34" charset="0"/>
-              <a:buChar char="•"/>
-              <a:defRPr sz="1800" kern="1200">
-                <a:solidFill>
-                  <a:schemeClr val="tx1"/>
-                </a:solidFill>
-                <a:latin typeface="+mn-lt"/>
-                <a:ea typeface="+mn-ea"/>
-                <a:cs typeface="+mn-cs"/>
-              </a:defRPr>
-            </a:lvl5pPr>
-            <a:lvl6pPr marL="2514600" indent="-228600" algn="l" defTabSz="914400" rtl="0" eaLnBrk="1" latinLnBrk="1" hangingPunct="1">
-              <a:lnSpc>
-                <a:spcPct val="90000"/>
-              </a:lnSpc>
-              <a:spcBef>
-                <a:spcPts val="500"/>
-              </a:spcBef>
-              <a:buFont typeface="Arial" panose="020B0604020202020204" pitchFamily="34" charset="0"/>
-              <a:buChar char="•"/>
-              <a:defRPr sz="1800" kern="1200">
-                <a:solidFill>
-                  <a:schemeClr val="tx1"/>
-                </a:solidFill>
-                <a:latin typeface="+mn-lt"/>
-                <a:ea typeface="+mn-ea"/>
-                <a:cs typeface="+mn-cs"/>
-              </a:defRPr>
-            </a:lvl6pPr>
-            <a:lvl7pPr marL="2971800" indent="-228600" algn="l" defTabSz="914400" rtl="0" eaLnBrk="1" latinLnBrk="1" hangingPunct="1">
-              <a:lnSpc>
-                <a:spcPct val="90000"/>
-              </a:lnSpc>
-              <a:spcBef>
-                <a:spcPts val="500"/>
-              </a:spcBef>
-              <a:buFont typeface="Arial" panose="020B0604020202020204" pitchFamily="34" charset="0"/>
-              <a:buChar char="•"/>
-              <a:defRPr sz="1800" kern="1200">
-                <a:solidFill>
-                  <a:schemeClr val="tx1"/>
-                </a:solidFill>
-                <a:latin typeface="+mn-lt"/>
-                <a:ea typeface="+mn-ea"/>
-                <a:cs typeface="+mn-cs"/>
-              </a:defRPr>
-            </a:lvl7pPr>
-            <a:lvl8pPr marL="3429000" indent="-228600" algn="l" defTabSz="914400" rtl="0" eaLnBrk="1" latinLnBrk="1" hangingPunct="1">
-              <a:lnSpc>
-                <a:spcPct val="90000"/>
-              </a:lnSpc>
-              <a:spcBef>
-                <a:spcPts val="500"/>
-              </a:spcBef>
-              <a:buFont typeface="Arial" panose="020B0604020202020204" pitchFamily="34" charset="0"/>
-              <a:buChar char="•"/>
-              <a:defRPr sz="1800" kern="1200">
-                <a:solidFill>
-                  <a:schemeClr val="tx1"/>
-                </a:solidFill>
-                <a:latin typeface="+mn-lt"/>
-                <a:ea typeface="+mn-ea"/>
-                <a:cs typeface="+mn-cs"/>
-              </a:defRPr>
-            </a:lvl8pPr>
-            <a:lvl9pPr marL="3886200" indent="-228600" algn="l" defTabSz="914400" rtl="0" eaLnBrk="1" latinLnBrk="1" hangingPunct="1">
-              <a:lnSpc>
-                <a:spcPct val="90000"/>
-              </a:lnSpc>
-              <a:spcBef>
-                <a:spcPts val="500"/>
-              </a:spcBef>
-              <a:buFont typeface="Arial" panose="020B0604020202020204" pitchFamily="34" charset="0"/>
-              <a:buChar char="•"/>
-              <a:defRPr sz="1800" kern="1200">
-                <a:solidFill>
-                  <a:schemeClr val="tx1"/>
-                </a:solidFill>
-                <a:latin typeface="+mn-lt"/>
-                <a:ea typeface="+mn-ea"/>
-                <a:cs typeface="+mn-cs"/>
-              </a:defRPr>
-            </a:lvl9pPr>
-          </a:lstStyle>
-          <a:p>
-            <a:pPr marL="0" indent="0" algn="r">
-              <a:buNone/>
-            </a:pPr>
-            <a:r>
-              <a:rPr lang="en-US" altLang="ko-KR" sz="700" dirty="0"/>
-              <a:t>© 2016. </a:t>
-            </a:r>
-            <a:r>
-              <a:rPr lang="en-US" altLang="ko-KR" sz="700" b="1" dirty="0"/>
-              <a:t>CGCII</a:t>
-            </a:r>
-            <a:endParaRPr lang="ko-KR" altLang="en-US" sz="700" dirty="0"/>
-          </a:p>
-        </p:txBody>
-      </p:sp>
-      <p:sp>
-        <p:nvSpPr>
-          <p:cNvPr id="9" name="사각형: 둥근 모서리 8">
-            <a:extLst>
-              <a:ext uri="{FF2B5EF4-FFF2-40B4-BE49-F238E27FC236}">
-                <a16:creationId xmlns:a16="http://schemas.microsoft.com/office/drawing/2014/main" id="{D73E6FEF-F13E-85F1-D4C7-01720B6DE396}"/>
-              </a:ext>
-            </a:extLst>
-          </p:cNvPr>
-          <p:cNvSpPr/>
-          <p:nvPr/>
-        </p:nvSpPr>
-        <p:spPr>
-          <a:xfrm>
-            <a:off x="2903838" y="4139232"/>
-            <a:ext cx="2119185" cy="230346"/>
-          </a:xfrm>
-          <a:prstGeom prst="roundRect">
-            <a:avLst/>
-          </a:prstGeom>
-          <a:noFill/>
-          <a:ln>
-            <a:solidFill>
-              <a:srgbClr val="FFFF00"/>
-            </a:solidFill>
-            <a:prstDash val="sysDash"/>
-          </a:ln>
-        </p:spPr>
-        <p:style>
-          <a:lnRef idx="2">
-            <a:schemeClr val="accent1">
-              <a:shade val="50000"/>
-            </a:schemeClr>
-          </a:lnRef>
-          <a:fillRef idx="1">
-            <a:schemeClr val="accent1"/>
-          </a:fillRef>
-          <a:effectRef idx="0">
-            <a:schemeClr val="accent1"/>
-          </a:effectRef>
-          <a:fontRef idx="minor">
-            <a:schemeClr val="lt1"/>
-          </a:fontRef>
-        </p:style>
-        <p:txBody>
-          <a:bodyPr rtlCol="0" anchor="ctr"/>
-          <a:lstStyle/>
-          <a:p>
-            <a:pPr algn="ctr"/>
-            <a:endParaRPr lang="ko-KR" altLang="en-US"/>
-          </a:p>
-        </p:txBody>
-      </p:sp>
-      <p:sp>
-        <p:nvSpPr>
-          <p:cNvPr id="13" name="TextBox 12">
-            <a:extLst>
-              <a:ext uri="{FF2B5EF4-FFF2-40B4-BE49-F238E27FC236}">
-                <a16:creationId xmlns:a16="http://schemas.microsoft.com/office/drawing/2014/main" id="{FBDD0E11-2B58-1F1F-1EEE-626C183DC461}"/>
-              </a:ext>
-            </a:extLst>
-          </p:cNvPr>
-          <p:cNvSpPr txBox="1"/>
-          <p:nvPr/>
-        </p:nvSpPr>
-        <p:spPr>
-          <a:xfrm>
-            <a:off x="2297203" y="1142786"/>
-            <a:ext cx="6560846" cy="1815882"/>
-          </a:xfrm>
-          <a:prstGeom prst="rect">
-            <a:avLst/>
-          </a:prstGeom>
-          <a:noFill/>
-        </p:spPr>
-        <p:txBody>
-          <a:bodyPr wrap="square">
-            <a:spAutoFit/>
-          </a:bodyPr>
-          <a:lstStyle/>
-          <a:p>
-            <a:r>
-              <a:rPr lang="ko-KR" altLang="en-US" sz="1400" dirty="0">
-                <a:latin typeface="HY신명조" panose="02030600000101010101" pitchFamily="18" charset="-127"/>
-                <a:ea typeface="HY신명조" panose="02030600000101010101" pitchFamily="18" charset="-127"/>
-              </a:rPr>
-              <a:t>③ </a:t>
-            </a:r>
-            <a:r>
-              <a:rPr lang="en-US" altLang="ko-KR" sz="1400" dirty="0">
-                <a:latin typeface="HY신명조" panose="02030600000101010101" pitchFamily="18" charset="-127"/>
-                <a:ea typeface="HY신명조" panose="02030600000101010101" pitchFamily="18" charset="-127"/>
-              </a:rPr>
-              <a:t>CGDK </a:t>
-            </a:r>
-            <a:r>
-              <a:rPr lang="ko-KR" altLang="en-US" sz="1400" dirty="0">
-                <a:latin typeface="HY신명조" panose="02030600000101010101" pitchFamily="18" charset="-127"/>
-                <a:ea typeface="HY신명조" panose="02030600000101010101" pitchFamily="18" charset="-127"/>
-              </a:rPr>
-              <a:t>헤더 파일을 </a:t>
-            </a:r>
-            <a:r>
-              <a:rPr lang="en-US" altLang="ko-KR" sz="1400" dirty="0">
-                <a:latin typeface="HY신명조" panose="02030600000101010101" pitchFamily="18" charset="-127"/>
-                <a:ea typeface="HY신명조" panose="02030600000101010101" pitchFamily="18" charset="-127"/>
-              </a:rPr>
-              <a:t>include </a:t>
-            </a:r>
-            <a:r>
-              <a:rPr lang="ko-KR" altLang="en-US" sz="1400" dirty="0">
-                <a:latin typeface="HY신명조" panose="02030600000101010101" pitchFamily="18" charset="-127"/>
-                <a:ea typeface="HY신명조" panose="02030600000101010101" pitchFamily="18" charset="-127"/>
-              </a:rPr>
-              <a:t>시킵니다</a:t>
-            </a:r>
-            <a:r>
-              <a:rPr lang="en-US" altLang="ko-KR" sz="1400" dirty="0">
-                <a:latin typeface="HY신명조" panose="02030600000101010101" pitchFamily="18" charset="-127"/>
-                <a:ea typeface="HY신명조" panose="02030600000101010101" pitchFamily="18" charset="-127"/>
-              </a:rPr>
-              <a:t>.</a:t>
-            </a:r>
-          </a:p>
-          <a:p>
-            <a:r>
-              <a:rPr lang="en-US" altLang="ko-KR" sz="1400" dirty="0">
-                <a:latin typeface="HY신명조" panose="02030600000101010101" pitchFamily="18" charset="-127"/>
-                <a:ea typeface="HY신명조" panose="02030600000101010101" pitchFamily="18" charset="-127"/>
-              </a:rPr>
-              <a:t>    </a:t>
-            </a:r>
-            <a:r>
-              <a:rPr lang="ko-KR" altLang="en-US" sz="1400" dirty="0">
-                <a:latin typeface="HY신명조" panose="02030600000101010101" pitchFamily="18" charset="-127"/>
-                <a:ea typeface="HY신명조" panose="02030600000101010101" pitchFamily="18" charset="-127"/>
-              </a:rPr>
-              <a:t>사용을 원하시는 파일에</a:t>
-            </a:r>
-            <a:endParaRPr lang="en-US" altLang="ko-KR" sz="1400" dirty="0">
-              <a:latin typeface="HY신명조" panose="02030600000101010101" pitchFamily="18" charset="-127"/>
-              <a:ea typeface="HY신명조" panose="02030600000101010101" pitchFamily="18" charset="-127"/>
-            </a:endParaRPr>
-          </a:p>
-          <a:p>
-            <a:endParaRPr lang="en-US" altLang="ko-KR" sz="1400" dirty="0">
-              <a:latin typeface="HY신명조" panose="02030600000101010101" pitchFamily="18" charset="-127"/>
-              <a:ea typeface="HY신명조" panose="02030600000101010101" pitchFamily="18" charset="-127"/>
-            </a:endParaRPr>
-          </a:p>
-          <a:p>
-            <a:r>
-              <a:rPr lang="en-US" altLang="ko-KR" sz="1400" dirty="0">
-                <a:latin typeface="HY신명조" panose="02030600000101010101" pitchFamily="18" charset="-127"/>
-                <a:ea typeface="HY신명조" panose="02030600000101010101" pitchFamily="18" charset="-127"/>
-              </a:rPr>
-              <a:t>     </a:t>
-            </a:r>
-            <a:r>
-              <a:rPr lang="en-US" altLang="ko-KR" sz="1400" dirty="0">
-                <a:latin typeface="HY견명조" panose="02030600000101010101" pitchFamily="18" charset="-127"/>
-                <a:ea typeface="HY견명조" panose="02030600000101010101" pitchFamily="18" charset="-127"/>
-              </a:rPr>
-              <a:t>#include "</a:t>
-            </a:r>
-            <a:r>
-              <a:rPr lang="en-US" altLang="ko-KR" sz="1400" dirty="0" err="1">
-                <a:latin typeface="HY견명조" panose="02030600000101010101" pitchFamily="18" charset="-127"/>
-                <a:ea typeface="HY견명조" panose="02030600000101010101" pitchFamily="18" charset="-127"/>
-              </a:rPr>
-              <a:t>cgdk</a:t>
-            </a:r>
-            <a:r>
-              <a:rPr lang="en-US" altLang="ko-KR" sz="1400" dirty="0">
-                <a:latin typeface="HY견명조" panose="02030600000101010101" pitchFamily="18" charset="-127"/>
-                <a:ea typeface="HY견명조" panose="02030600000101010101" pitchFamily="18" charset="-127"/>
-              </a:rPr>
-              <a:t>/</a:t>
-            </a:r>
-            <a:r>
-              <a:rPr lang="en-US" altLang="ko-KR" sz="1400" dirty="0" err="1">
-                <a:latin typeface="HY견명조" panose="02030600000101010101" pitchFamily="18" charset="-127"/>
-                <a:ea typeface="HY견명조" panose="02030600000101010101" pitchFamily="18" charset="-127"/>
-              </a:rPr>
-              <a:t>shared_buffer</a:t>
-            </a:r>
-            <a:r>
-              <a:rPr lang="en-US" altLang="ko-KR" sz="1400" dirty="0">
-                <a:latin typeface="HY견명조" panose="02030600000101010101" pitchFamily="18" charset="-127"/>
-                <a:ea typeface="HY견명조" panose="02030600000101010101" pitchFamily="18" charset="-127"/>
-              </a:rPr>
-              <a:t>"</a:t>
-            </a:r>
-          </a:p>
-          <a:p>
-            <a:endParaRPr lang="en-US" altLang="ko-KR" sz="1400" dirty="0">
-              <a:latin typeface="HY신명조" panose="02030600000101010101" pitchFamily="18" charset="-127"/>
-              <a:ea typeface="HY신명조" panose="02030600000101010101" pitchFamily="18" charset="-127"/>
-            </a:endParaRPr>
-          </a:p>
-          <a:p>
-            <a:r>
-              <a:rPr lang="ko-KR" altLang="en-US" sz="1400" dirty="0">
-                <a:latin typeface="HY신명조" panose="02030600000101010101" pitchFamily="18" charset="-127"/>
-                <a:ea typeface="HY신명조" panose="02030600000101010101" pitchFamily="18" charset="-127"/>
-              </a:rPr>
-              <a:t>    혹은 </a:t>
-            </a:r>
-            <a:r>
-              <a:rPr lang="en-US" altLang="ko-KR" sz="1400" dirty="0">
-                <a:latin typeface="HY신명조" panose="02030600000101010101" pitchFamily="18" charset="-127"/>
-                <a:ea typeface="HY신명조" panose="02030600000101010101" pitchFamily="18" charset="-127"/>
-              </a:rPr>
-              <a:t>CGDK::buffer</a:t>
-            </a:r>
-            <a:r>
-              <a:rPr lang="ko-KR" altLang="en-US" sz="1400" dirty="0">
-                <a:latin typeface="HY신명조" panose="02030600000101010101" pitchFamily="18" charset="-127"/>
-                <a:ea typeface="HY신명조" panose="02030600000101010101" pitchFamily="18" charset="-127"/>
-              </a:rPr>
-              <a:t>까지만 쓰고 싶으시다면</a:t>
-            </a:r>
-            <a:br>
-              <a:rPr lang="en-US" altLang="ko-KR" sz="1400" dirty="0">
-                <a:latin typeface="HY신명조" panose="02030600000101010101" pitchFamily="18" charset="-127"/>
-                <a:ea typeface="HY신명조" panose="02030600000101010101" pitchFamily="18" charset="-127"/>
-              </a:rPr>
-            </a:br>
-            <a:br>
-              <a:rPr lang="en-US" altLang="ko-KR" sz="1400" dirty="0">
-                <a:latin typeface="HY신명조" panose="02030600000101010101" pitchFamily="18" charset="-127"/>
-                <a:ea typeface="HY신명조" panose="02030600000101010101" pitchFamily="18" charset="-127"/>
-              </a:rPr>
-            </a:br>
-            <a:r>
-              <a:rPr lang="en-US" altLang="ko-KR" sz="1400" dirty="0">
-                <a:latin typeface="HY신명조" panose="02030600000101010101" pitchFamily="18" charset="-127"/>
-                <a:ea typeface="HY신명조" panose="02030600000101010101" pitchFamily="18" charset="-127"/>
-              </a:rPr>
-              <a:t>    </a:t>
-            </a:r>
-            <a:r>
-              <a:rPr lang="en-US" altLang="ko-KR" sz="1400" dirty="0">
-                <a:latin typeface="HY견명조" panose="02030600000101010101" pitchFamily="18" charset="-127"/>
-                <a:ea typeface="HY견명조" panose="02030600000101010101" pitchFamily="18" charset="-127"/>
-              </a:rPr>
-              <a:t>#include "</a:t>
-            </a:r>
-            <a:r>
-              <a:rPr lang="en-US" altLang="ko-KR" sz="1400" dirty="0" err="1">
-                <a:latin typeface="HY견명조" panose="02030600000101010101" pitchFamily="18" charset="-127"/>
-                <a:ea typeface="HY견명조" panose="02030600000101010101" pitchFamily="18" charset="-127"/>
-              </a:rPr>
-              <a:t>cgdk</a:t>
-            </a:r>
-            <a:r>
-              <a:rPr lang="en-US" altLang="ko-KR" sz="1400" dirty="0">
-                <a:latin typeface="HY견명조" panose="02030600000101010101" pitchFamily="18" charset="-127"/>
-                <a:ea typeface="HY견명조" panose="02030600000101010101" pitchFamily="18" charset="-127"/>
-              </a:rPr>
-              <a:t>/buffer"</a:t>
-            </a:r>
-            <a:endParaRPr lang="ko-KR" altLang="en-US" sz="1400" dirty="0">
-              <a:latin typeface="HY신명조" panose="02030600000101010101" pitchFamily="18" charset="-127"/>
-              <a:ea typeface="HY신명조" panose="02030600000101010101" pitchFamily="18" charset="-127"/>
-            </a:endParaRPr>
-          </a:p>
-        </p:txBody>
-      </p:sp>
-    </p:spTree>
-    <p:extLst>
-      <p:ext uri="{BB962C8B-B14F-4D97-AF65-F5344CB8AC3E}">
-        <p14:creationId xmlns:p14="http://schemas.microsoft.com/office/powerpoint/2010/main" val="2392954409"/>
-      </p:ext>
-    </p:extLst>
-  </p:cSld>
-  <p:clrMapOvr>
-    <a:masterClrMapping/>
-  </p:clrMapOvr>
-</p:sld>
-</file>
-
-<file path=ppt/slides/slide11.xml><?xml version="1.0" encoding="utf-8"?>
-<p:sld xmlns:a="http://schemas.openxmlformats.org/drawingml/2006/main" xmlns:r="http://schemas.openxmlformats.org/officeDocument/2006/relationships" xmlns:p="http://schemas.openxmlformats.org/presentationml/2006/main">
-  <p:cSld>
-    <p:spTree>
-      <p:nvGrpSpPr>
-        <p:cNvPr id="1" name=""/>
-        <p:cNvGrpSpPr/>
-        <p:nvPr/>
-      </p:nvGrpSpPr>
-      <p:grpSpPr>
-        <a:xfrm>
-          <a:off x="0" y="0"/>
-          <a:ext cx="0" cy="0"/>
-          <a:chOff x="0" y="0"/>
-          <a:chExt cx="0" cy="0"/>
-        </a:xfrm>
-      </p:grpSpPr>
       <p:sp>
         <p:nvSpPr>
           <p:cNvPr id="62" name="TextBox 61"/>
@@ -6148,7 +5523,7 @@
 </p:sld>
 </file>
 
-<file path=ppt/slides/slide12.xml><?xml version="1.0" encoding="utf-8"?>
+<file path=ppt/slides/slide11.xml><?xml version="1.0" encoding="utf-8"?>
 <p:sld xmlns:a="http://schemas.openxmlformats.org/drawingml/2006/main" xmlns:r="http://schemas.openxmlformats.org/officeDocument/2006/relationships" xmlns:p="http://schemas.openxmlformats.org/presentationml/2006/main">
   <p:cSld>
     <p:spTree>
@@ -6709,7 +6084,7 @@
                 <a:latin typeface="HY신명조" panose="02030600000101010101" pitchFamily="18" charset="-127"/>
                 <a:ea typeface="HY신명조" panose="02030600000101010101" pitchFamily="18" charset="-127"/>
               </a:rPr>
-              <a:t>C++20 </a:t>
+              <a:t>C++17 </a:t>
             </a:r>
             <a:r>
               <a:rPr lang="ko-KR" altLang="en-US" sz="1400" dirty="0">
@@ -6898,7 +6273,7 @@
 </p:sld>
 </file>
 
-<file path=ppt/slides/slide13.xml><?xml version="1.0" encoding="utf-8"?>
+<file path=ppt/slides/slide12.xml><?xml version="1.0" encoding="utf-8"?>
 <p:sld xmlns:a="http://schemas.openxmlformats.org/drawingml/2006/main" xmlns:r="http://schemas.openxmlformats.org/officeDocument/2006/relationships" xmlns:p="http://schemas.openxmlformats.org/presentationml/2006/main">
   <p:cSld>
     <p:spTree>
@@ -7343,7 +6718,7 @@
                 <a:latin typeface="HY신명조" panose="02030600000101010101" pitchFamily="18" charset="-127"/>
                 <a:ea typeface="HY신명조" panose="02030600000101010101" pitchFamily="18" charset="-127"/>
               </a:rPr>
-              <a:t>C++20</a:t>
+              <a:t>C++17</a:t>
             </a:r>
             <a:r>
               <a:rPr lang="ko-KR" altLang="en-US" sz="1400" dirty="0">
@@ -8040,7 +7415,7 @@
 </p:sld>
 </file>
 
-<file path=ppt/slides/slide14.xml><?xml version="1.0" encoding="utf-8"?>
+<file path=ppt/slides/slide13.xml><?xml version="1.0" encoding="utf-8"?>
 <p:sld xmlns:a="http://schemas.openxmlformats.org/drawingml/2006/main" xmlns:r="http://schemas.openxmlformats.org/officeDocument/2006/relationships" xmlns:p="http://schemas.openxmlformats.org/presentationml/2006/main">
   <p:cSld>
     <p:spTree>
@@ -8750,7 +8125,7 @@
 </p:sld>
 </file>
 
-<file path=ppt/slides/slide15.xml><?xml version="1.0" encoding="utf-8"?>
+<file path=ppt/slides/slide14.xml><?xml version="1.0" encoding="utf-8"?>
 <p:sld xmlns:a="http://schemas.openxmlformats.org/drawingml/2006/main" xmlns:r="http://schemas.openxmlformats.org/officeDocument/2006/relationships" xmlns:p="http://schemas.openxmlformats.org/presentationml/2006/main">
   <p:cSld>
     <p:spTree>
@@ -9584,7 +8959,7 @@
 </p:sld>
 </file>
 
-<file path=ppt/slides/slide16.xml><?xml version="1.0" encoding="utf-8"?>
+<file path=ppt/slides/slide15.xml><?xml version="1.0" encoding="utf-8"?>
 <p:sld xmlns:a="http://schemas.openxmlformats.org/drawingml/2006/main" xmlns:r="http://schemas.openxmlformats.org/officeDocument/2006/relationships" xmlns:p="http://schemas.openxmlformats.org/presentationml/2006/main">
   <p:cSld>
     <p:spTree>
@@ -9997,7 +9372,7 @@
         <p:spPr>
           <a:xfrm>
             <a:off x="1727199" y="1524423"/>
-            <a:ext cx="10292623" cy="876843"/>
+            <a:ext cx="10292623" cy="445956"/>
           </a:xfrm>
           <a:prstGeom prst="rect">
             <a:avLst/>
@@ -10035,61 +9410,6 @@
                 <a:ea typeface="HY신명조" panose="02030600000101010101" pitchFamily="18" charset="-127"/>
               </a:rPr>
               <a:t>옵션만 설정해주면 완료입니다</a:t>
-            </a:r>
-            <a:r>
-              <a:rPr lang="en-US" altLang="ko-KR" sz="1400" dirty="0">
-                <a:latin typeface="HY신명조" panose="02030600000101010101" pitchFamily="18" charset="-127"/>
-                <a:ea typeface="HY신명조" panose="02030600000101010101" pitchFamily="18" charset="-127"/>
-              </a:rPr>
-              <a:t>.</a:t>
-            </a:r>
-            <a:br>
-              <a:rPr lang="en-US" altLang="ko-KR" sz="1400" dirty="0">
-                <a:latin typeface="HY신명조" panose="02030600000101010101" pitchFamily="18" charset="-127"/>
-                <a:ea typeface="HY신명조" panose="02030600000101010101" pitchFamily="18" charset="-127"/>
-              </a:rPr>
-            </a:br>
-            <a:r>
-              <a:rPr lang="en-US" altLang="ko-KR" sz="1400" dirty="0">
-                <a:latin typeface="HY신명조" panose="02030600000101010101" pitchFamily="18" charset="-127"/>
-                <a:ea typeface="HY신명조" panose="02030600000101010101" pitchFamily="18" charset="-127"/>
-              </a:rPr>
-              <a:t>Unreal3D</a:t>
-            </a:r>
-            <a:r>
-              <a:rPr lang="ko-KR" altLang="en-US" sz="1400" dirty="0">
-                <a:latin typeface="HY신명조" panose="02030600000101010101" pitchFamily="18" charset="-127"/>
-                <a:ea typeface="HY신명조" panose="02030600000101010101" pitchFamily="18" charset="-127"/>
-              </a:rPr>
-              <a:t>는 </a:t>
-            </a:r>
-            <a:r>
-              <a:rPr lang="en-US" altLang="ko-KR" sz="1400" dirty="0">
-                <a:latin typeface="HY신명조" panose="02030600000101010101" pitchFamily="18" charset="-127"/>
-                <a:ea typeface="HY신명조" panose="02030600000101010101" pitchFamily="18" charset="-127"/>
-              </a:rPr>
-              <a:t>C++20</a:t>
-            </a:r>
-            <a:r>
-              <a:rPr lang="ko-KR" altLang="en-US" sz="1400" dirty="0">
-                <a:latin typeface="HY신명조" panose="02030600000101010101" pitchFamily="18" charset="-127"/>
-                <a:ea typeface="HY신명조" panose="02030600000101010101" pitchFamily="18" charset="-127"/>
-              </a:rPr>
-              <a:t>이 아직 지원되지 않는 버전을 사용하는 분들이 많아 </a:t>
-            </a:r>
-            <a:r>
-              <a:rPr lang="en-US" altLang="ko-KR" sz="1400" dirty="0">
-                <a:latin typeface="HY신명조" panose="02030600000101010101" pitchFamily="18" charset="-127"/>
-                <a:ea typeface="HY신명조" panose="02030600000101010101" pitchFamily="18" charset="-127"/>
-              </a:rPr>
-              <a:t>C++17 </a:t>
-            </a:r>
-            <a:r>
-              <a:rPr lang="ko-KR" altLang="en-US" sz="1400" dirty="0">
-                <a:latin typeface="HY신명조" panose="02030600000101010101" pitchFamily="18" charset="-127"/>
-                <a:ea typeface="HY신명조" panose="02030600000101010101" pitchFamily="18" charset="-127"/>
-              </a:rPr>
-              <a:t>로만 설정해 주십시요</a:t>
             </a:r>
             <a:r>
               <a:rPr lang="en-US" altLang="ko-KR" sz="1400" dirty="0">
@@ -10176,8 +9496,8 @@
         </p:nvSpPr>
         <p:spPr>
           <a:xfrm>
-            <a:off x="2268512" y="2514599"/>
-            <a:ext cx="8537472" cy="1738617"/>
+            <a:off x="2268512" y="2109751"/>
+            <a:ext cx="8537472" cy="1307730"/>
           </a:xfrm>
           <a:prstGeom prst="rect">
             <a:avLst/>
@@ -10200,83 +9520,42 @@
                 <a:latin typeface="HY신명조" panose="02030600000101010101" pitchFamily="18" charset="-127"/>
                 <a:ea typeface="HY신명조" panose="02030600000101010101" pitchFamily="18" charset="-127"/>
               </a:rPr>
-              <a:t>① </a:t>
+              <a:t>① '</a:t>
+            </a:r>
+            <a:r>
+              <a:rPr lang="en-US" altLang="ko-KR" sz="1400" dirty="0" err="1">
+                <a:latin typeface="HY신명조" panose="02030600000101010101" pitchFamily="18" charset="-127"/>
+                <a:ea typeface="HY신명조" panose="02030600000101010101" pitchFamily="18" charset="-127"/>
+              </a:rPr>
+              <a:t>CGDK.buffer</a:t>
+            </a:r>
+            <a:r>
+              <a:rPr lang="en-US" altLang="ko-KR" sz="1400" dirty="0">
+                <a:latin typeface="HY신명조" panose="02030600000101010101" pitchFamily="18" charset="-127"/>
+                <a:ea typeface="HY신명조" panose="02030600000101010101" pitchFamily="18" charset="-127"/>
+              </a:rPr>
+              <a:t>\C++\include'</a:t>
             </a:r>
             <a:r>
               <a:rPr lang="ko-KR" altLang="en-US" sz="1400" dirty="0">
                 <a:latin typeface="HY신명조" panose="02030600000101010101" pitchFamily="18" charset="-127"/>
                 <a:ea typeface="HY신명조" panose="02030600000101010101" pitchFamily="18" charset="-127"/>
               </a:rPr>
-              <a:t>컴파일 옵션을 </a:t>
+              <a:t>를 </a:t>
             </a:r>
             <a:r>
               <a:rPr lang="en-US" altLang="ko-KR" sz="1400" dirty="0">
                 <a:latin typeface="HY신명조" panose="02030600000101010101" pitchFamily="18" charset="-127"/>
                 <a:ea typeface="HY신명조" panose="02030600000101010101" pitchFamily="18" charset="-127"/>
               </a:rPr>
-              <a:t>C++17 </a:t>
+              <a:t>include </a:t>
             </a:r>
             <a:r>
               <a:rPr lang="ko-KR" altLang="en-US" sz="1400" dirty="0">
                 <a:latin typeface="HY신명조" panose="02030600000101010101" pitchFamily="18" charset="-127"/>
                 <a:ea typeface="HY신명조" panose="02030600000101010101" pitchFamily="18" charset="-127"/>
               </a:rPr>
-              <a:t>이상 지원 옵션으로 설정해 주시고</a:t>
-            </a:r>
-            <a:br>
-              <a:rPr lang="en-US" altLang="ko-KR" sz="1400" dirty="0">
-                <a:latin typeface="HY신명조" panose="02030600000101010101" pitchFamily="18" charset="-127"/>
-                <a:ea typeface="HY신명조" panose="02030600000101010101" pitchFamily="18" charset="-127"/>
-              </a:rPr>
-            </a:br>
-            <a:r>
-              <a:rPr lang="ko-KR" altLang="en-US" sz="1400" dirty="0">
-                <a:latin typeface="HY신명조" panose="02030600000101010101" pitchFamily="18" charset="-127"/>
-                <a:ea typeface="HY신명조" panose="02030600000101010101" pitchFamily="18" charset="-127"/>
-              </a:rPr>
-              <a:t>②</a:t>
-            </a:r>
-            <a:r>
-              <a:rPr lang="en-US" altLang="ko-KR" sz="1400" dirty="0">
-                <a:latin typeface="HY신명조" panose="02030600000101010101" pitchFamily="18" charset="-127"/>
-                <a:ea typeface="HY신명조" panose="02030600000101010101" pitchFamily="18" charset="-127"/>
-              </a:rPr>
-              <a:t> '</a:t>
-            </a:r>
-            <a:r>
-              <a:rPr lang="en-US" altLang="ko-KR" sz="1400" dirty="0" err="1">
-                <a:latin typeface="HY신명조" panose="02030600000101010101" pitchFamily="18" charset="-127"/>
-                <a:ea typeface="HY신명조" panose="02030600000101010101" pitchFamily="18" charset="-127"/>
-              </a:rPr>
-              <a:t>CGDK.buffer</a:t>
-            </a:r>
-            <a:r>
-              <a:rPr lang="en-US" altLang="ko-KR" sz="1400" dirty="0">
-                <a:latin typeface="HY신명조" panose="02030600000101010101" pitchFamily="18" charset="-127"/>
-                <a:ea typeface="HY신명조" panose="02030600000101010101" pitchFamily="18" charset="-127"/>
-              </a:rPr>
-              <a:t>\C++\include'</a:t>
-            </a:r>
-            <a:r>
-              <a:rPr lang="ko-KR" altLang="en-US" sz="1400" dirty="0">
-                <a:latin typeface="HY신명조" panose="02030600000101010101" pitchFamily="18" charset="-127"/>
-                <a:ea typeface="HY신명조" panose="02030600000101010101" pitchFamily="18" charset="-127"/>
-              </a:rPr>
-              <a:t>를 </a:t>
-            </a:r>
-            <a:r>
-              <a:rPr lang="en-US" altLang="ko-KR" sz="1400" dirty="0">
-                <a:latin typeface="HY신명조" panose="02030600000101010101" pitchFamily="18" charset="-127"/>
-                <a:ea typeface="HY신명조" panose="02030600000101010101" pitchFamily="18" charset="-127"/>
-              </a:rPr>
-              <a:t>include </a:t>
-            </a:r>
-            <a:r>
-              <a:rPr lang="ko-KR" altLang="en-US" sz="1400" dirty="0">
-                <a:latin typeface="HY신명조" panose="02030600000101010101" pitchFamily="18" charset="-127"/>
-                <a:ea typeface="HY신명조" panose="02030600000101010101" pitchFamily="18" charset="-127"/>
-              </a:rPr>
-              <a:t>디렉토리에 포함시켜 주십시요</a:t>
+              <a:t>디렉토리에 포함시켜 주시면 됩니다</a:t>
             </a:r>
             <a:r>
               <a:rPr lang="en-US" altLang="ko-KR" sz="1400" dirty="0">
@@ -10293,18 +9572,11 @@
               </a:lnSpc>
             </a:pPr>
             <a:r>
-              <a:rPr lang="en-US" altLang="ko-KR" sz="1400" dirty="0">
-                <a:latin typeface="HY신명조" panose="02030600000101010101" pitchFamily="18" charset="-127"/>
-                <a:ea typeface="HY신명조" panose="02030600000101010101" pitchFamily="18" charset="-127"/>
-              </a:rPr>
-              <a:t>③</a:t>
-            </a:r>
-            <a:r>
               <a:rPr lang="ko-KR" altLang="en-US" sz="1400" dirty="0">
                 <a:latin typeface="HY신명조" panose="02030600000101010101" pitchFamily="18" charset="-127"/>
                 <a:ea typeface="HY신명조" panose="02030600000101010101" pitchFamily="18" charset="-127"/>
               </a:rPr>
-              <a:t> </a:t>
+              <a:t>②  </a:t>
             </a:r>
             <a:r>
               <a:rPr lang="en-US" altLang="ko-KR" sz="1400" dirty="0">
@@ -10381,7 +9653,7 @@
                 <a:latin typeface="HY신명조" panose="02030600000101010101" pitchFamily="18" charset="-127"/>
                 <a:ea typeface="HY신명조" panose="02030600000101010101" pitchFamily="18" charset="-127"/>
               </a:rPr>
-              <a:t>④ </a:t>
+              <a:t>③ </a:t>
             </a:r>
             <a:r>
               <a:rPr lang="ko-KR" altLang="en-US" sz="1400" dirty="0">
@@ -10417,7 +9689,2118 @@
 </p:sld>
 </file>
 
+<file path=ppt/slides/slide16.xml><?xml version="1.0" encoding="utf-8"?>
+<p:sld xmlns:a="http://schemas.openxmlformats.org/drawingml/2006/main" xmlns:r="http://schemas.openxmlformats.org/officeDocument/2006/relationships" xmlns:p="http://schemas.openxmlformats.org/presentationml/2006/main">
+  <p:cSld>
+    <p:spTree>
+      <p:nvGrpSpPr>
+        <p:cNvPr id="1" name=""/>
+        <p:cNvGrpSpPr/>
+        <p:nvPr/>
+      </p:nvGrpSpPr>
+      <p:grpSpPr>
+        <a:xfrm>
+          <a:off x="0" y="0"/>
+          <a:ext cx="0" cy="0"/>
+          <a:chOff x="0" y="0"/>
+          <a:chExt cx="0" cy="0"/>
+        </a:xfrm>
+      </p:grpSpPr>
+      <p:pic>
+        <p:nvPicPr>
+          <p:cNvPr id="15" name="그림 14">
+            <a:extLst>
+              <a:ext uri="{FF2B5EF4-FFF2-40B4-BE49-F238E27FC236}">
+                <a16:creationId xmlns:a16="http://schemas.microsoft.com/office/drawing/2014/main" id="{57DA41D2-3699-144D-1F92-160E334AF93C}"/>
+              </a:ext>
+            </a:extLst>
+          </p:cNvPr>
+          <p:cNvPicPr>
+            <a:picLocks noChangeAspect="1"/>
+          </p:cNvPicPr>
+          <p:nvPr/>
+        </p:nvPicPr>
+        <p:blipFill>
+          <a:blip r:embed="rId3"/>
+          <a:stretch>
+            <a:fillRect/>
+          </a:stretch>
+        </p:blipFill>
+        <p:spPr>
+          <a:xfrm>
+            <a:off x="3865848" y="2052084"/>
+            <a:ext cx="4783920" cy="3082793"/>
+          </a:xfrm>
+          <a:prstGeom prst="rect">
+            <a:avLst/>
+          </a:prstGeom>
+          <a:ln>
+            <a:solidFill>
+              <a:schemeClr val="tx1">
+                <a:lumMod val="50000"/>
+                <a:lumOff val="50000"/>
+              </a:schemeClr>
+            </a:solidFill>
+          </a:ln>
+          <a:effectLst>
+            <a:outerShdw blurRad="50800" dist="38100" dir="2700000" algn="tl" rotWithShape="0">
+              <a:prstClr val="black">
+                <a:alpha val="40000"/>
+              </a:prstClr>
+            </a:outerShdw>
+          </a:effectLst>
+        </p:spPr>
+      </p:pic>
+      <p:pic>
+        <p:nvPicPr>
+          <p:cNvPr id="11" name="그림 10">
+            <a:extLst>
+              <a:ext uri="{FF2B5EF4-FFF2-40B4-BE49-F238E27FC236}">
+                <a16:creationId xmlns:a16="http://schemas.microsoft.com/office/drawing/2014/main" id="{E33EA49B-DFF2-B762-17A6-E6722BD2F622}"/>
+              </a:ext>
+            </a:extLst>
+          </p:cNvPr>
+          <p:cNvPicPr>
+            <a:picLocks noChangeAspect="1"/>
+          </p:cNvPicPr>
+          <p:nvPr/>
+        </p:nvPicPr>
+        <p:blipFill>
+          <a:blip r:embed="rId4"/>
+          <a:stretch>
+            <a:fillRect/>
+          </a:stretch>
+        </p:blipFill>
+        <p:spPr>
+          <a:xfrm>
+            <a:off x="1202535" y="2052084"/>
+            <a:ext cx="2609882" cy="3082793"/>
+          </a:xfrm>
+          <a:prstGeom prst="rect">
+            <a:avLst/>
+          </a:prstGeom>
+          <a:ln>
+            <a:solidFill>
+              <a:schemeClr val="tx1">
+                <a:lumMod val="50000"/>
+                <a:lumOff val="50000"/>
+              </a:schemeClr>
+            </a:solidFill>
+          </a:ln>
+          <a:effectLst>
+            <a:outerShdw blurRad="50800" dist="38100" dir="2700000" algn="tl" rotWithShape="0">
+              <a:prstClr val="black">
+                <a:alpha val="40000"/>
+              </a:prstClr>
+            </a:outerShdw>
+          </a:effectLst>
+        </p:spPr>
+      </p:pic>
+      <p:sp>
+        <p:nvSpPr>
+          <p:cNvPr id="62" name="TextBox 61"/>
+          <p:cNvSpPr txBox="1"/>
+          <p:nvPr/>
+        </p:nvSpPr>
+        <p:spPr>
+          <a:xfrm>
+            <a:off x="21018" y="0"/>
+            <a:ext cx="783291" cy="369332"/>
+          </a:xfrm>
+          <a:prstGeom prst="rect">
+            <a:avLst/>
+          </a:prstGeom>
+          <a:noFill/>
+        </p:spPr>
+        <p:txBody>
+          <a:bodyPr wrap="none" rtlCol="0">
+            <a:spAutoFit/>
+          </a:bodyPr>
+          <a:lstStyle/>
+          <a:p>
+            <a:r>
+              <a:rPr lang="en-US" altLang="ko-KR" b="1" dirty="0">
+                <a:solidFill>
+                  <a:schemeClr val="tx2">
+                    <a:lumMod val="20000"/>
+                    <a:lumOff val="80000"/>
+                  </a:schemeClr>
+                </a:solidFill>
+              </a:rPr>
+              <a:t>CGCII</a:t>
+            </a:r>
+            <a:endParaRPr lang="ko-KR" altLang="en-US" b="1" dirty="0">
+              <a:solidFill>
+                <a:schemeClr val="tx2">
+                  <a:lumMod val="20000"/>
+                  <a:lumOff val="80000"/>
+                </a:schemeClr>
+              </a:solidFill>
+            </a:endParaRPr>
+          </a:p>
+        </p:txBody>
+      </p:sp>
+      <p:sp>
+        <p:nvSpPr>
+          <p:cNvPr id="18" name="TextBox 17">
+            <a:extLst>
+              <a:ext uri="{FF2B5EF4-FFF2-40B4-BE49-F238E27FC236}">
+                <a16:creationId xmlns:a16="http://schemas.microsoft.com/office/drawing/2014/main" id="{56031253-0268-C339-46E0-5C0CA4065F93}"/>
+              </a:ext>
+            </a:extLst>
+          </p:cNvPr>
+          <p:cNvSpPr txBox="1"/>
+          <p:nvPr/>
+        </p:nvSpPr>
+        <p:spPr>
+          <a:xfrm>
+            <a:off x="-145470" y="369332"/>
+            <a:ext cx="2027461" cy="646331"/>
+          </a:xfrm>
+          <a:prstGeom prst="rect">
+            <a:avLst/>
+          </a:prstGeom>
+          <a:noFill/>
+          <a:effectLst>
+            <a:outerShdw blurRad="50800" dist="38100" algn="l" rotWithShape="0">
+              <a:prstClr val="black">
+                <a:alpha val="40000"/>
+              </a:prstClr>
+            </a:outerShdw>
+          </a:effectLst>
+        </p:spPr>
+        <p:txBody>
+          <a:bodyPr wrap="square">
+            <a:spAutoFit/>
+          </a:bodyPr>
+          <a:lstStyle/>
+          <a:p>
+            <a:pPr algn="ctr"/>
+            <a:r>
+              <a:rPr lang="en-US" altLang="ko-KR" dirty="0">
+                <a:latin typeface="Segoe UI Semibold" panose="020B0702040204020203" pitchFamily="34" charset="0"/>
+                <a:ea typeface="HY신명조" panose="02030600000101010101" pitchFamily="18" charset="-127"/>
+                <a:cs typeface="Segoe UI Semibold" panose="020B0702040204020203" pitchFamily="34" charset="0"/>
+              </a:rPr>
+              <a:t>CGDK</a:t>
+            </a:r>
+            <a:r>
+              <a:rPr lang="en-US" altLang="ko-KR" dirty="0">
+                <a:solidFill>
+                  <a:schemeClr val="tx1">
+                    <a:lumMod val="50000"/>
+                    <a:lumOff val="50000"/>
+                  </a:schemeClr>
+                </a:solidFill>
+                <a:latin typeface="HY신명조" panose="02030600000101010101" pitchFamily="18" charset="-127"/>
+                <a:ea typeface="HY신명조" panose="02030600000101010101" pitchFamily="18" charset="-127"/>
+              </a:rPr>
+              <a:t>::</a:t>
+            </a:r>
+            <a:r>
+              <a:rPr lang="en-US" altLang="ko-KR" dirty="0">
+                <a:latin typeface="HY신명조" panose="02030600000101010101" pitchFamily="18" charset="-127"/>
+                <a:ea typeface="HY신명조" panose="02030600000101010101" pitchFamily="18" charset="-127"/>
+              </a:rPr>
+              <a:t>buffer</a:t>
+            </a:r>
+            <a:br>
+              <a:rPr lang="en-US" altLang="ko-KR" dirty="0">
+                <a:latin typeface="HY신명조" panose="02030600000101010101" pitchFamily="18" charset="-127"/>
+                <a:ea typeface="HY신명조" panose="02030600000101010101" pitchFamily="18" charset="-127"/>
+              </a:rPr>
+            </a:br>
+            <a:r>
+              <a:rPr lang="en-US" altLang="ko-KR" sz="600" dirty="0">
+                <a:latin typeface="HY신명조" panose="02030600000101010101" pitchFamily="18" charset="-127"/>
+                <a:ea typeface="HY신명조" panose="02030600000101010101" pitchFamily="18" charset="-127"/>
+              </a:rPr>
+              <a:t>with Reflection</a:t>
+            </a:r>
+            <a:endParaRPr lang="ko-KR" altLang="en-US" sz="600" dirty="0">
+              <a:latin typeface="HY신명조" panose="02030600000101010101" pitchFamily="18" charset="-127"/>
+              <a:ea typeface="HY신명조" panose="02030600000101010101" pitchFamily="18" charset="-127"/>
+            </a:endParaRPr>
+          </a:p>
+          <a:p>
+            <a:pPr algn="ctr"/>
+            <a:endParaRPr lang="ko-KR" altLang="en-US" sz="1200" dirty="0"/>
+          </a:p>
+        </p:txBody>
+      </p:sp>
+      <p:cxnSp>
+        <p:nvCxnSpPr>
+          <p:cNvPr id="19" name="직선 연결선 18">
+            <a:extLst>
+              <a:ext uri="{FF2B5EF4-FFF2-40B4-BE49-F238E27FC236}">
+                <a16:creationId xmlns:a16="http://schemas.microsoft.com/office/drawing/2014/main" id="{4D54D713-F571-C9FB-DD7D-6AC15501D59F}"/>
+              </a:ext>
+            </a:extLst>
+          </p:cNvPr>
+          <p:cNvCxnSpPr/>
+          <p:nvPr/>
+        </p:nvCxnSpPr>
+        <p:spPr>
+          <a:xfrm>
+            <a:off x="0" y="369332"/>
+            <a:ext cx="1727200" cy="0"/>
+          </a:xfrm>
+          <a:prstGeom prst="line">
+            <a:avLst/>
+          </a:prstGeom>
+          <a:ln>
+            <a:solidFill>
+              <a:schemeClr val="tx1"/>
+            </a:solidFill>
+            <a:tailEnd type="triangle"/>
+          </a:ln>
+        </p:spPr>
+        <p:style>
+          <a:lnRef idx="1">
+            <a:schemeClr val="accent1"/>
+          </a:lnRef>
+          <a:fillRef idx="0">
+            <a:schemeClr val="accent1"/>
+          </a:fillRef>
+          <a:effectRef idx="0">
+            <a:schemeClr val="accent1"/>
+          </a:effectRef>
+          <a:fontRef idx="minor">
+            <a:schemeClr val="tx1"/>
+          </a:fontRef>
+        </p:style>
+      </p:cxnSp>
+      <p:sp>
+        <p:nvSpPr>
+          <p:cNvPr id="4" name="부제목 2">
+            <a:extLst>
+              <a:ext uri="{FF2B5EF4-FFF2-40B4-BE49-F238E27FC236}">
+                <a16:creationId xmlns:a16="http://schemas.microsoft.com/office/drawing/2014/main" id="{919BD469-8EF4-8A9F-3484-425E9E437DE1}"/>
+              </a:ext>
+            </a:extLst>
+          </p:cNvPr>
+          <p:cNvSpPr txBox="1">
+            <a:spLocks/>
+          </p:cNvSpPr>
+          <p:nvPr/>
+        </p:nvSpPr>
+        <p:spPr>
+          <a:xfrm>
+            <a:off x="9743758" y="6608604"/>
+            <a:ext cx="2426208" cy="238379"/>
+          </a:xfrm>
+          <a:prstGeom prst="rect">
+            <a:avLst/>
+          </a:prstGeom>
+        </p:spPr>
+        <p:txBody>
+          <a:bodyPr vert="horz" wrap="none" lIns="91440" tIns="45720" rIns="91440" bIns="45720" rtlCol="0">
+            <a:normAutofit/>
+          </a:bodyPr>
+          <a:lstStyle>
+            <a:lvl1pPr marL="228600" indent="-228600" algn="l" defTabSz="914400" rtl="0" eaLnBrk="1" latinLnBrk="1" hangingPunct="1">
+              <a:lnSpc>
+                <a:spcPct val="90000"/>
+              </a:lnSpc>
+              <a:spcBef>
+                <a:spcPts val="1000"/>
+              </a:spcBef>
+              <a:buFont typeface="Arial" panose="020B0604020202020204" pitchFamily="34" charset="0"/>
+              <a:buChar char="•"/>
+              <a:defRPr sz="2800" kern="1200">
+                <a:solidFill>
+                  <a:schemeClr val="tx1"/>
+                </a:solidFill>
+                <a:latin typeface="+mn-lt"/>
+                <a:ea typeface="+mn-ea"/>
+                <a:cs typeface="+mn-cs"/>
+              </a:defRPr>
+            </a:lvl1pPr>
+            <a:lvl2pPr marL="685800" indent="-228600" algn="l" defTabSz="914400" rtl="0" eaLnBrk="1" latinLnBrk="1" hangingPunct="1">
+              <a:lnSpc>
+                <a:spcPct val="90000"/>
+              </a:lnSpc>
+              <a:spcBef>
+                <a:spcPts val="500"/>
+              </a:spcBef>
+              <a:buFont typeface="Arial" panose="020B0604020202020204" pitchFamily="34" charset="0"/>
+              <a:buChar char="•"/>
+              <a:defRPr sz="2400" kern="1200">
+                <a:solidFill>
+                  <a:schemeClr val="tx1"/>
+                </a:solidFill>
+                <a:latin typeface="+mn-lt"/>
+                <a:ea typeface="+mn-ea"/>
+                <a:cs typeface="+mn-cs"/>
+              </a:defRPr>
+            </a:lvl2pPr>
+            <a:lvl3pPr marL="1143000" indent="-228600" algn="l" defTabSz="914400" rtl="0" eaLnBrk="1" latinLnBrk="1" hangingPunct="1">
+              <a:lnSpc>
+                <a:spcPct val="90000"/>
+              </a:lnSpc>
+              <a:spcBef>
+                <a:spcPts val="500"/>
+              </a:spcBef>
+              <a:buFont typeface="Arial" panose="020B0604020202020204" pitchFamily="34" charset="0"/>
+              <a:buChar char="•"/>
+              <a:defRPr sz="2000" kern="1200">
+                <a:solidFill>
+                  <a:schemeClr val="tx1"/>
+                </a:solidFill>
+                <a:latin typeface="+mn-lt"/>
+                <a:ea typeface="+mn-ea"/>
+                <a:cs typeface="+mn-cs"/>
+              </a:defRPr>
+            </a:lvl3pPr>
+            <a:lvl4pPr marL="1600200" indent="-228600" algn="l" defTabSz="914400" rtl="0" eaLnBrk="1" latinLnBrk="1" hangingPunct="1">
+              <a:lnSpc>
+                <a:spcPct val="90000"/>
+              </a:lnSpc>
+              <a:spcBef>
+                <a:spcPts val="500"/>
+              </a:spcBef>
+              <a:buFont typeface="Arial" panose="020B0604020202020204" pitchFamily="34" charset="0"/>
+              <a:buChar char="•"/>
+              <a:defRPr sz="1800" kern="1200">
+                <a:solidFill>
+                  <a:schemeClr val="tx1"/>
+                </a:solidFill>
+                <a:latin typeface="+mn-lt"/>
+                <a:ea typeface="+mn-ea"/>
+                <a:cs typeface="+mn-cs"/>
+              </a:defRPr>
+            </a:lvl4pPr>
+            <a:lvl5pPr marL="2057400" indent="-228600" algn="l" defTabSz="914400" rtl="0" eaLnBrk="1" latinLnBrk="1" hangingPunct="1">
+              <a:lnSpc>
+                <a:spcPct val="90000"/>
+              </a:lnSpc>
+              <a:spcBef>
+                <a:spcPts val="500"/>
+              </a:spcBef>
+              <a:buFont typeface="Arial" panose="020B0604020202020204" pitchFamily="34" charset="0"/>
+              <a:buChar char="•"/>
+              <a:defRPr sz="1800" kern="1200">
+                <a:solidFill>
+                  <a:schemeClr val="tx1"/>
+                </a:solidFill>
+                <a:latin typeface="+mn-lt"/>
+                <a:ea typeface="+mn-ea"/>
+                <a:cs typeface="+mn-cs"/>
+              </a:defRPr>
+            </a:lvl5pPr>
+            <a:lvl6pPr marL="2514600" indent="-228600" algn="l" defTabSz="914400" rtl="0" eaLnBrk="1" latinLnBrk="1" hangingPunct="1">
+              <a:lnSpc>
+                <a:spcPct val="90000"/>
+              </a:lnSpc>
+              <a:spcBef>
+                <a:spcPts val="500"/>
+              </a:spcBef>
+              <a:buFont typeface="Arial" panose="020B0604020202020204" pitchFamily="34" charset="0"/>
+              <a:buChar char="•"/>
+              <a:defRPr sz="1800" kern="1200">
+                <a:solidFill>
+                  <a:schemeClr val="tx1"/>
+                </a:solidFill>
+                <a:latin typeface="+mn-lt"/>
+                <a:ea typeface="+mn-ea"/>
+                <a:cs typeface="+mn-cs"/>
+              </a:defRPr>
+            </a:lvl6pPr>
+            <a:lvl7pPr marL="2971800" indent="-228600" algn="l" defTabSz="914400" rtl="0" eaLnBrk="1" latinLnBrk="1" hangingPunct="1">
+              <a:lnSpc>
+                <a:spcPct val="90000"/>
+              </a:lnSpc>
+              <a:spcBef>
+                <a:spcPts val="500"/>
+              </a:spcBef>
+              <a:buFont typeface="Arial" panose="020B0604020202020204" pitchFamily="34" charset="0"/>
+              <a:buChar char="•"/>
+              <a:defRPr sz="1800" kern="1200">
+                <a:solidFill>
+                  <a:schemeClr val="tx1"/>
+                </a:solidFill>
+                <a:latin typeface="+mn-lt"/>
+                <a:ea typeface="+mn-ea"/>
+                <a:cs typeface="+mn-cs"/>
+              </a:defRPr>
+            </a:lvl7pPr>
+            <a:lvl8pPr marL="3429000" indent="-228600" algn="l" defTabSz="914400" rtl="0" eaLnBrk="1" latinLnBrk="1" hangingPunct="1">
+              <a:lnSpc>
+                <a:spcPct val="90000"/>
+              </a:lnSpc>
+              <a:spcBef>
+                <a:spcPts val="500"/>
+              </a:spcBef>
+              <a:buFont typeface="Arial" panose="020B0604020202020204" pitchFamily="34" charset="0"/>
+              <a:buChar char="•"/>
+              <a:defRPr sz="1800" kern="1200">
+                <a:solidFill>
+                  <a:schemeClr val="tx1"/>
+                </a:solidFill>
+                <a:latin typeface="+mn-lt"/>
+                <a:ea typeface="+mn-ea"/>
+                <a:cs typeface="+mn-cs"/>
+              </a:defRPr>
+            </a:lvl8pPr>
+            <a:lvl9pPr marL="3886200" indent="-228600" algn="l" defTabSz="914400" rtl="0" eaLnBrk="1" latinLnBrk="1" hangingPunct="1">
+              <a:lnSpc>
+                <a:spcPct val="90000"/>
+              </a:lnSpc>
+              <a:spcBef>
+                <a:spcPts val="500"/>
+              </a:spcBef>
+              <a:buFont typeface="Arial" panose="020B0604020202020204" pitchFamily="34" charset="0"/>
+              <a:buChar char="•"/>
+              <a:defRPr sz="1800" kern="1200">
+                <a:solidFill>
+                  <a:schemeClr val="tx1"/>
+                </a:solidFill>
+                <a:latin typeface="+mn-lt"/>
+                <a:ea typeface="+mn-ea"/>
+                <a:cs typeface="+mn-cs"/>
+              </a:defRPr>
+            </a:lvl9pPr>
+          </a:lstStyle>
+          <a:p>
+            <a:pPr marL="0" indent="0" algn="r">
+              <a:buNone/>
+            </a:pPr>
+            <a:r>
+              <a:rPr lang="en-US" altLang="ko-KR" sz="700" dirty="0"/>
+              <a:t>© 2016. </a:t>
+            </a:r>
+            <a:r>
+              <a:rPr lang="en-US" altLang="ko-KR" sz="700" b="1" dirty="0"/>
+              <a:t>CGCII</a:t>
+            </a:r>
+            <a:endParaRPr lang="ko-KR" altLang="en-US" sz="700" dirty="0"/>
+          </a:p>
+        </p:txBody>
+      </p:sp>
+      <p:sp>
+        <p:nvSpPr>
+          <p:cNvPr id="13" name="TextBox 12">
+            <a:extLst>
+              <a:ext uri="{FF2B5EF4-FFF2-40B4-BE49-F238E27FC236}">
+                <a16:creationId xmlns:a16="http://schemas.microsoft.com/office/drawing/2014/main" id="{FBDD0E11-2B58-1F1F-1EEE-626C183DC461}"/>
+              </a:ext>
+            </a:extLst>
+          </p:cNvPr>
+          <p:cNvSpPr txBox="1"/>
+          <p:nvPr/>
+        </p:nvSpPr>
+        <p:spPr>
+          <a:xfrm>
+            <a:off x="2352807" y="1136608"/>
+            <a:ext cx="6560846" cy="307777"/>
+          </a:xfrm>
+          <a:prstGeom prst="rect">
+            <a:avLst/>
+          </a:prstGeom>
+          <a:noFill/>
+        </p:spPr>
+        <p:txBody>
+          <a:bodyPr wrap="square">
+            <a:spAutoFit/>
+          </a:bodyPr>
+          <a:lstStyle/>
+          <a:p>
+            <a:r>
+              <a:rPr lang="en-US" altLang="ko-KR" sz="1400" dirty="0">
+                <a:latin typeface="HY신명조" panose="02030600000101010101" pitchFamily="18" charset="-127"/>
+                <a:ea typeface="HY신명조" panose="02030600000101010101" pitchFamily="18" charset="-127"/>
+              </a:rPr>
+              <a:t>①</a:t>
+            </a:r>
+            <a:r>
+              <a:rPr lang="ko-KR" altLang="en-US" sz="1400" dirty="0">
+                <a:latin typeface="HY신명조" panose="02030600000101010101" pitchFamily="18" charset="-127"/>
+                <a:ea typeface="HY신명조" panose="02030600000101010101" pitchFamily="18" charset="-127"/>
+              </a:rPr>
+              <a:t> </a:t>
+            </a:r>
+            <a:r>
+              <a:rPr lang="en-US" altLang="ko-KR" sz="1400" dirty="0" err="1">
+                <a:latin typeface="HY신명조" panose="02030600000101010101" pitchFamily="18" charset="-127"/>
+                <a:ea typeface="HY신명조" panose="02030600000101010101" pitchFamily="18" charset="-127"/>
+              </a:rPr>
+              <a:t>Inlcude</a:t>
+            </a:r>
+            <a:r>
+              <a:rPr lang="en-US" altLang="ko-KR" sz="1400" dirty="0">
+                <a:latin typeface="HY신명조" panose="02030600000101010101" pitchFamily="18" charset="-127"/>
+                <a:ea typeface="HY신명조" panose="02030600000101010101" pitchFamily="18" charset="-127"/>
+              </a:rPr>
+              <a:t> Directory</a:t>
+            </a:r>
+            <a:r>
+              <a:rPr lang="ko-KR" altLang="en-US" sz="1400" dirty="0">
+                <a:latin typeface="HY신명조" panose="02030600000101010101" pitchFamily="18" charset="-127"/>
+                <a:ea typeface="HY신명조" panose="02030600000101010101" pitchFamily="18" charset="-127"/>
+              </a:rPr>
+              <a:t>에 </a:t>
+            </a:r>
+            <a:r>
+              <a:rPr lang="en-US" altLang="ko-KR" sz="1400" dirty="0">
+                <a:latin typeface="HY신명조" panose="02030600000101010101" pitchFamily="18" charset="-127"/>
+                <a:ea typeface="HY신명조" panose="02030600000101010101" pitchFamily="18" charset="-127"/>
+              </a:rPr>
+              <a:t>"CGDK/buffer/C++/include"</a:t>
+            </a:r>
+            <a:r>
+              <a:rPr lang="ko-KR" altLang="en-US" sz="1400" dirty="0">
+                <a:latin typeface="HY신명조" panose="02030600000101010101" pitchFamily="18" charset="-127"/>
+                <a:ea typeface="HY신명조" panose="02030600000101010101" pitchFamily="18" charset="-127"/>
+              </a:rPr>
+              <a:t>를 추가해 줍니다</a:t>
+            </a:r>
+            <a:r>
+              <a:rPr lang="en-US" altLang="ko-KR" sz="1400" dirty="0">
+                <a:latin typeface="HY신명조" panose="02030600000101010101" pitchFamily="18" charset="-127"/>
+                <a:ea typeface="HY신명조" panose="02030600000101010101" pitchFamily="18" charset="-127"/>
+              </a:rPr>
+              <a:t>.</a:t>
+            </a:r>
+            <a:endParaRPr lang="en-US" altLang="ko-KR" sz="1400" dirty="0">
+              <a:latin typeface="HY견명조" panose="02030600000101010101" pitchFamily="18" charset="-127"/>
+              <a:ea typeface="HY견명조" panose="02030600000101010101" pitchFamily="18" charset="-127"/>
+            </a:endParaRPr>
+          </a:p>
+        </p:txBody>
+      </p:sp>
+      <p:sp>
+        <p:nvSpPr>
+          <p:cNvPr id="5" name="사각형: 둥근 모서리 4">
+            <a:extLst>
+              <a:ext uri="{FF2B5EF4-FFF2-40B4-BE49-F238E27FC236}">
+                <a16:creationId xmlns:a16="http://schemas.microsoft.com/office/drawing/2014/main" id="{D1A6A899-859A-5650-28D5-4D2BCBA6FE04}"/>
+              </a:ext>
+            </a:extLst>
+          </p:cNvPr>
+          <p:cNvSpPr/>
+          <p:nvPr/>
+        </p:nvSpPr>
+        <p:spPr>
+          <a:xfrm>
+            <a:off x="1571713" y="3092209"/>
+            <a:ext cx="1255249" cy="188464"/>
+          </a:xfrm>
+          <a:prstGeom prst="roundRect">
+            <a:avLst/>
+          </a:prstGeom>
+          <a:noFill/>
+          <a:ln>
+            <a:solidFill>
+              <a:srgbClr val="6600FF"/>
+            </a:solidFill>
+            <a:prstDash val="sysDash"/>
+          </a:ln>
+        </p:spPr>
+        <p:style>
+          <a:lnRef idx="2">
+            <a:schemeClr val="accent1">
+              <a:shade val="50000"/>
+            </a:schemeClr>
+          </a:lnRef>
+          <a:fillRef idx="1">
+            <a:schemeClr val="accent1"/>
+          </a:fillRef>
+          <a:effectRef idx="0">
+            <a:schemeClr val="accent1"/>
+          </a:effectRef>
+          <a:fontRef idx="minor">
+            <a:schemeClr val="lt1"/>
+          </a:fontRef>
+        </p:style>
+        <p:txBody>
+          <a:bodyPr rtlCol="0" anchor="ctr"/>
+          <a:lstStyle/>
+          <a:p>
+            <a:pPr algn="ctr"/>
+            <a:endParaRPr lang="ko-KR" altLang="en-US"/>
+          </a:p>
+        </p:txBody>
+      </p:sp>
+      <p:sp>
+        <p:nvSpPr>
+          <p:cNvPr id="7" name="사각형: 둥근 모서리 6">
+            <a:extLst>
+              <a:ext uri="{FF2B5EF4-FFF2-40B4-BE49-F238E27FC236}">
+                <a16:creationId xmlns:a16="http://schemas.microsoft.com/office/drawing/2014/main" id="{D2CE222A-955A-F307-3344-A8893915E30F}"/>
+              </a:ext>
+            </a:extLst>
+          </p:cNvPr>
+          <p:cNvSpPr/>
+          <p:nvPr/>
+        </p:nvSpPr>
+        <p:spPr>
+          <a:xfrm>
+            <a:off x="4692029" y="3687883"/>
+            <a:ext cx="3066454" cy="1054198"/>
+          </a:xfrm>
+          <a:prstGeom prst="roundRect">
+            <a:avLst>
+              <a:gd name="adj" fmla="val 7858"/>
+            </a:avLst>
+          </a:prstGeom>
+          <a:noFill/>
+          <a:ln>
+            <a:solidFill>
+              <a:srgbClr val="6600FF"/>
+            </a:solidFill>
+            <a:prstDash val="sysDash"/>
+          </a:ln>
+        </p:spPr>
+        <p:style>
+          <a:lnRef idx="2">
+            <a:schemeClr val="accent1">
+              <a:shade val="50000"/>
+            </a:schemeClr>
+          </a:lnRef>
+          <a:fillRef idx="1">
+            <a:schemeClr val="accent1"/>
+          </a:fillRef>
+          <a:effectRef idx="0">
+            <a:schemeClr val="accent1"/>
+          </a:effectRef>
+          <a:fontRef idx="minor">
+            <a:schemeClr val="lt1"/>
+          </a:fontRef>
+        </p:style>
+        <p:txBody>
+          <a:bodyPr rtlCol="0" anchor="ctr"/>
+          <a:lstStyle/>
+          <a:p>
+            <a:pPr algn="ctr"/>
+            <a:endParaRPr lang="ko-KR" altLang="en-US"/>
+          </a:p>
+        </p:txBody>
+      </p:sp>
+      <p:sp>
+        <p:nvSpPr>
+          <p:cNvPr id="8" name="TextBox 7">
+            <a:extLst>
+              <a:ext uri="{FF2B5EF4-FFF2-40B4-BE49-F238E27FC236}">
+                <a16:creationId xmlns:a16="http://schemas.microsoft.com/office/drawing/2014/main" id="{8F737D8E-0308-FCD4-87A7-DCFF7322713C}"/>
+              </a:ext>
+            </a:extLst>
+          </p:cNvPr>
+          <p:cNvSpPr txBox="1"/>
+          <p:nvPr/>
+        </p:nvSpPr>
+        <p:spPr>
+          <a:xfrm>
+            <a:off x="8799266" y="1775085"/>
+            <a:ext cx="2995141" cy="400110"/>
+          </a:xfrm>
+          <a:prstGeom prst="rect">
+            <a:avLst/>
+          </a:prstGeom>
+          <a:noFill/>
+        </p:spPr>
+        <p:txBody>
+          <a:bodyPr wrap="square">
+            <a:spAutoFit/>
+          </a:bodyPr>
+          <a:lstStyle/>
+          <a:p>
+            <a:r>
+              <a:rPr lang="en-US" altLang="ko-KR" sz="1000" dirty="0">
+                <a:solidFill>
+                  <a:srgbClr val="0000FF"/>
+                </a:solidFill>
+                <a:latin typeface="HY신명조" panose="02030600000101010101" pitchFamily="18" charset="-127"/>
+                <a:ea typeface="HY신명조" panose="02030600000101010101" pitchFamily="18" charset="-127"/>
+              </a:rPr>
+              <a:t>unreal 3d</a:t>
+            </a:r>
+            <a:r>
+              <a:rPr lang="ko-KR" altLang="en-US" sz="1000" dirty="0">
+                <a:solidFill>
+                  <a:srgbClr val="0000FF"/>
+                </a:solidFill>
+                <a:latin typeface="HY신명조" panose="02030600000101010101" pitchFamily="18" charset="-127"/>
+                <a:ea typeface="HY신명조" panose="02030600000101010101" pitchFamily="18" charset="-127"/>
+              </a:rPr>
+              <a:t>의 </a:t>
+            </a:r>
+            <a:r>
+              <a:rPr lang="en-US" altLang="ko-KR" sz="1000" dirty="0">
+                <a:solidFill>
+                  <a:srgbClr val="0000FF"/>
+                </a:solidFill>
+                <a:latin typeface="HY신명조" panose="02030600000101010101" pitchFamily="18" charset="-127"/>
+                <a:ea typeface="HY신명조" panose="02030600000101010101" pitchFamily="18" charset="-127"/>
+              </a:rPr>
+              <a:t>build </a:t>
+            </a:r>
+            <a:r>
+              <a:rPr lang="ko-KR" altLang="en-US" sz="1000" dirty="0">
+                <a:solidFill>
+                  <a:srgbClr val="0000FF"/>
+                </a:solidFill>
+                <a:latin typeface="HY신명조" panose="02030600000101010101" pitchFamily="18" charset="-127"/>
+                <a:ea typeface="HY신명조" panose="02030600000101010101" pitchFamily="18" charset="-127"/>
+              </a:rPr>
+              <a:t>설정파일인</a:t>
+            </a:r>
+            <a:endParaRPr lang="en-US" altLang="ko-KR" sz="1000" dirty="0">
+              <a:solidFill>
+                <a:srgbClr val="0000FF"/>
+              </a:solidFill>
+              <a:latin typeface="HY신명조" panose="02030600000101010101" pitchFamily="18" charset="-127"/>
+              <a:ea typeface="HY신명조" panose="02030600000101010101" pitchFamily="18" charset="-127"/>
+            </a:endParaRPr>
+          </a:p>
+          <a:p>
+            <a:r>
+              <a:rPr lang="en-US" altLang="ko-KR" sz="1000" dirty="0">
+                <a:solidFill>
+                  <a:srgbClr val="0000FF"/>
+                </a:solidFill>
+                <a:latin typeface="HY견명조" panose="02030600000101010101" pitchFamily="18" charset="-127"/>
+                <a:ea typeface="HY견명조" panose="02030600000101010101" pitchFamily="18" charset="-127"/>
+              </a:rPr>
+              <a:t>'….</a:t>
+            </a:r>
+            <a:r>
+              <a:rPr lang="en-US" altLang="ko-KR" sz="1000" dirty="0" err="1">
+                <a:solidFill>
+                  <a:srgbClr val="0000FF"/>
+                </a:solidFill>
+                <a:latin typeface="HY견명조" panose="02030600000101010101" pitchFamily="18" charset="-127"/>
+                <a:ea typeface="HY견명조" panose="02030600000101010101" pitchFamily="18" charset="-127"/>
+              </a:rPr>
+              <a:t>Build.cs</a:t>
+            </a:r>
+            <a:r>
+              <a:rPr lang="en-US" altLang="ko-KR" sz="1000" dirty="0">
+                <a:solidFill>
+                  <a:srgbClr val="0000FF"/>
+                </a:solidFill>
+                <a:latin typeface="HY견명조" panose="02030600000101010101" pitchFamily="18" charset="-127"/>
+                <a:ea typeface="HY견명조" panose="02030600000101010101" pitchFamily="18" charset="-127"/>
+              </a:rPr>
+              <a:t>'</a:t>
+            </a:r>
+            <a:r>
+              <a:rPr lang="en-US" altLang="ko-KR" sz="1000" dirty="0">
+                <a:solidFill>
+                  <a:srgbClr val="0000FF"/>
+                </a:solidFill>
+                <a:latin typeface="HY신명조" panose="02030600000101010101" pitchFamily="18" charset="-127"/>
+                <a:ea typeface="HY신명조" panose="02030600000101010101" pitchFamily="18" charset="-127"/>
+              </a:rPr>
+              <a:t> </a:t>
+            </a:r>
+            <a:r>
+              <a:rPr lang="ko-KR" altLang="en-US" sz="1000" dirty="0">
+                <a:solidFill>
+                  <a:srgbClr val="0000FF"/>
+                </a:solidFill>
+                <a:latin typeface="HY신명조" panose="02030600000101010101" pitchFamily="18" charset="-127"/>
+                <a:ea typeface="HY신명조" panose="02030600000101010101" pitchFamily="18" charset="-127"/>
+              </a:rPr>
+              <a:t>파일을 </a:t>
+            </a:r>
+            <a:r>
+              <a:rPr lang="ko-KR" altLang="en-US" sz="1000" dirty="0" err="1">
+                <a:solidFill>
+                  <a:srgbClr val="0000FF"/>
+                </a:solidFill>
+                <a:latin typeface="HY신명조" panose="02030600000101010101" pitchFamily="18" charset="-127"/>
+                <a:ea typeface="HY신명조" panose="02030600000101010101" pitchFamily="18" charset="-127"/>
+              </a:rPr>
+              <a:t>열여서</a:t>
+            </a:r>
+            <a:endParaRPr lang="ko-KR" altLang="en-US" sz="1000" dirty="0">
+              <a:solidFill>
+                <a:srgbClr val="0000FF"/>
+              </a:solidFill>
+              <a:latin typeface="HY신명조" panose="02030600000101010101" pitchFamily="18" charset="-127"/>
+              <a:ea typeface="HY신명조" panose="02030600000101010101" pitchFamily="18" charset="-127"/>
+            </a:endParaRPr>
+          </a:p>
+        </p:txBody>
+      </p:sp>
+      <p:cxnSp>
+        <p:nvCxnSpPr>
+          <p:cNvPr id="9" name="직선 화살표 연결선 8">
+            <a:extLst>
+              <a:ext uri="{FF2B5EF4-FFF2-40B4-BE49-F238E27FC236}">
+                <a16:creationId xmlns:a16="http://schemas.microsoft.com/office/drawing/2014/main" id="{B8D17437-6DD5-74F2-2CD5-70AB53F7D201}"/>
+              </a:ext>
+            </a:extLst>
+          </p:cNvPr>
+          <p:cNvCxnSpPr>
+            <a:cxnSpLocks/>
+            <a:stCxn id="8" idx="1"/>
+          </p:cNvCxnSpPr>
+          <p:nvPr/>
+        </p:nvCxnSpPr>
+        <p:spPr>
+          <a:xfrm flipH="1">
+            <a:off x="2875823" y="1975140"/>
+            <a:ext cx="5923443" cy="1213852"/>
+          </a:xfrm>
+          <a:prstGeom prst="straightConnector1">
+            <a:avLst/>
+          </a:prstGeom>
+          <a:ln>
+            <a:solidFill>
+              <a:srgbClr val="0000FF"/>
+            </a:solidFill>
+            <a:prstDash val="dash"/>
+            <a:headEnd type="none"/>
+            <a:tailEnd type="stealth"/>
+          </a:ln>
+          <a:effectLst>
+            <a:outerShdw blurRad="50800" dist="38100" dir="2700000" algn="tl" rotWithShape="0">
+              <a:prstClr val="black">
+                <a:alpha val="40000"/>
+              </a:prstClr>
+            </a:outerShdw>
+          </a:effectLst>
+        </p:spPr>
+        <p:style>
+          <a:lnRef idx="1">
+            <a:schemeClr val="accent1"/>
+          </a:lnRef>
+          <a:fillRef idx="0">
+            <a:schemeClr val="accent1"/>
+          </a:fillRef>
+          <a:effectRef idx="0">
+            <a:schemeClr val="accent1"/>
+          </a:effectRef>
+          <a:fontRef idx="minor">
+            <a:schemeClr val="tx1"/>
+          </a:fontRef>
+        </p:style>
+      </p:cxnSp>
+      <p:sp>
+        <p:nvSpPr>
+          <p:cNvPr id="10" name="TextBox 9">
+            <a:extLst>
+              <a:ext uri="{FF2B5EF4-FFF2-40B4-BE49-F238E27FC236}">
+                <a16:creationId xmlns:a16="http://schemas.microsoft.com/office/drawing/2014/main" id="{0D7874E1-5464-D4D4-6BD2-FAD41A334557}"/>
+              </a:ext>
+            </a:extLst>
+          </p:cNvPr>
+          <p:cNvSpPr txBox="1"/>
+          <p:nvPr/>
+        </p:nvSpPr>
+        <p:spPr>
+          <a:xfrm>
+            <a:off x="8799266" y="3979799"/>
+            <a:ext cx="2995141" cy="400110"/>
+          </a:xfrm>
+          <a:prstGeom prst="rect">
+            <a:avLst/>
+          </a:prstGeom>
+          <a:noFill/>
+        </p:spPr>
+        <p:txBody>
+          <a:bodyPr wrap="square">
+            <a:spAutoFit/>
+          </a:bodyPr>
+          <a:lstStyle/>
+          <a:p>
+            <a:r>
+              <a:rPr lang="en-US" altLang="ko-KR" sz="1000" dirty="0">
+                <a:solidFill>
+                  <a:srgbClr val="0000FF"/>
+                </a:solidFill>
+                <a:latin typeface="HY신명조" panose="02030600000101010101" pitchFamily="18" charset="-127"/>
+                <a:ea typeface="HY신명조" panose="02030600000101010101" pitchFamily="18" charset="-127"/>
+              </a:rPr>
+              <a:t>'</a:t>
+            </a:r>
+            <a:r>
+              <a:rPr lang="en-US" altLang="ko-KR" sz="1000" dirty="0" err="1">
+                <a:solidFill>
+                  <a:srgbClr val="0000FF"/>
+                </a:solidFill>
+                <a:latin typeface="HY신명조" panose="02030600000101010101" pitchFamily="18" charset="-127"/>
+                <a:ea typeface="HY신명조" panose="02030600000101010101" pitchFamily="18" charset="-127"/>
+              </a:rPr>
+              <a:t>CGDK.buffer</a:t>
+            </a:r>
+            <a:r>
+              <a:rPr lang="en-US" altLang="ko-KR" sz="1000" dirty="0">
+                <a:solidFill>
+                  <a:srgbClr val="0000FF"/>
+                </a:solidFill>
+                <a:latin typeface="HY신명조" panose="02030600000101010101" pitchFamily="18" charset="-127"/>
+                <a:ea typeface="HY신명조" panose="02030600000101010101" pitchFamily="18" charset="-127"/>
+              </a:rPr>
+              <a:t>/C++/include/'</a:t>
+            </a:r>
+            <a:r>
+              <a:rPr lang="ko-KR" altLang="en-US" sz="1000" dirty="0">
+                <a:solidFill>
+                  <a:srgbClr val="0000FF"/>
+                </a:solidFill>
+                <a:latin typeface="HY신명조" panose="02030600000101010101" pitchFamily="18" charset="-127"/>
+                <a:ea typeface="HY신명조" panose="02030600000101010101" pitchFamily="18" charset="-127"/>
+              </a:rPr>
+              <a:t>를 </a:t>
+            </a:r>
+            <a:r>
+              <a:rPr lang="en-US" altLang="ko-KR" sz="1000" dirty="0">
+                <a:solidFill>
+                  <a:srgbClr val="0000FF"/>
+                </a:solidFill>
+                <a:latin typeface="HY신명조" panose="02030600000101010101" pitchFamily="18" charset="-127"/>
+                <a:ea typeface="HY신명조" panose="02030600000101010101" pitchFamily="18" charset="-127"/>
+              </a:rPr>
+              <a:t>Include Path</a:t>
+            </a:r>
+            <a:r>
+              <a:rPr lang="ko-KR" altLang="en-US" sz="1000" dirty="0">
+                <a:solidFill>
+                  <a:srgbClr val="0000FF"/>
+                </a:solidFill>
+                <a:latin typeface="HY신명조" panose="02030600000101010101" pitchFamily="18" charset="-127"/>
+                <a:ea typeface="HY신명조" panose="02030600000101010101" pitchFamily="18" charset="-127"/>
+              </a:rPr>
+              <a:t>에 추가해줍니다</a:t>
+            </a:r>
+            <a:r>
+              <a:rPr lang="en-US" altLang="ko-KR" sz="1000" dirty="0">
+                <a:solidFill>
+                  <a:srgbClr val="0000FF"/>
+                </a:solidFill>
+                <a:latin typeface="HY신명조" panose="02030600000101010101" pitchFamily="18" charset="-127"/>
+                <a:ea typeface="HY신명조" panose="02030600000101010101" pitchFamily="18" charset="-127"/>
+              </a:rPr>
+              <a:t>.</a:t>
+            </a:r>
+            <a:endParaRPr lang="ko-KR" altLang="en-US" sz="1000" dirty="0">
+              <a:solidFill>
+                <a:srgbClr val="0000FF"/>
+              </a:solidFill>
+              <a:latin typeface="HY신명조" panose="02030600000101010101" pitchFamily="18" charset="-127"/>
+              <a:ea typeface="HY신명조" panose="02030600000101010101" pitchFamily="18" charset="-127"/>
+            </a:endParaRPr>
+          </a:p>
+        </p:txBody>
+      </p:sp>
+      <p:cxnSp>
+        <p:nvCxnSpPr>
+          <p:cNvPr id="16" name="직선 화살표 연결선 15">
+            <a:extLst>
+              <a:ext uri="{FF2B5EF4-FFF2-40B4-BE49-F238E27FC236}">
+                <a16:creationId xmlns:a16="http://schemas.microsoft.com/office/drawing/2014/main" id="{80693FA1-5FA0-C88A-891D-591D19650D3A}"/>
+              </a:ext>
+            </a:extLst>
+          </p:cNvPr>
+          <p:cNvCxnSpPr>
+            <a:cxnSpLocks/>
+            <a:stCxn id="10" idx="1"/>
+            <a:endCxn id="7" idx="3"/>
+          </p:cNvCxnSpPr>
+          <p:nvPr/>
+        </p:nvCxnSpPr>
+        <p:spPr>
+          <a:xfrm flipH="1">
+            <a:off x="7758483" y="4179854"/>
+            <a:ext cx="1040783" cy="35128"/>
+          </a:xfrm>
+          <a:prstGeom prst="straightConnector1">
+            <a:avLst/>
+          </a:prstGeom>
+          <a:ln>
+            <a:solidFill>
+              <a:srgbClr val="0000FF"/>
+            </a:solidFill>
+            <a:prstDash val="dash"/>
+            <a:headEnd type="none"/>
+            <a:tailEnd type="stealth"/>
+          </a:ln>
+          <a:effectLst>
+            <a:outerShdw blurRad="50800" dist="38100" dir="2700000" algn="tl" rotWithShape="0">
+              <a:prstClr val="black">
+                <a:alpha val="40000"/>
+              </a:prstClr>
+            </a:outerShdw>
+          </a:effectLst>
+        </p:spPr>
+        <p:style>
+          <a:lnRef idx="1">
+            <a:schemeClr val="accent1"/>
+          </a:lnRef>
+          <a:fillRef idx="0">
+            <a:schemeClr val="accent1"/>
+          </a:fillRef>
+          <a:effectRef idx="0">
+            <a:schemeClr val="accent1"/>
+          </a:effectRef>
+          <a:fontRef idx="minor">
+            <a:schemeClr val="tx1"/>
+          </a:fontRef>
+        </p:style>
+      </p:cxnSp>
+      <p:sp>
+        <p:nvSpPr>
+          <p:cNvPr id="21" name="사각형: 둥근 모서리 20">
+            <a:extLst>
+              <a:ext uri="{FF2B5EF4-FFF2-40B4-BE49-F238E27FC236}">
+                <a16:creationId xmlns:a16="http://schemas.microsoft.com/office/drawing/2014/main" id="{7B04FDEE-0421-4448-EE76-9A92D75CB611}"/>
+              </a:ext>
+            </a:extLst>
+          </p:cNvPr>
+          <p:cNvSpPr/>
+          <p:nvPr/>
+        </p:nvSpPr>
+        <p:spPr>
+          <a:xfrm>
+            <a:off x="4692029" y="3452700"/>
+            <a:ext cx="1597089" cy="180470"/>
+          </a:xfrm>
+          <a:prstGeom prst="roundRect">
+            <a:avLst>
+              <a:gd name="adj" fmla="val 7858"/>
+            </a:avLst>
+          </a:prstGeom>
+          <a:noFill/>
+          <a:ln>
+            <a:solidFill>
+              <a:srgbClr val="6600FF"/>
+            </a:solidFill>
+            <a:prstDash val="sysDash"/>
+          </a:ln>
+        </p:spPr>
+        <p:style>
+          <a:lnRef idx="2">
+            <a:schemeClr val="accent1">
+              <a:shade val="50000"/>
+            </a:schemeClr>
+          </a:lnRef>
+          <a:fillRef idx="1">
+            <a:schemeClr val="accent1"/>
+          </a:fillRef>
+          <a:effectRef idx="0">
+            <a:schemeClr val="accent1"/>
+          </a:effectRef>
+          <a:fontRef idx="minor">
+            <a:schemeClr val="lt1"/>
+          </a:fontRef>
+        </p:style>
+        <p:txBody>
+          <a:bodyPr rtlCol="0" anchor="ctr"/>
+          <a:lstStyle/>
+          <a:p>
+            <a:pPr algn="ctr"/>
+            <a:endParaRPr lang="ko-KR" altLang="en-US"/>
+          </a:p>
+        </p:txBody>
+      </p:sp>
+      <p:sp>
+        <p:nvSpPr>
+          <p:cNvPr id="22" name="TextBox 21">
+            <a:extLst>
+              <a:ext uri="{FF2B5EF4-FFF2-40B4-BE49-F238E27FC236}">
+                <a16:creationId xmlns:a16="http://schemas.microsoft.com/office/drawing/2014/main" id="{B8A0038B-DF69-046B-2157-A2976A8EDA5B}"/>
+              </a:ext>
+            </a:extLst>
+          </p:cNvPr>
+          <p:cNvSpPr txBox="1"/>
+          <p:nvPr/>
+        </p:nvSpPr>
+        <p:spPr>
+          <a:xfrm>
+            <a:off x="8805820" y="3173866"/>
+            <a:ext cx="2995141" cy="707886"/>
+          </a:xfrm>
+          <a:prstGeom prst="rect">
+            <a:avLst/>
+          </a:prstGeom>
+          <a:noFill/>
+        </p:spPr>
+        <p:txBody>
+          <a:bodyPr wrap="square">
+            <a:spAutoFit/>
+          </a:bodyPr>
+          <a:lstStyle/>
+          <a:p>
+            <a:r>
+              <a:rPr lang="en-US" altLang="ko-KR" sz="1000" dirty="0">
+                <a:solidFill>
+                  <a:srgbClr val="0000FF"/>
+                </a:solidFill>
+                <a:latin typeface="HY신명조" panose="02030600000101010101" pitchFamily="18" charset="-127"/>
+                <a:ea typeface="HY신명조" panose="02030600000101010101" pitchFamily="18" charset="-127"/>
+              </a:rPr>
+              <a:t>'</a:t>
+            </a:r>
+            <a:r>
+              <a:rPr lang="en-US" altLang="ko-KR" sz="1000" dirty="0" err="1">
+                <a:solidFill>
+                  <a:srgbClr val="0000FF"/>
+                </a:solidFill>
+                <a:latin typeface="HY신명조" panose="02030600000101010101" pitchFamily="18" charset="-127"/>
+                <a:ea typeface="HY신명조" panose="02030600000101010101" pitchFamily="18" charset="-127"/>
+              </a:rPr>
+              <a:t>CGDK.buffer</a:t>
+            </a:r>
+            <a:r>
+              <a:rPr lang="en-US" altLang="ko-KR" sz="1000" dirty="0">
+                <a:solidFill>
+                  <a:srgbClr val="0000FF"/>
+                </a:solidFill>
+                <a:latin typeface="HY신명조" panose="02030600000101010101" pitchFamily="18" charset="-127"/>
+                <a:ea typeface="HY신명조" panose="02030600000101010101" pitchFamily="18" charset="-127"/>
+              </a:rPr>
+              <a:t>'</a:t>
+            </a:r>
+            <a:r>
+              <a:rPr lang="ko-KR" altLang="en-US" sz="1000" dirty="0">
+                <a:solidFill>
+                  <a:srgbClr val="0000FF"/>
+                </a:solidFill>
+                <a:latin typeface="HY신명조" panose="02030600000101010101" pitchFamily="18" charset="-127"/>
+                <a:ea typeface="HY신명조" panose="02030600000101010101" pitchFamily="18" charset="-127"/>
+              </a:rPr>
+              <a:t>는 예외를 사용하므로 </a:t>
+            </a:r>
+            <a:r>
+              <a:rPr lang="en-US" altLang="ko-KR" sz="1000" dirty="0">
+                <a:solidFill>
+                  <a:srgbClr val="0000FF"/>
+                </a:solidFill>
+                <a:latin typeface="HY신명조" panose="02030600000101010101" pitchFamily="18" charset="-127"/>
+                <a:ea typeface="HY신명조" panose="02030600000101010101" pitchFamily="18" charset="-127"/>
+              </a:rPr>
+              <a:t>true</a:t>
+            </a:r>
+            <a:r>
+              <a:rPr lang="ko-KR" altLang="en-US" sz="1000" dirty="0">
+                <a:solidFill>
+                  <a:srgbClr val="0000FF"/>
+                </a:solidFill>
+                <a:latin typeface="HY신명조" panose="02030600000101010101" pitchFamily="18" charset="-127"/>
+                <a:ea typeface="HY신명조" panose="02030600000101010101" pitchFamily="18" charset="-127"/>
+              </a:rPr>
+              <a:t>로 설정해 두는 것이 좋을 것입니다</a:t>
+            </a:r>
+            <a:r>
+              <a:rPr lang="en-US" altLang="ko-KR" sz="1000" dirty="0">
+                <a:solidFill>
+                  <a:srgbClr val="0000FF"/>
+                </a:solidFill>
+                <a:latin typeface="HY신명조" panose="02030600000101010101" pitchFamily="18" charset="-127"/>
+                <a:ea typeface="HY신명조" panose="02030600000101010101" pitchFamily="18" charset="-127"/>
+              </a:rPr>
+              <a:t>.</a:t>
+            </a:r>
+            <a:br>
+              <a:rPr lang="en-US" altLang="ko-KR" sz="1000" dirty="0">
+                <a:solidFill>
+                  <a:srgbClr val="0000FF"/>
+                </a:solidFill>
+                <a:latin typeface="HY신명조" panose="02030600000101010101" pitchFamily="18" charset="-127"/>
+                <a:ea typeface="HY신명조" panose="02030600000101010101" pitchFamily="18" charset="-127"/>
+              </a:rPr>
+            </a:br>
+            <a:r>
+              <a:rPr lang="ko-KR" altLang="en-US" sz="1000" dirty="0">
+                <a:solidFill>
+                  <a:srgbClr val="0000FF"/>
+                </a:solidFill>
+                <a:latin typeface="HY신명조" panose="02030600000101010101" pitchFamily="18" charset="-127"/>
+                <a:ea typeface="HY신명조" panose="02030600000101010101" pitchFamily="18" charset="-127"/>
+              </a:rPr>
+              <a:t>만약 예외를 사용하지 않으면 설정하지 않으셔도 됩니다</a:t>
+            </a:r>
+            <a:r>
+              <a:rPr lang="en-US" altLang="ko-KR" sz="1000" dirty="0">
+                <a:solidFill>
+                  <a:srgbClr val="0000FF"/>
+                </a:solidFill>
+                <a:latin typeface="HY신명조" panose="02030600000101010101" pitchFamily="18" charset="-127"/>
+                <a:ea typeface="HY신명조" panose="02030600000101010101" pitchFamily="18" charset="-127"/>
+              </a:rPr>
+              <a:t>.</a:t>
+            </a:r>
+            <a:r>
+              <a:rPr lang="ko-KR" altLang="en-US" sz="1000" dirty="0">
+                <a:solidFill>
+                  <a:srgbClr val="0000FF"/>
+                </a:solidFill>
+                <a:latin typeface="HY신명조" panose="02030600000101010101" pitchFamily="18" charset="-127"/>
+                <a:ea typeface="HY신명조" panose="02030600000101010101" pitchFamily="18" charset="-127"/>
+              </a:rPr>
+              <a:t> </a:t>
+            </a:r>
+          </a:p>
+        </p:txBody>
+      </p:sp>
+      <p:cxnSp>
+        <p:nvCxnSpPr>
+          <p:cNvPr id="23" name="직선 화살표 연결선 22">
+            <a:extLst>
+              <a:ext uri="{FF2B5EF4-FFF2-40B4-BE49-F238E27FC236}">
+                <a16:creationId xmlns:a16="http://schemas.microsoft.com/office/drawing/2014/main" id="{66077921-B873-432E-9A41-F6C974EED39A}"/>
+              </a:ext>
+            </a:extLst>
+          </p:cNvPr>
+          <p:cNvCxnSpPr>
+            <a:cxnSpLocks/>
+            <a:stCxn id="22" idx="1"/>
+            <a:endCxn id="21" idx="3"/>
+          </p:cNvCxnSpPr>
+          <p:nvPr/>
+        </p:nvCxnSpPr>
+        <p:spPr>
+          <a:xfrm flipH="1">
+            <a:off x="6289118" y="3527809"/>
+            <a:ext cx="2516702" cy="15126"/>
+          </a:xfrm>
+          <a:prstGeom prst="straightConnector1">
+            <a:avLst/>
+          </a:prstGeom>
+          <a:ln>
+            <a:solidFill>
+              <a:srgbClr val="0000FF"/>
+            </a:solidFill>
+            <a:prstDash val="dash"/>
+            <a:headEnd type="none"/>
+            <a:tailEnd type="stealth"/>
+          </a:ln>
+          <a:effectLst>
+            <a:outerShdw blurRad="50800" dist="38100" dir="2700000" algn="tl" rotWithShape="0">
+              <a:prstClr val="black">
+                <a:alpha val="40000"/>
+              </a:prstClr>
+            </a:outerShdw>
+          </a:effectLst>
+        </p:spPr>
+        <p:style>
+          <a:lnRef idx="1">
+            <a:schemeClr val="accent1"/>
+          </a:lnRef>
+          <a:fillRef idx="0">
+            <a:schemeClr val="accent1"/>
+          </a:fillRef>
+          <a:effectRef idx="0">
+            <a:schemeClr val="accent1"/>
+          </a:effectRef>
+          <a:fontRef idx="minor">
+            <a:schemeClr val="tx1"/>
+          </a:fontRef>
+        </p:style>
+      </p:cxnSp>
+    </p:spTree>
+    <p:extLst>
+      <p:ext uri="{BB962C8B-B14F-4D97-AF65-F5344CB8AC3E}">
+        <p14:creationId xmlns:p14="http://schemas.microsoft.com/office/powerpoint/2010/main" val="1016387378"/>
+      </p:ext>
+    </p:extLst>
+  </p:cSld>
+  <p:clrMapOvr>
+    <a:masterClrMapping/>
+  </p:clrMapOvr>
+</p:sld>
+</file>
+
 <file path=ppt/slides/slide17.xml><?xml version="1.0" encoding="utf-8"?>
+<p:sld xmlns:a="http://schemas.openxmlformats.org/drawingml/2006/main" xmlns:r="http://schemas.openxmlformats.org/officeDocument/2006/relationships" xmlns:p="http://schemas.openxmlformats.org/presentationml/2006/main">
+  <p:cSld>
+    <p:spTree>
+      <p:nvGrpSpPr>
+        <p:cNvPr id="1" name=""/>
+        <p:cNvGrpSpPr/>
+        <p:nvPr/>
+      </p:nvGrpSpPr>
+      <p:grpSpPr>
+        <a:xfrm>
+          <a:off x="0" y="0"/>
+          <a:ext cx="0" cy="0"/>
+          <a:chOff x="0" y="0"/>
+          <a:chExt cx="0" cy="0"/>
+        </a:xfrm>
+      </p:grpSpPr>
+      <p:pic>
+        <p:nvPicPr>
+          <p:cNvPr id="10" name="그림 9">
+            <a:extLst>
+              <a:ext uri="{FF2B5EF4-FFF2-40B4-BE49-F238E27FC236}">
+                <a16:creationId xmlns:a16="http://schemas.microsoft.com/office/drawing/2014/main" id="{E3C8DFAB-7CF7-1001-F95D-381E9E383563}"/>
+              </a:ext>
+            </a:extLst>
+          </p:cNvPr>
+          <p:cNvPicPr>
+            <a:picLocks noChangeAspect="1"/>
+          </p:cNvPicPr>
+          <p:nvPr/>
+        </p:nvPicPr>
+        <p:blipFill>
+          <a:blip r:embed="rId3"/>
+          <a:stretch>
+            <a:fillRect/>
+          </a:stretch>
+        </p:blipFill>
+        <p:spPr>
+          <a:xfrm>
+            <a:off x="3246610" y="1980395"/>
+            <a:ext cx="5258534" cy="2753109"/>
+          </a:xfrm>
+          <a:prstGeom prst="rect">
+            <a:avLst/>
+          </a:prstGeom>
+        </p:spPr>
+      </p:pic>
+      <p:sp>
+        <p:nvSpPr>
+          <p:cNvPr id="62" name="TextBox 61"/>
+          <p:cNvSpPr txBox="1"/>
+          <p:nvPr/>
+        </p:nvSpPr>
+        <p:spPr>
+          <a:xfrm>
+            <a:off x="21018" y="0"/>
+            <a:ext cx="783291" cy="369332"/>
+          </a:xfrm>
+          <a:prstGeom prst="rect">
+            <a:avLst/>
+          </a:prstGeom>
+          <a:noFill/>
+        </p:spPr>
+        <p:txBody>
+          <a:bodyPr wrap="none" rtlCol="0">
+            <a:spAutoFit/>
+          </a:bodyPr>
+          <a:lstStyle/>
+          <a:p>
+            <a:r>
+              <a:rPr lang="en-US" altLang="ko-KR" b="1" dirty="0">
+                <a:solidFill>
+                  <a:schemeClr val="tx2">
+                    <a:lumMod val="20000"/>
+                    <a:lumOff val="80000"/>
+                  </a:schemeClr>
+                </a:solidFill>
+              </a:rPr>
+              <a:t>CGCII</a:t>
+            </a:r>
+            <a:endParaRPr lang="ko-KR" altLang="en-US" b="1" dirty="0">
+              <a:solidFill>
+                <a:schemeClr val="tx2">
+                  <a:lumMod val="20000"/>
+                  <a:lumOff val="80000"/>
+                </a:schemeClr>
+              </a:solidFill>
+            </a:endParaRPr>
+          </a:p>
+        </p:txBody>
+      </p:sp>
+      <p:sp>
+        <p:nvSpPr>
+          <p:cNvPr id="18" name="TextBox 17">
+            <a:extLst>
+              <a:ext uri="{FF2B5EF4-FFF2-40B4-BE49-F238E27FC236}">
+                <a16:creationId xmlns:a16="http://schemas.microsoft.com/office/drawing/2014/main" id="{56031253-0268-C339-46E0-5C0CA4065F93}"/>
+              </a:ext>
+            </a:extLst>
+          </p:cNvPr>
+          <p:cNvSpPr txBox="1"/>
+          <p:nvPr/>
+        </p:nvSpPr>
+        <p:spPr>
+          <a:xfrm>
+            <a:off x="-145470" y="369332"/>
+            <a:ext cx="2027461" cy="646331"/>
+          </a:xfrm>
+          <a:prstGeom prst="rect">
+            <a:avLst/>
+          </a:prstGeom>
+          <a:noFill/>
+          <a:effectLst>
+            <a:outerShdw blurRad="50800" dist="38100" algn="l" rotWithShape="0">
+              <a:prstClr val="black">
+                <a:alpha val="40000"/>
+              </a:prstClr>
+            </a:outerShdw>
+          </a:effectLst>
+        </p:spPr>
+        <p:txBody>
+          <a:bodyPr wrap="square">
+            <a:spAutoFit/>
+          </a:bodyPr>
+          <a:lstStyle/>
+          <a:p>
+            <a:pPr algn="ctr"/>
+            <a:r>
+              <a:rPr lang="en-US" altLang="ko-KR" dirty="0">
+                <a:latin typeface="Segoe UI Semibold" panose="020B0702040204020203" pitchFamily="34" charset="0"/>
+                <a:ea typeface="HY신명조" panose="02030600000101010101" pitchFamily="18" charset="-127"/>
+                <a:cs typeface="Segoe UI Semibold" panose="020B0702040204020203" pitchFamily="34" charset="0"/>
+              </a:rPr>
+              <a:t>CGDK</a:t>
+            </a:r>
+            <a:r>
+              <a:rPr lang="en-US" altLang="ko-KR" dirty="0">
+                <a:solidFill>
+                  <a:schemeClr val="tx1">
+                    <a:lumMod val="50000"/>
+                    <a:lumOff val="50000"/>
+                  </a:schemeClr>
+                </a:solidFill>
+                <a:latin typeface="HY신명조" panose="02030600000101010101" pitchFamily="18" charset="-127"/>
+                <a:ea typeface="HY신명조" panose="02030600000101010101" pitchFamily="18" charset="-127"/>
+              </a:rPr>
+              <a:t>::</a:t>
+            </a:r>
+            <a:r>
+              <a:rPr lang="en-US" altLang="ko-KR" dirty="0">
+                <a:latin typeface="HY신명조" panose="02030600000101010101" pitchFamily="18" charset="-127"/>
+                <a:ea typeface="HY신명조" panose="02030600000101010101" pitchFamily="18" charset="-127"/>
+              </a:rPr>
+              <a:t>buffer</a:t>
+            </a:r>
+            <a:br>
+              <a:rPr lang="en-US" altLang="ko-KR" dirty="0">
+                <a:latin typeface="HY신명조" panose="02030600000101010101" pitchFamily="18" charset="-127"/>
+                <a:ea typeface="HY신명조" panose="02030600000101010101" pitchFamily="18" charset="-127"/>
+              </a:rPr>
+            </a:br>
+            <a:r>
+              <a:rPr lang="en-US" altLang="ko-KR" sz="600" dirty="0">
+                <a:latin typeface="HY신명조" panose="02030600000101010101" pitchFamily="18" charset="-127"/>
+                <a:ea typeface="HY신명조" panose="02030600000101010101" pitchFamily="18" charset="-127"/>
+              </a:rPr>
+              <a:t>with Reflection</a:t>
+            </a:r>
+            <a:endParaRPr lang="ko-KR" altLang="en-US" sz="600" dirty="0">
+              <a:latin typeface="HY신명조" panose="02030600000101010101" pitchFamily="18" charset="-127"/>
+              <a:ea typeface="HY신명조" panose="02030600000101010101" pitchFamily="18" charset="-127"/>
+            </a:endParaRPr>
+          </a:p>
+          <a:p>
+            <a:pPr algn="ctr"/>
+            <a:endParaRPr lang="ko-KR" altLang="en-US" sz="1200" dirty="0"/>
+          </a:p>
+        </p:txBody>
+      </p:sp>
+      <p:cxnSp>
+        <p:nvCxnSpPr>
+          <p:cNvPr id="19" name="직선 연결선 18">
+            <a:extLst>
+              <a:ext uri="{FF2B5EF4-FFF2-40B4-BE49-F238E27FC236}">
+                <a16:creationId xmlns:a16="http://schemas.microsoft.com/office/drawing/2014/main" id="{4D54D713-F571-C9FB-DD7D-6AC15501D59F}"/>
+              </a:ext>
+            </a:extLst>
+          </p:cNvPr>
+          <p:cNvCxnSpPr/>
+          <p:nvPr/>
+        </p:nvCxnSpPr>
+        <p:spPr>
+          <a:xfrm>
+            <a:off x="0" y="369332"/>
+            <a:ext cx="1727200" cy="0"/>
+          </a:xfrm>
+          <a:prstGeom prst="line">
+            <a:avLst/>
+          </a:prstGeom>
+          <a:ln>
+            <a:solidFill>
+              <a:schemeClr val="tx1"/>
+            </a:solidFill>
+            <a:tailEnd type="triangle"/>
+          </a:ln>
+        </p:spPr>
+        <p:style>
+          <a:lnRef idx="1">
+            <a:schemeClr val="accent1"/>
+          </a:lnRef>
+          <a:fillRef idx="0">
+            <a:schemeClr val="accent1"/>
+          </a:fillRef>
+          <a:effectRef idx="0">
+            <a:schemeClr val="accent1"/>
+          </a:effectRef>
+          <a:fontRef idx="minor">
+            <a:schemeClr val="tx1"/>
+          </a:fontRef>
+        </p:style>
+      </p:cxnSp>
+      <p:sp>
+        <p:nvSpPr>
+          <p:cNvPr id="4" name="부제목 2">
+            <a:extLst>
+              <a:ext uri="{FF2B5EF4-FFF2-40B4-BE49-F238E27FC236}">
+                <a16:creationId xmlns:a16="http://schemas.microsoft.com/office/drawing/2014/main" id="{919BD469-8EF4-8A9F-3484-425E9E437DE1}"/>
+              </a:ext>
+            </a:extLst>
+          </p:cNvPr>
+          <p:cNvSpPr txBox="1">
+            <a:spLocks/>
+          </p:cNvSpPr>
+          <p:nvPr/>
+        </p:nvSpPr>
+        <p:spPr>
+          <a:xfrm>
+            <a:off x="9743758" y="6608604"/>
+            <a:ext cx="2426208" cy="238379"/>
+          </a:xfrm>
+          <a:prstGeom prst="rect">
+            <a:avLst/>
+          </a:prstGeom>
+        </p:spPr>
+        <p:txBody>
+          <a:bodyPr vert="horz" wrap="none" lIns="91440" tIns="45720" rIns="91440" bIns="45720" rtlCol="0">
+            <a:normAutofit/>
+          </a:bodyPr>
+          <a:lstStyle>
+            <a:lvl1pPr marL="228600" indent="-228600" algn="l" defTabSz="914400" rtl="0" eaLnBrk="1" latinLnBrk="1" hangingPunct="1">
+              <a:lnSpc>
+                <a:spcPct val="90000"/>
+              </a:lnSpc>
+              <a:spcBef>
+                <a:spcPts val="1000"/>
+              </a:spcBef>
+              <a:buFont typeface="Arial" panose="020B0604020202020204" pitchFamily="34" charset="0"/>
+              <a:buChar char="•"/>
+              <a:defRPr sz="2800" kern="1200">
+                <a:solidFill>
+                  <a:schemeClr val="tx1"/>
+                </a:solidFill>
+                <a:latin typeface="+mn-lt"/>
+                <a:ea typeface="+mn-ea"/>
+                <a:cs typeface="+mn-cs"/>
+              </a:defRPr>
+            </a:lvl1pPr>
+            <a:lvl2pPr marL="685800" indent="-228600" algn="l" defTabSz="914400" rtl="0" eaLnBrk="1" latinLnBrk="1" hangingPunct="1">
+              <a:lnSpc>
+                <a:spcPct val="90000"/>
+              </a:lnSpc>
+              <a:spcBef>
+                <a:spcPts val="500"/>
+              </a:spcBef>
+              <a:buFont typeface="Arial" panose="020B0604020202020204" pitchFamily="34" charset="0"/>
+              <a:buChar char="•"/>
+              <a:defRPr sz="2400" kern="1200">
+                <a:solidFill>
+                  <a:schemeClr val="tx1"/>
+                </a:solidFill>
+                <a:latin typeface="+mn-lt"/>
+                <a:ea typeface="+mn-ea"/>
+                <a:cs typeface="+mn-cs"/>
+              </a:defRPr>
+            </a:lvl2pPr>
+            <a:lvl3pPr marL="1143000" indent="-228600" algn="l" defTabSz="914400" rtl="0" eaLnBrk="1" latinLnBrk="1" hangingPunct="1">
+              <a:lnSpc>
+                <a:spcPct val="90000"/>
+              </a:lnSpc>
+              <a:spcBef>
+                <a:spcPts val="500"/>
+              </a:spcBef>
+              <a:buFont typeface="Arial" panose="020B0604020202020204" pitchFamily="34" charset="0"/>
+              <a:buChar char="•"/>
+              <a:defRPr sz="2000" kern="1200">
+                <a:solidFill>
+                  <a:schemeClr val="tx1"/>
+                </a:solidFill>
+                <a:latin typeface="+mn-lt"/>
+                <a:ea typeface="+mn-ea"/>
+                <a:cs typeface="+mn-cs"/>
+              </a:defRPr>
+            </a:lvl3pPr>
+            <a:lvl4pPr marL="1600200" indent="-228600" algn="l" defTabSz="914400" rtl="0" eaLnBrk="1" latinLnBrk="1" hangingPunct="1">
+              <a:lnSpc>
+                <a:spcPct val="90000"/>
+              </a:lnSpc>
+              <a:spcBef>
+                <a:spcPts val="500"/>
+              </a:spcBef>
+              <a:buFont typeface="Arial" panose="020B0604020202020204" pitchFamily="34" charset="0"/>
+              <a:buChar char="•"/>
+              <a:defRPr sz="1800" kern="1200">
+                <a:solidFill>
+                  <a:schemeClr val="tx1"/>
+                </a:solidFill>
+                <a:latin typeface="+mn-lt"/>
+                <a:ea typeface="+mn-ea"/>
+                <a:cs typeface="+mn-cs"/>
+              </a:defRPr>
+            </a:lvl4pPr>
+            <a:lvl5pPr marL="2057400" indent="-228600" algn="l" defTabSz="914400" rtl="0" eaLnBrk="1" latinLnBrk="1" hangingPunct="1">
+              <a:lnSpc>
+                <a:spcPct val="90000"/>
+              </a:lnSpc>
+              <a:spcBef>
+                <a:spcPts val="500"/>
+              </a:spcBef>
+              <a:buFont typeface="Arial" panose="020B0604020202020204" pitchFamily="34" charset="0"/>
+              <a:buChar char="•"/>
+              <a:defRPr sz="1800" kern="1200">
+                <a:solidFill>
+                  <a:schemeClr val="tx1"/>
+                </a:solidFill>
+                <a:latin typeface="+mn-lt"/>
+                <a:ea typeface="+mn-ea"/>
+                <a:cs typeface="+mn-cs"/>
+              </a:defRPr>
+            </a:lvl5pPr>
+            <a:lvl6pPr marL="2514600" indent="-228600" algn="l" defTabSz="914400" rtl="0" eaLnBrk="1" latinLnBrk="1" hangingPunct="1">
+              <a:lnSpc>
+                <a:spcPct val="90000"/>
+              </a:lnSpc>
+              <a:spcBef>
+                <a:spcPts val="500"/>
+              </a:spcBef>
+              <a:buFont typeface="Arial" panose="020B0604020202020204" pitchFamily="34" charset="0"/>
+              <a:buChar char="•"/>
+              <a:defRPr sz="1800" kern="1200">
+                <a:solidFill>
+                  <a:schemeClr val="tx1"/>
+                </a:solidFill>
+                <a:latin typeface="+mn-lt"/>
+                <a:ea typeface="+mn-ea"/>
+                <a:cs typeface="+mn-cs"/>
+              </a:defRPr>
+            </a:lvl6pPr>
+            <a:lvl7pPr marL="2971800" indent="-228600" algn="l" defTabSz="914400" rtl="0" eaLnBrk="1" latinLnBrk="1" hangingPunct="1">
+              <a:lnSpc>
+                <a:spcPct val="90000"/>
+              </a:lnSpc>
+              <a:spcBef>
+                <a:spcPts val="500"/>
+              </a:spcBef>
+              <a:buFont typeface="Arial" panose="020B0604020202020204" pitchFamily="34" charset="0"/>
+              <a:buChar char="•"/>
+              <a:defRPr sz="1800" kern="1200">
+                <a:solidFill>
+                  <a:schemeClr val="tx1"/>
+                </a:solidFill>
+                <a:latin typeface="+mn-lt"/>
+                <a:ea typeface="+mn-ea"/>
+                <a:cs typeface="+mn-cs"/>
+              </a:defRPr>
+            </a:lvl7pPr>
+            <a:lvl8pPr marL="3429000" indent="-228600" algn="l" defTabSz="914400" rtl="0" eaLnBrk="1" latinLnBrk="1" hangingPunct="1">
+              <a:lnSpc>
+                <a:spcPct val="90000"/>
+              </a:lnSpc>
+              <a:spcBef>
+                <a:spcPts val="500"/>
+              </a:spcBef>
+              <a:buFont typeface="Arial" panose="020B0604020202020204" pitchFamily="34" charset="0"/>
+              <a:buChar char="•"/>
+              <a:defRPr sz="1800" kern="1200">
+                <a:solidFill>
+                  <a:schemeClr val="tx1"/>
+                </a:solidFill>
+                <a:latin typeface="+mn-lt"/>
+                <a:ea typeface="+mn-ea"/>
+                <a:cs typeface="+mn-cs"/>
+              </a:defRPr>
+            </a:lvl8pPr>
+            <a:lvl9pPr marL="3886200" indent="-228600" algn="l" defTabSz="914400" rtl="0" eaLnBrk="1" latinLnBrk="1" hangingPunct="1">
+              <a:lnSpc>
+                <a:spcPct val="90000"/>
+              </a:lnSpc>
+              <a:spcBef>
+                <a:spcPts val="500"/>
+              </a:spcBef>
+              <a:buFont typeface="Arial" panose="020B0604020202020204" pitchFamily="34" charset="0"/>
+              <a:buChar char="•"/>
+              <a:defRPr sz="1800" kern="1200">
+                <a:solidFill>
+                  <a:schemeClr val="tx1"/>
+                </a:solidFill>
+                <a:latin typeface="+mn-lt"/>
+                <a:ea typeface="+mn-ea"/>
+                <a:cs typeface="+mn-cs"/>
+              </a:defRPr>
+            </a:lvl9pPr>
+          </a:lstStyle>
+          <a:p>
+            <a:pPr marL="0" indent="0" algn="r">
+              <a:buNone/>
+            </a:pPr>
+            <a:r>
+              <a:rPr lang="en-US" altLang="ko-KR" sz="700" dirty="0"/>
+              <a:t>© 2016. </a:t>
+            </a:r>
+            <a:r>
+              <a:rPr lang="en-US" altLang="ko-KR" sz="700" b="1" dirty="0"/>
+              <a:t>CGCII</a:t>
+            </a:r>
+            <a:endParaRPr lang="ko-KR" altLang="en-US" sz="700" dirty="0"/>
+          </a:p>
+        </p:txBody>
+      </p:sp>
+      <p:sp>
+        <p:nvSpPr>
+          <p:cNvPr id="7" name="TextBox 6">
+            <a:extLst>
+              <a:ext uri="{FF2B5EF4-FFF2-40B4-BE49-F238E27FC236}">
+                <a16:creationId xmlns:a16="http://schemas.microsoft.com/office/drawing/2014/main" id="{FC21D842-C6B5-4CEB-7F1A-3D046FAE76D6}"/>
+              </a:ext>
+            </a:extLst>
+          </p:cNvPr>
+          <p:cNvSpPr txBox="1"/>
+          <p:nvPr/>
+        </p:nvSpPr>
+        <p:spPr>
+          <a:xfrm>
+            <a:off x="5804664" y="2859371"/>
+            <a:ext cx="2995141" cy="246221"/>
+          </a:xfrm>
+          <a:prstGeom prst="rect">
+            <a:avLst/>
+          </a:prstGeom>
+          <a:noFill/>
+        </p:spPr>
+        <p:txBody>
+          <a:bodyPr wrap="square">
+            <a:spAutoFit/>
+          </a:bodyPr>
+          <a:lstStyle/>
+          <a:p>
+            <a:r>
+              <a:rPr lang="en-US" altLang="ko-KR" sz="1000" dirty="0" err="1">
+                <a:solidFill>
+                  <a:srgbClr val="FFFF00"/>
+                </a:solidFill>
+                <a:latin typeface="HY신명조" panose="02030600000101010101" pitchFamily="18" charset="-127"/>
+                <a:ea typeface="HY신명조" panose="02030600000101010101" pitchFamily="18" charset="-127"/>
+              </a:rPr>
+              <a:t>shared_buffer</a:t>
+            </a:r>
+            <a:r>
+              <a:rPr lang="ko-KR" altLang="en-US" sz="1000" dirty="0">
+                <a:solidFill>
+                  <a:srgbClr val="FFFF00"/>
+                </a:solidFill>
+                <a:latin typeface="HY신명조" panose="02030600000101010101" pitchFamily="18" charset="-127"/>
+                <a:ea typeface="HY신명조" panose="02030600000101010101" pitchFamily="18" charset="-127"/>
+              </a:rPr>
+              <a:t>를 </a:t>
+            </a:r>
+            <a:r>
+              <a:rPr lang="en-US" altLang="ko-KR" sz="1000" dirty="0">
+                <a:solidFill>
+                  <a:srgbClr val="FFFF00"/>
+                </a:solidFill>
+                <a:latin typeface="HY신명조" panose="02030600000101010101" pitchFamily="18" charset="-127"/>
+                <a:ea typeface="HY신명조" panose="02030600000101010101" pitchFamily="18" charset="-127"/>
+              </a:rPr>
+              <a:t>include</a:t>
+            </a:r>
+            <a:r>
+              <a:rPr lang="ko-KR" altLang="en-US" sz="1000" dirty="0">
+                <a:solidFill>
+                  <a:srgbClr val="FFFF00"/>
+                </a:solidFill>
+                <a:latin typeface="HY신명조" panose="02030600000101010101" pitchFamily="18" charset="-127"/>
+                <a:ea typeface="HY신명조" panose="02030600000101010101" pitchFamily="18" charset="-127"/>
+              </a:rPr>
+              <a:t>하시고</a:t>
+            </a:r>
+          </a:p>
+        </p:txBody>
+      </p:sp>
+      <p:cxnSp>
+        <p:nvCxnSpPr>
+          <p:cNvPr id="8" name="직선 화살표 연결선 7">
+            <a:extLst>
+              <a:ext uri="{FF2B5EF4-FFF2-40B4-BE49-F238E27FC236}">
+                <a16:creationId xmlns:a16="http://schemas.microsoft.com/office/drawing/2014/main" id="{092D4D12-8302-AC10-37A1-57D07C02DADD}"/>
+              </a:ext>
+            </a:extLst>
+          </p:cNvPr>
+          <p:cNvCxnSpPr>
+            <a:cxnSpLocks/>
+            <a:stCxn id="7" idx="1"/>
+          </p:cNvCxnSpPr>
+          <p:nvPr/>
+        </p:nvCxnSpPr>
+        <p:spPr>
+          <a:xfrm flipH="1" flipV="1">
+            <a:off x="5451499" y="2859371"/>
+            <a:ext cx="353165" cy="123111"/>
+          </a:xfrm>
+          <a:prstGeom prst="straightConnector1">
+            <a:avLst/>
+          </a:prstGeom>
+          <a:ln>
+            <a:solidFill>
+              <a:srgbClr val="FFC000"/>
+            </a:solidFill>
+            <a:prstDash val="dash"/>
+            <a:headEnd type="none"/>
+            <a:tailEnd type="stealth"/>
+          </a:ln>
+          <a:effectLst>
+            <a:outerShdw blurRad="50800" dist="38100" dir="2700000" algn="tl" rotWithShape="0">
+              <a:prstClr val="black">
+                <a:alpha val="40000"/>
+              </a:prstClr>
+            </a:outerShdw>
+          </a:effectLst>
+        </p:spPr>
+        <p:style>
+          <a:lnRef idx="1">
+            <a:schemeClr val="accent1"/>
+          </a:lnRef>
+          <a:fillRef idx="0">
+            <a:schemeClr val="accent1"/>
+          </a:fillRef>
+          <a:effectRef idx="0">
+            <a:schemeClr val="accent1"/>
+          </a:effectRef>
+          <a:fontRef idx="minor">
+            <a:schemeClr val="tx1"/>
+          </a:fontRef>
+        </p:style>
+      </p:cxnSp>
+      <p:sp>
+        <p:nvSpPr>
+          <p:cNvPr id="11" name="TextBox 10">
+            <a:extLst>
+              <a:ext uri="{FF2B5EF4-FFF2-40B4-BE49-F238E27FC236}">
+                <a16:creationId xmlns:a16="http://schemas.microsoft.com/office/drawing/2014/main" id="{1D976ED9-208B-B060-AA86-D5FBD7F25BCA}"/>
+              </a:ext>
+            </a:extLst>
+          </p:cNvPr>
+          <p:cNvSpPr txBox="1"/>
+          <p:nvPr/>
+        </p:nvSpPr>
+        <p:spPr>
+          <a:xfrm>
+            <a:off x="6206855" y="4322703"/>
+            <a:ext cx="2298289" cy="246221"/>
+          </a:xfrm>
+          <a:prstGeom prst="rect">
+            <a:avLst/>
+          </a:prstGeom>
+          <a:noFill/>
+        </p:spPr>
+        <p:txBody>
+          <a:bodyPr wrap="square">
+            <a:spAutoFit/>
+          </a:bodyPr>
+          <a:lstStyle/>
+          <a:p>
+            <a:r>
+              <a:rPr lang="ko-KR" altLang="en-US" sz="1000" dirty="0">
+                <a:solidFill>
+                  <a:srgbClr val="FFFF00"/>
+                </a:solidFill>
+                <a:latin typeface="HY신명조" panose="02030600000101010101" pitchFamily="18" charset="-127"/>
+                <a:ea typeface="HY신명조" panose="02030600000101010101" pitchFamily="18" charset="-127"/>
+              </a:rPr>
+              <a:t>이것 컴파일 잘되면 </a:t>
+            </a:r>
+            <a:r>
+              <a:rPr lang="en-US" altLang="ko-KR" sz="1000" dirty="0">
+                <a:solidFill>
+                  <a:srgbClr val="FFFF00"/>
+                </a:solidFill>
+                <a:latin typeface="HY신명조" panose="02030600000101010101" pitchFamily="18" charset="-127"/>
+                <a:ea typeface="HY신명조" panose="02030600000101010101" pitchFamily="18" charset="-127"/>
+              </a:rPr>
+              <a:t>Ok~~ </a:t>
+            </a:r>
+            <a:r>
+              <a:rPr lang="ko-KR" altLang="en-US" sz="1000" dirty="0">
+                <a:solidFill>
+                  <a:srgbClr val="FFFF00"/>
+                </a:solidFill>
+                <a:latin typeface="HY신명조" panose="02030600000101010101" pitchFamily="18" charset="-127"/>
+                <a:ea typeface="HY신명조" panose="02030600000101010101" pitchFamily="18" charset="-127"/>
+              </a:rPr>
+              <a:t>설정 끝</a:t>
+            </a:r>
+          </a:p>
+        </p:txBody>
+      </p:sp>
+      <p:cxnSp>
+        <p:nvCxnSpPr>
+          <p:cNvPr id="12" name="직선 화살표 연결선 11">
+            <a:extLst>
+              <a:ext uri="{FF2B5EF4-FFF2-40B4-BE49-F238E27FC236}">
+                <a16:creationId xmlns:a16="http://schemas.microsoft.com/office/drawing/2014/main" id="{840D9A23-69AF-67C0-116D-D8D210495F3B}"/>
+              </a:ext>
+            </a:extLst>
+          </p:cNvPr>
+          <p:cNvCxnSpPr>
+            <a:cxnSpLocks/>
+            <a:stCxn id="11" idx="1"/>
+          </p:cNvCxnSpPr>
+          <p:nvPr/>
+        </p:nvCxnSpPr>
+        <p:spPr>
+          <a:xfrm flipH="1" flipV="1">
+            <a:off x="5985146" y="4440468"/>
+            <a:ext cx="221709" cy="5346"/>
+          </a:xfrm>
+          <a:prstGeom prst="straightConnector1">
+            <a:avLst/>
+          </a:prstGeom>
+          <a:ln>
+            <a:solidFill>
+              <a:srgbClr val="FFC000"/>
+            </a:solidFill>
+            <a:prstDash val="dash"/>
+            <a:headEnd type="none"/>
+            <a:tailEnd type="stealth"/>
+          </a:ln>
+          <a:effectLst>
+            <a:outerShdw blurRad="50800" dist="38100" dir="2700000" algn="tl" rotWithShape="0">
+              <a:prstClr val="black">
+                <a:alpha val="40000"/>
+              </a:prstClr>
+            </a:outerShdw>
+          </a:effectLst>
+        </p:spPr>
+        <p:style>
+          <a:lnRef idx="1">
+            <a:schemeClr val="accent1"/>
+          </a:lnRef>
+          <a:fillRef idx="0">
+            <a:schemeClr val="accent1"/>
+          </a:fillRef>
+          <a:effectRef idx="0">
+            <a:schemeClr val="accent1"/>
+          </a:effectRef>
+          <a:fontRef idx="minor">
+            <a:schemeClr val="tx1"/>
+          </a:fontRef>
+        </p:style>
+      </p:cxnSp>
+      <p:sp>
+        <p:nvSpPr>
+          <p:cNvPr id="16" name="TextBox 15">
+            <a:extLst>
+              <a:ext uri="{FF2B5EF4-FFF2-40B4-BE49-F238E27FC236}">
+                <a16:creationId xmlns:a16="http://schemas.microsoft.com/office/drawing/2014/main" id="{413699A1-83C0-A7BF-B7D4-AC58CF162136}"/>
+              </a:ext>
+            </a:extLst>
+          </p:cNvPr>
+          <p:cNvSpPr txBox="1"/>
+          <p:nvPr/>
+        </p:nvSpPr>
+        <p:spPr>
+          <a:xfrm>
+            <a:off x="2840899" y="1136608"/>
+            <a:ext cx="6560846" cy="954107"/>
+          </a:xfrm>
+          <a:prstGeom prst="rect">
+            <a:avLst/>
+          </a:prstGeom>
+          <a:noFill/>
+        </p:spPr>
+        <p:txBody>
+          <a:bodyPr wrap="square">
+            <a:spAutoFit/>
+          </a:bodyPr>
+          <a:lstStyle/>
+          <a:p>
+            <a:r>
+              <a:rPr lang="ko-KR" altLang="en-US" sz="1400" dirty="0">
+                <a:latin typeface="HY신명조" panose="02030600000101010101" pitchFamily="18" charset="-127"/>
+                <a:ea typeface="HY신명조" panose="02030600000101010101" pitchFamily="18" charset="-127"/>
+              </a:rPr>
+              <a:t>③ 설정이 완료되었습니다</a:t>
+            </a:r>
+            <a:br>
+              <a:rPr lang="en-US" altLang="ko-KR" sz="1400" dirty="0">
+                <a:latin typeface="HY신명조" panose="02030600000101010101" pitchFamily="18" charset="-127"/>
+                <a:ea typeface="HY신명조" panose="02030600000101010101" pitchFamily="18" charset="-127"/>
+              </a:rPr>
+            </a:br>
+            <a:r>
+              <a:rPr lang="en-US" altLang="ko-KR" sz="1400" dirty="0">
+                <a:latin typeface="HY신명조" panose="02030600000101010101" pitchFamily="18" charset="-127"/>
+                <a:ea typeface="HY신명조" panose="02030600000101010101" pitchFamily="18" charset="-127"/>
+              </a:rPr>
+              <a:t>    </a:t>
+            </a:r>
+            <a:r>
+              <a:rPr lang="ko-KR" altLang="en-US" sz="1400" dirty="0">
+                <a:latin typeface="HY신명조" panose="02030600000101010101" pitchFamily="18" charset="-127"/>
+                <a:ea typeface="HY신명조" panose="02030600000101010101" pitchFamily="18" charset="-127"/>
+              </a:rPr>
+              <a:t>이제 </a:t>
+            </a:r>
+            <a:r>
+              <a:rPr lang="en-US" altLang="ko-KR" sz="1400" dirty="0" err="1">
+                <a:latin typeface="HY신명조" panose="02030600000101010101" pitchFamily="18" charset="-127"/>
+                <a:ea typeface="HY신명조" panose="02030600000101010101" pitchFamily="18" charset="-127"/>
+              </a:rPr>
+              <a:t>shared_buffer</a:t>
+            </a:r>
+            <a:r>
+              <a:rPr lang="ko-KR" altLang="en-US" sz="1400" dirty="0">
+                <a:latin typeface="HY신명조" panose="02030600000101010101" pitchFamily="18" charset="-127"/>
+                <a:ea typeface="HY신명조" panose="02030600000101010101" pitchFamily="18" charset="-127"/>
+              </a:rPr>
+              <a:t>를 한번 사용해 보십시요</a:t>
+            </a:r>
+            <a:r>
+              <a:rPr lang="en-US" altLang="ko-KR" sz="1400" dirty="0">
+                <a:latin typeface="HY신명조" panose="02030600000101010101" pitchFamily="18" charset="-127"/>
+                <a:ea typeface="HY신명조" panose="02030600000101010101" pitchFamily="18" charset="-127"/>
+              </a:rPr>
+              <a:t>.</a:t>
+            </a:r>
+            <a:br>
+              <a:rPr lang="en-US" altLang="ko-KR" sz="1400" dirty="0">
+                <a:latin typeface="HY신명조" panose="02030600000101010101" pitchFamily="18" charset="-127"/>
+                <a:ea typeface="HY신명조" panose="02030600000101010101" pitchFamily="18" charset="-127"/>
+              </a:rPr>
+            </a:br>
+            <a:r>
+              <a:rPr lang="en-US" altLang="ko-KR" sz="1400" dirty="0">
+                <a:latin typeface="HY신명조" panose="02030600000101010101" pitchFamily="18" charset="-127"/>
+                <a:ea typeface="HY신명조" panose="02030600000101010101" pitchFamily="18" charset="-127"/>
+              </a:rPr>
+              <a:t>    </a:t>
+            </a:r>
+            <a:r>
+              <a:rPr lang="ko-KR" altLang="en-US" sz="1400" dirty="0">
+                <a:latin typeface="HY신명조" panose="02030600000101010101" pitchFamily="18" charset="-127"/>
+                <a:ea typeface="HY신명조" panose="02030600000101010101" pitchFamily="18" charset="-127"/>
+              </a:rPr>
+              <a:t>컴파일까지 잘되면 완전 끝</a:t>
+            </a:r>
+            <a:r>
+              <a:rPr lang="en-US" altLang="ko-KR" sz="1400" dirty="0">
+                <a:latin typeface="HY신명조" panose="02030600000101010101" pitchFamily="18" charset="-127"/>
+                <a:ea typeface="HY신명조" panose="02030600000101010101" pitchFamily="18" charset="-127"/>
+              </a:rPr>
+              <a:t>~!</a:t>
+            </a:r>
+            <a:br>
+              <a:rPr lang="en-US" altLang="ko-KR" sz="1400" dirty="0">
+                <a:latin typeface="HY신명조" panose="02030600000101010101" pitchFamily="18" charset="-127"/>
+                <a:ea typeface="HY신명조" panose="02030600000101010101" pitchFamily="18" charset="-127"/>
+              </a:rPr>
+            </a:br>
+            <a:endParaRPr lang="en-US" altLang="ko-KR" sz="1400" dirty="0">
+              <a:latin typeface="HY신명조" panose="02030600000101010101" pitchFamily="18" charset="-127"/>
+              <a:ea typeface="HY신명조" panose="02030600000101010101" pitchFamily="18" charset="-127"/>
+            </a:endParaRPr>
+          </a:p>
+        </p:txBody>
+      </p:sp>
+    </p:spTree>
+    <p:extLst>
+      <p:ext uri="{BB962C8B-B14F-4D97-AF65-F5344CB8AC3E}">
+        <p14:creationId xmlns:p14="http://schemas.microsoft.com/office/powerpoint/2010/main" val="3954965982"/>
+      </p:ext>
+    </p:extLst>
+  </p:cSld>
+  <p:clrMapOvr>
+    <a:masterClrMapping/>
+  </p:clrMapOvr>
+</p:sld>
+</file>
+
+<file path=ppt/slides/slide18.xml><?xml version="1.0" encoding="utf-8"?>
 <p:sld xmlns:a="http://schemas.openxmlformats.org/drawingml/2006/main" xmlns:r="http://schemas.openxmlformats.org/officeDocument/2006/relationships" xmlns:p="http://schemas.openxmlformats.org/presentationml/2006/main">
   <p:cSld>
     <p:spTree>
@@ -11564,8 +12947,8 @@
         </p:nvSpPr>
         <p:spPr>
           <a:xfrm>
-            <a:off x="10140804" y="3895569"/>
-            <a:ext cx="1930144" cy="276999"/>
+            <a:off x="9873533" y="3895569"/>
+            <a:ext cx="2205476" cy="276999"/>
           </a:xfrm>
           <a:prstGeom prst="rect">
             <a:avLst/>
@@ -11584,55 +12967,7 @@
             </a:pPr>
             <a:r>
               <a:rPr lang="en-US" altLang="ko-KR" sz="1200" dirty="0"/>
-              <a:t>Introduce</a:t>
-            </a:r>
-            <a:r>
-              <a:rPr lang="ko-KR" altLang="en-US" sz="1200" dirty="0"/>
-              <a:t> </a:t>
-            </a:r>
-            <a:r>
-              <a:rPr lang="en-US" altLang="ko-KR" sz="1200" dirty="0" err="1"/>
-              <a:t>CGDK.buffer</a:t>
-            </a:r>
-            <a:endParaRPr lang="ko-KR" altLang="en-US" dirty="0"/>
-          </a:p>
-        </p:txBody>
-      </p:sp>
-      <p:sp>
-        <p:nvSpPr>
-          <p:cNvPr id="12" name="TextBox 11">
-            <a:extLst>
-              <a:ext uri="{FF2B5EF4-FFF2-40B4-BE49-F238E27FC236}">
-                <a16:creationId xmlns:a16="http://schemas.microsoft.com/office/drawing/2014/main" id="{F1A444DD-7C30-407E-B2CE-73CCD70F6D45}"/>
-              </a:ext>
-            </a:extLst>
-          </p:cNvPr>
-          <p:cNvSpPr txBox="1"/>
-          <p:nvPr/>
-        </p:nvSpPr>
-        <p:spPr>
-          <a:xfrm>
-            <a:off x="10225571" y="4765373"/>
-            <a:ext cx="1845377" cy="276999"/>
-          </a:xfrm>
-          <a:prstGeom prst="rect">
-            <a:avLst/>
-          </a:prstGeom>
-          <a:noFill/>
-        </p:spPr>
-        <p:txBody>
-          <a:bodyPr wrap="none" rtlCol="0">
-            <a:spAutoFit/>
-          </a:bodyPr>
-          <a:lstStyle/>
-          <a:p>
-            <a:pPr marL="171450" indent="-171450">
-              <a:buFont typeface="Arial" panose="020B0604020202020204" pitchFamily="34" charset="0"/>
-              <a:buChar char="•"/>
-            </a:pPr>
-            <a:r>
-              <a:rPr lang="en-US" altLang="ko-KR" sz="1200" dirty="0"/>
-              <a:t>classes and functions</a:t>
+              <a:t>Visual C++ project setting</a:t>
             </a:r>
             <a:endParaRPr lang="ko-KR" altLang="en-US" dirty="0"/>
           </a:p>
@@ -11652,8 +12987,8 @@
         </p:nvSpPr>
         <p:spPr>
           <a:xfrm>
-            <a:off x="10899409" y="4185503"/>
-            <a:ext cx="1171539" cy="276999"/>
+            <a:off x="10296277" y="4185503"/>
+            <a:ext cx="1782732" cy="276999"/>
           </a:xfrm>
           <a:prstGeom prst="rect">
             <a:avLst/>
@@ -11672,7 +13007,15 @@
             </a:pPr>
             <a:r>
               <a:rPr lang="en-US" altLang="ko-KR" sz="1200" dirty="0"/>
-              <a:t>comparison</a:t>
+              <a:t>Linux </a:t>
+            </a:r>
+            <a:r>
+              <a:rPr lang="en-US" altLang="ko-KR" sz="1200" dirty="0" err="1"/>
+              <a:t>CMake</a:t>
+            </a:r>
+            <a:r>
+              <a:rPr lang="en-US" altLang="ko-KR" sz="1200" dirty="0"/>
+              <a:t> setting</a:t>
             </a:r>
             <a:endParaRPr lang="ko-KR" altLang="en-US" dirty="0"/>
           </a:p>
@@ -11939,8 +13282,8 @@
         </p:nvSpPr>
         <p:spPr>
           <a:xfrm>
-            <a:off x="10234868" y="4475438"/>
-            <a:ext cx="1836080" cy="276999"/>
+            <a:off x="10508323" y="4475438"/>
+            <a:ext cx="1570686" cy="276999"/>
           </a:xfrm>
           <a:prstGeom prst="rect">
             <a:avLst/>
@@ -11959,7 +13302,7 @@
             </a:pPr>
             <a:r>
               <a:rPr lang="en-US" altLang="ko-KR" sz="1200" dirty="0"/>
-              <a:t>technical explanation</a:t>
+              <a:t>unreal 3D setting</a:t>
             </a:r>
             <a:endParaRPr lang="ko-KR" altLang="en-US" sz="1200" dirty="0"/>
           </a:p>
@@ -12406,819 +13749,6 @@
 </file>
 
 <file path=ppt/slides/slide5.xml><?xml version="1.0" encoding="utf-8"?>
-<p:sld xmlns:a="http://schemas.openxmlformats.org/drawingml/2006/main" xmlns:r="http://schemas.openxmlformats.org/officeDocument/2006/relationships" xmlns:p="http://schemas.openxmlformats.org/presentationml/2006/main">
-  <p:cSld>
-    <p:spTree>
-      <p:nvGrpSpPr>
-        <p:cNvPr id="1" name=""/>
-        <p:cNvGrpSpPr/>
-        <p:nvPr/>
-      </p:nvGrpSpPr>
-      <p:grpSpPr>
-        <a:xfrm>
-          <a:off x="0" y="0"/>
-          <a:ext cx="0" cy="0"/>
-          <a:chOff x="0" y="0"/>
-          <a:chExt cx="0" cy="0"/>
-        </a:xfrm>
-      </p:grpSpPr>
-      <p:sp>
-        <p:nvSpPr>
-          <p:cNvPr id="62" name="TextBox 61"/>
-          <p:cNvSpPr txBox="1"/>
-          <p:nvPr/>
-        </p:nvSpPr>
-        <p:spPr>
-          <a:xfrm>
-            <a:off x="21018" y="0"/>
-            <a:ext cx="783291" cy="369332"/>
-          </a:xfrm>
-          <a:prstGeom prst="rect">
-            <a:avLst/>
-          </a:prstGeom>
-          <a:noFill/>
-        </p:spPr>
-        <p:txBody>
-          <a:bodyPr wrap="none" rtlCol="0">
-            <a:spAutoFit/>
-          </a:bodyPr>
-          <a:lstStyle/>
-          <a:p>
-            <a:r>
-              <a:rPr lang="en-US" altLang="ko-KR" b="1" dirty="0">
-                <a:solidFill>
-                  <a:schemeClr val="tx2">
-                    <a:lumMod val="20000"/>
-                    <a:lumOff val="80000"/>
-                  </a:schemeClr>
-                </a:solidFill>
-              </a:rPr>
-              <a:t>CGCII</a:t>
-            </a:r>
-            <a:endParaRPr lang="ko-KR" altLang="en-US" b="1" dirty="0">
-              <a:solidFill>
-                <a:schemeClr val="tx2">
-                  <a:lumMod val="20000"/>
-                  <a:lumOff val="80000"/>
-                </a:schemeClr>
-              </a:solidFill>
-            </a:endParaRPr>
-          </a:p>
-        </p:txBody>
-      </p:sp>
-      <p:sp>
-        <p:nvSpPr>
-          <p:cNvPr id="18" name="TextBox 17">
-            <a:extLst>
-              <a:ext uri="{FF2B5EF4-FFF2-40B4-BE49-F238E27FC236}">
-                <a16:creationId xmlns:a16="http://schemas.microsoft.com/office/drawing/2014/main" id="{56031253-0268-C339-46E0-5C0CA4065F93}"/>
-              </a:ext>
-            </a:extLst>
-          </p:cNvPr>
-          <p:cNvSpPr txBox="1"/>
-          <p:nvPr/>
-        </p:nvSpPr>
-        <p:spPr>
-          <a:xfrm>
-            <a:off x="-145470" y="369332"/>
-            <a:ext cx="2027461" cy="646331"/>
-          </a:xfrm>
-          <a:prstGeom prst="rect">
-            <a:avLst/>
-          </a:prstGeom>
-          <a:noFill/>
-          <a:effectLst>
-            <a:outerShdw blurRad="50800" dist="38100" algn="l" rotWithShape="0">
-              <a:prstClr val="black">
-                <a:alpha val="40000"/>
-              </a:prstClr>
-            </a:outerShdw>
-          </a:effectLst>
-        </p:spPr>
-        <p:txBody>
-          <a:bodyPr wrap="square">
-            <a:spAutoFit/>
-          </a:bodyPr>
-          <a:lstStyle/>
-          <a:p>
-            <a:pPr algn="ctr"/>
-            <a:r>
-              <a:rPr lang="en-US" altLang="ko-KR" dirty="0">
-                <a:latin typeface="Segoe UI Semibold" panose="020B0702040204020203" pitchFamily="34" charset="0"/>
-                <a:ea typeface="HY신명조" panose="02030600000101010101" pitchFamily="18" charset="-127"/>
-                <a:cs typeface="Segoe UI Semibold" panose="020B0702040204020203" pitchFamily="34" charset="0"/>
-              </a:rPr>
-              <a:t>CGDK</a:t>
-            </a:r>
-            <a:r>
-              <a:rPr lang="en-US" altLang="ko-KR" dirty="0">
-                <a:solidFill>
-                  <a:schemeClr val="tx1">
-                    <a:lumMod val="50000"/>
-                    <a:lumOff val="50000"/>
-                  </a:schemeClr>
-                </a:solidFill>
-                <a:latin typeface="HY신명조" panose="02030600000101010101" pitchFamily="18" charset="-127"/>
-                <a:ea typeface="HY신명조" panose="02030600000101010101" pitchFamily="18" charset="-127"/>
-              </a:rPr>
-              <a:t>::</a:t>
-            </a:r>
-            <a:r>
-              <a:rPr lang="en-US" altLang="ko-KR" dirty="0">
-                <a:latin typeface="HY신명조" panose="02030600000101010101" pitchFamily="18" charset="-127"/>
-                <a:ea typeface="HY신명조" panose="02030600000101010101" pitchFamily="18" charset="-127"/>
-              </a:rPr>
-              <a:t>buffer</a:t>
-            </a:r>
-            <a:br>
-              <a:rPr lang="en-US" altLang="ko-KR" dirty="0">
-                <a:latin typeface="HY신명조" panose="02030600000101010101" pitchFamily="18" charset="-127"/>
-                <a:ea typeface="HY신명조" panose="02030600000101010101" pitchFamily="18" charset="-127"/>
-              </a:rPr>
-            </a:br>
-            <a:r>
-              <a:rPr lang="en-US" altLang="ko-KR" sz="600" dirty="0">
-                <a:latin typeface="HY신명조" panose="02030600000101010101" pitchFamily="18" charset="-127"/>
-                <a:ea typeface="HY신명조" panose="02030600000101010101" pitchFamily="18" charset="-127"/>
-              </a:rPr>
-              <a:t>with Reflection</a:t>
-            </a:r>
-            <a:endParaRPr lang="ko-KR" altLang="en-US" sz="600" dirty="0">
-              <a:latin typeface="HY신명조" panose="02030600000101010101" pitchFamily="18" charset="-127"/>
-              <a:ea typeface="HY신명조" panose="02030600000101010101" pitchFamily="18" charset="-127"/>
-            </a:endParaRPr>
-          </a:p>
-          <a:p>
-            <a:pPr algn="ctr"/>
-            <a:endParaRPr lang="ko-KR" altLang="en-US" sz="1200" dirty="0"/>
-          </a:p>
-        </p:txBody>
-      </p:sp>
-      <p:cxnSp>
-        <p:nvCxnSpPr>
-          <p:cNvPr id="19" name="직선 연결선 18">
-            <a:extLst>
-              <a:ext uri="{FF2B5EF4-FFF2-40B4-BE49-F238E27FC236}">
-                <a16:creationId xmlns:a16="http://schemas.microsoft.com/office/drawing/2014/main" id="{4D54D713-F571-C9FB-DD7D-6AC15501D59F}"/>
-              </a:ext>
-            </a:extLst>
-          </p:cNvPr>
-          <p:cNvCxnSpPr/>
-          <p:nvPr/>
-        </p:nvCxnSpPr>
-        <p:spPr>
-          <a:xfrm>
-            <a:off x="0" y="369332"/>
-            <a:ext cx="1727200" cy="0"/>
-          </a:xfrm>
-          <a:prstGeom prst="line">
-            <a:avLst/>
-          </a:prstGeom>
-          <a:ln>
-            <a:solidFill>
-              <a:schemeClr val="tx1"/>
-            </a:solidFill>
-            <a:tailEnd type="triangle"/>
-          </a:ln>
-        </p:spPr>
-        <p:style>
-          <a:lnRef idx="1">
-            <a:schemeClr val="accent1"/>
-          </a:lnRef>
-          <a:fillRef idx="0">
-            <a:schemeClr val="accent1"/>
-          </a:fillRef>
-          <a:effectRef idx="0">
-            <a:schemeClr val="accent1"/>
-          </a:effectRef>
-          <a:fontRef idx="minor">
-            <a:schemeClr val="tx1"/>
-          </a:fontRef>
-        </p:style>
-      </p:cxnSp>
-      <p:sp>
-        <p:nvSpPr>
-          <p:cNvPr id="3" name="TextBox 2">
-            <a:extLst>
-              <a:ext uri="{FF2B5EF4-FFF2-40B4-BE49-F238E27FC236}">
-                <a16:creationId xmlns:a16="http://schemas.microsoft.com/office/drawing/2014/main" id="{0EDEEB7A-FAFC-2E92-EF23-1EE86E850239}"/>
-              </a:ext>
-            </a:extLst>
-          </p:cNvPr>
-          <p:cNvSpPr txBox="1"/>
-          <p:nvPr/>
-        </p:nvSpPr>
-        <p:spPr>
-          <a:xfrm>
-            <a:off x="2390586" y="2943972"/>
-            <a:ext cx="4201744" cy="338554"/>
-          </a:xfrm>
-          <a:prstGeom prst="rect">
-            <a:avLst/>
-          </a:prstGeom>
-          <a:noFill/>
-        </p:spPr>
-        <p:txBody>
-          <a:bodyPr wrap="square">
-            <a:spAutoFit/>
-          </a:bodyPr>
-          <a:lstStyle/>
-          <a:p>
-            <a:r>
-              <a:rPr lang="en-US" altLang="ko-KR" sz="1600" dirty="0">
-                <a:latin typeface="HY신명조" panose="02030600000101010101" pitchFamily="18" charset="-127"/>
-                <a:ea typeface="HY신명조" panose="02030600000101010101" pitchFamily="18" charset="-127"/>
-              </a:rPr>
-              <a:t>Visual Studio C++ project</a:t>
-            </a:r>
-          </a:p>
-        </p:txBody>
-      </p:sp>
-      <p:sp>
-        <p:nvSpPr>
-          <p:cNvPr id="4" name="부제목 2">
-            <a:extLst>
-              <a:ext uri="{FF2B5EF4-FFF2-40B4-BE49-F238E27FC236}">
-                <a16:creationId xmlns:a16="http://schemas.microsoft.com/office/drawing/2014/main" id="{919BD469-8EF4-8A9F-3484-425E9E437DE1}"/>
-              </a:ext>
-            </a:extLst>
-          </p:cNvPr>
-          <p:cNvSpPr txBox="1">
-            <a:spLocks/>
-          </p:cNvSpPr>
-          <p:nvPr/>
-        </p:nvSpPr>
-        <p:spPr>
-          <a:xfrm>
-            <a:off x="9743758" y="6608604"/>
-            <a:ext cx="2426208" cy="238379"/>
-          </a:xfrm>
-          <a:prstGeom prst="rect">
-            <a:avLst/>
-          </a:prstGeom>
-        </p:spPr>
-        <p:txBody>
-          <a:bodyPr vert="horz" wrap="none" lIns="91440" tIns="45720" rIns="91440" bIns="45720" rtlCol="0">
-            <a:normAutofit/>
-          </a:bodyPr>
-          <a:lstStyle>
-            <a:lvl1pPr marL="228600" indent="-228600" algn="l" defTabSz="914400" rtl="0" eaLnBrk="1" latinLnBrk="1" hangingPunct="1">
-              <a:lnSpc>
-                <a:spcPct val="90000"/>
-              </a:lnSpc>
-              <a:spcBef>
-                <a:spcPts val="1000"/>
-              </a:spcBef>
-              <a:buFont typeface="Arial" panose="020B0604020202020204" pitchFamily="34" charset="0"/>
-              <a:buChar char="•"/>
-              <a:defRPr sz="2800" kern="1200">
-                <a:solidFill>
-                  <a:schemeClr val="tx1"/>
-                </a:solidFill>
-                <a:latin typeface="+mn-lt"/>
-                <a:ea typeface="+mn-ea"/>
-                <a:cs typeface="+mn-cs"/>
-              </a:defRPr>
-            </a:lvl1pPr>
-            <a:lvl2pPr marL="685800" indent="-228600" algn="l" defTabSz="914400" rtl="0" eaLnBrk="1" latinLnBrk="1" hangingPunct="1">
-              <a:lnSpc>
-                <a:spcPct val="90000"/>
-              </a:lnSpc>
-              <a:spcBef>
-                <a:spcPts val="500"/>
-              </a:spcBef>
-              <a:buFont typeface="Arial" panose="020B0604020202020204" pitchFamily="34" charset="0"/>
-              <a:buChar char="•"/>
-              <a:defRPr sz="2400" kern="1200">
-                <a:solidFill>
-                  <a:schemeClr val="tx1"/>
-                </a:solidFill>
-                <a:latin typeface="+mn-lt"/>
-                <a:ea typeface="+mn-ea"/>
-                <a:cs typeface="+mn-cs"/>
-              </a:defRPr>
-            </a:lvl2pPr>
-            <a:lvl3pPr marL="1143000" indent="-228600" algn="l" defTabSz="914400" rtl="0" eaLnBrk="1" latinLnBrk="1" hangingPunct="1">
-              <a:lnSpc>
-                <a:spcPct val="90000"/>
-              </a:lnSpc>
-              <a:spcBef>
-                <a:spcPts val="500"/>
-              </a:spcBef>
-              <a:buFont typeface="Arial" panose="020B0604020202020204" pitchFamily="34" charset="0"/>
-              <a:buChar char="•"/>
-              <a:defRPr sz="2000" kern="1200">
-                <a:solidFill>
-                  <a:schemeClr val="tx1"/>
-                </a:solidFill>
-                <a:latin typeface="+mn-lt"/>
-                <a:ea typeface="+mn-ea"/>
-                <a:cs typeface="+mn-cs"/>
-              </a:defRPr>
-            </a:lvl3pPr>
-            <a:lvl4pPr marL="1600200" indent="-228600" algn="l" defTabSz="914400" rtl="0" eaLnBrk="1" latinLnBrk="1" hangingPunct="1">
-              <a:lnSpc>
-                <a:spcPct val="90000"/>
-              </a:lnSpc>
-              <a:spcBef>
-                <a:spcPts val="500"/>
-              </a:spcBef>
-              <a:buFont typeface="Arial" panose="020B0604020202020204" pitchFamily="34" charset="0"/>
-              <a:buChar char="•"/>
-              <a:defRPr sz="1800" kern="1200">
-                <a:solidFill>
-                  <a:schemeClr val="tx1"/>
-                </a:solidFill>
-                <a:latin typeface="+mn-lt"/>
-                <a:ea typeface="+mn-ea"/>
-                <a:cs typeface="+mn-cs"/>
-              </a:defRPr>
-            </a:lvl4pPr>
-            <a:lvl5pPr marL="2057400" indent="-228600" algn="l" defTabSz="914400" rtl="0" eaLnBrk="1" latinLnBrk="1" hangingPunct="1">
-              <a:lnSpc>
-                <a:spcPct val="90000"/>
-              </a:lnSpc>
-              <a:spcBef>
-                <a:spcPts val="500"/>
-              </a:spcBef>
-              <a:buFont typeface="Arial" panose="020B0604020202020204" pitchFamily="34" charset="0"/>
-              <a:buChar char="•"/>
-              <a:defRPr sz="1800" kern="1200">
-                <a:solidFill>
-                  <a:schemeClr val="tx1"/>
-                </a:solidFill>
-                <a:latin typeface="+mn-lt"/>
-                <a:ea typeface="+mn-ea"/>
-                <a:cs typeface="+mn-cs"/>
-              </a:defRPr>
-            </a:lvl5pPr>
-            <a:lvl6pPr marL="2514600" indent="-228600" algn="l" defTabSz="914400" rtl="0" eaLnBrk="1" latinLnBrk="1" hangingPunct="1">
-              <a:lnSpc>
-                <a:spcPct val="90000"/>
-              </a:lnSpc>
-              <a:spcBef>
-                <a:spcPts val="500"/>
-              </a:spcBef>
-              <a:buFont typeface="Arial" panose="020B0604020202020204" pitchFamily="34" charset="0"/>
-              <a:buChar char="•"/>
-              <a:defRPr sz="1800" kern="1200">
-                <a:solidFill>
-                  <a:schemeClr val="tx1"/>
-                </a:solidFill>
-                <a:latin typeface="+mn-lt"/>
-                <a:ea typeface="+mn-ea"/>
-                <a:cs typeface="+mn-cs"/>
-              </a:defRPr>
-            </a:lvl6pPr>
-            <a:lvl7pPr marL="2971800" indent="-228600" algn="l" defTabSz="914400" rtl="0" eaLnBrk="1" latinLnBrk="1" hangingPunct="1">
-              <a:lnSpc>
-                <a:spcPct val="90000"/>
-              </a:lnSpc>
-              <a:spcBef>
-                <a:spcPts val="500"/>
-              </a:spcBef>
-              <a:buFont typeface="Arial" panose="020B0604020202020204" pitchFamily="34" charset="0"/>
-              <a:buChar char="•"/>
-              <a:defRPr sz="1800" kern="1200">
-                <a:solidFill>
-                  <a:schemeClr val="tx1"/>
-                </a:solidFill>
-                <a:latin typeface="+mn-lt"/>
-                <a:ea typeface="+mn-ea"/>
-                <a:cs typeface="+mn-cs"/>
-              </a:defRPr>
-            </a:lvl7pPr>
-            <a:lvl8pPr marL="3429000" indent="-228600" algn="l" defTabSz="914400" rtl="0" eaLnBrk="1" latinLnBrk="1" hangingPunct="1">
-              <a:lnSpc>
-                <a:spcPct val="90000"/>
-              </a:lnSpc>
-              <a:spcBef>
-                <a:spcPts val="500"/>
-              </a:spcBef>
-              <a:buFont typeface="Arial" panose="020B0604020202020204" pitchFamily="34" charset="0"/>
-              <a:buChar char="•"/>
-              <a:defRPr sz="1800" kern="1200">
-                <a:solidFill>
-                  <a:schemeClr val="tx1"/>
-                </a:solidFill>
-                <a:latin typeface="+mn-lt"/>
-                <a:ea typeface="+mn-ea"/>
-                <a:cs typeface="+mn-cs"/>
-              </a:defRPr>
-            </a:lvl8pPr>
-            <a:lvl9pPr marL="3886200" indent="-228600" algn="l" defTabSz="914400" rtl="0" eaLnBrk="1" latinLnBrk="1" hangingPunct="1">
-              <a:lnSpc>
-                <a:spcPct val="90000"/>
-              </a:lnSpc>
-              <a:spcBef>
-                <a:spcPts val="500"/>
-              </a:spcBef>
-              <a:buFont typeface="Arial" panose="020B0604020202020204" pitchFamily="34" charset="0"/>
-              <a:buChar char="•"/>
-              <a:defRPr sz="1800" kern="1200">
-                <a:solidFill>
-                  <a:schemeClr val="tx1"/>
-                </a:solidFill>
-                <a:latin typeface="+mn-lt"/>
-                <a:ea typeface="+mn-ea"/>
-                <a:cs typeface="+mn-cs"/>
-              </a:defRPr>
-            </a:lvl9pPr>
-          </a:lstStyle>
-          <a:p>
-            <a:pPr marL="0" indent="0" algn="r">
-              <a:buNone/>
-            </a:pPr>
-            <a:r>
-              <a:rPr lang="en-US" altLang="ko-KR" sz="700" dirty="0"/>
-              <a:t>© 2016. </a:t>
-            </a:r>
-            <a:r>
-              <a:rPr lang="en-US" altLang="ko-KR" sz="700" b="1" dirty="0"/>
-              <a:t>CGCII</a:t>
-            </a:r>
-            <a:endParaRPr lang="ko-KR" altLang="en-US" sz="700" dirty="0"/>
-          </a:p>
-        </p:txBody>
-      </p:sp>
-      <p:sp>
-        <p:nvSpPr>
-          <p:cNvPr id="6" name="TextBox 5">
-            <a:extLst>
-              <a:ext uri="{FF2B5EF4-FFF2-40B4-BE49-F238E27FC236}">
-                <a16:creationId xmlns:a16="http://schemas.microsoft.com/office/drawing/2014/main" id="{7E1DFAED-4A1B-8427-9AD9-9B39E4CD950A}"/>
-              </a:ext>
-            </a:extLst>
-          </p:cNvPr>
-          <p:cNvSpPr txBox="1"/>
-          <p:nvPr/>
-        </p:nvSpPr>
-        <p:spPr>
-          <a:xfrm>
-            <a:off x="4467742" y="975769"/>
-            <a:ext cx="3256517" cy="400110"/>
-          </a:xfrm>
-          <a:prstGeom prst="rect">
-            <a:avLst/>
-          </a:prstGeom>
-          <a:noFill/>
-          <a:effectLst>
-            <a:outerShdw blurRad="50800" dist="38100" algn="l" rotWithShape="0">
-              <a:prstClr val="black">
-                <a:alpha val="40000"/>
-              </a:prstClr>
-            </a:outerShdw>
-          </a:effectLst>
-        </p:spPr>
-        <p:txBody>
-          <a:bodyPr wrap="square">
-            <a:spAutoFit/>
-          </a:bodyPr>
-          <a:lstStyle/>
-          <a:p>
-            <a:pPr algn="ctr"/>
-            <a:r>
-              <a:rPr lang="en-US" altLang="ko-KR" sz="2000" dirty="0">
-                <a:latin typeface="Segoe UI Semibold" panose="020B0702040204020203" pitchFamily="34" charset="0"/>
-                <a:ea typeface="HY신명조" panose="02030600000101010101" pitchFamily="18" charset="-127"/>
-                <a:cs typeface="Segoe UI Semibold" panose="020B0702040204020203" pitchFamily="34" charset="0"/>
-              </a:rPr>
-              <a:t>CGDK</a:t>
-            </a:r>
-            <a:r>
-              <a:rPr lang="en-US" altLang="ko-KR" sz="2000" dirty="0">
-                <a:solidFill>
-                  <a:schemeClr val="tx1">
-                    <a:lumMod val="50000"/>
-                    <a:lumOff val="50000"/>
-                  </a:schemeClr>
-                </a:solidFill>
-                <a:latin typeface="HY신명조" panose="02030600000101010101" pitchFamily="18" charset="-127"/>
-                <a:ea typeface="HY신명조" panose="02030600000101010101" pitchFamily="18" charset="-127"/>
-              </a:rPr>
-              <a:t>::</a:t>
-            </a:r>
-            <a:r>
-              <a:rPr lang="en-US" altLang="ko-KR" sz="2000" dirty="0" err="1">
-                <a:latin typeface="HY신명조" panose="02030600000101010101" pitchFamily="18" charset="-127"/>
-                <a:ea typeface="HY신명조" panose="02030600000101010101" pitchFamily="18" charset="-127"/>
-              </a:rPr>
-              <a:t>bwinuffer</a:t>
-            </a:r>
-            <a:r>
-              <a:rPr lang="ko-KR" altLang="en-US" sz="1400" dirty="0">
-                <a:latin typeface="HY신명조" panose="02030600000101010101" pitchFamily="18" charset="-127"/>
-                <a:ea typeface="HY신명조" panose="02030600000101010101" pitchFamily="18" charset="-127"/>
-              </a:rPr>
-              <a:t>는</a:t>
-            </a:r>
-            <a:endParaRPr lang="ko-KR" altLang="en-US" sz="1400" dirty="0"/>
-          </a:p>
-        </p:txBody>
-      </p:sp>
-      <p:sp>
-        <p:nvSpPr>
-          <p:cNvPr id="2" name="TextBox 1">
-            <a:extLst>
-              <a:ext uri="{FF2B5EF4-FFF2-40B4-BE49-F238E27FC236}">
-                <a16:creationId xmlns:a16="http://schemas.microsoft.com/office/drawing/2014/main" id="{C80AB8BD-8964-7037-00CA-1880458A2E36}"/>
-              </a:ext>
-            </a:extLst>
-          </p:cNvPr>
-          <p:cNvSpPr txBox="1"/>
-          <p:nvPr/>
-        </p:nvSpPr>
-        <p:spPr>
-          <a:xfrm>
-            <a:off x="2390585" y="3314398"/>
-            <a:ext cx="2840147" cy="338554"/>
-          </a:xfrm>
-          <a:prstGeom prst="rect">
-            <a:avLst/>
-          </a:prstGeom>
-          <a:noFill/>
-        </p:spPr>
-        <p:txBody>
-          <a:bodyPr wrap="square">
-            <a:spAutoFit/>
-          </a:bodyPr>
-          <a:lstStyle/>
-          <a:p>
-            <a:r>
-              <a:rPr lang="en-US" altLang="ko-KR" sz="1600" dirty="0">
-                <a:latin typeface="HY신명조" panose="02030600000101010101" pitchFamily="18" charset="-127"/>
-                <a:ea typeface="HY신명조" panose="02030600000101010101" pitchFamily="18" charset="-127"/>
-              </a:rPr>
-              <a:t>Linux C++project</a:t>
-            </a:r>
-          </a:p>
-        </p:txBody>
-      </p:sp>
-      <p:sp>
-        <p:nvSpPr>
-          <p:cNvPr id="5" name="TextBox 4">
-            <a:extLst>
-              <a:ext uri="{FF2B5EF4-FFF2-40B4-BE49-F238E27FC236}">
-                <a16:creationId xmlns:a16="http://schemas.microsoft.com/office/drawing/2014/main" id="{A71CAE6D-7216-201D-342C-F3F92556AFFB}"/>
-              </a:ext>
-            </a:extLst>
-          </p:cNvPr>
-          <p:cNvSpPr txBox="1"/>
-          <p:nvPr/>
-        </p:nvSpPr>
-        <p:spPr>
-          <a:xfrm>
-            <a:off x="2390586" y="3684823"/>
-            <a:ext cx="3194668" cy="338554"/>
-          </a:xfrm>
-          <a:prstGeom prst="rect">
-            <a:avLst/>
-          </a:prstGeom>
-          <a:noFill/>
-        </p:spPr>
-        <p:txBody>
-          <a:bodyPr wrap="square">
-            <a:spAutoFit/>
-          </a:bodyPr>
-          <a:lstStyle/>
-          <a:p>
-            <a:r>
-              <a:rPr lang="en-US" altLang="ko-KR" sz="1600" dirty="0">
-                <a:latin typeface="HY신명조" panose="02030600000101010101" pitchFamily="18" charset="-127"/>
-                <a:ea typeface="HY신명조" panose="02030600000101010101" pitchFamily="18" charset="-127"/>
-              </a:rPr>
-              <a:t>Unreal 3D project </a:t>
-            </a:r>
-          </a:p>
-        </p:txBody>
-      </p:sp>
-      <p:sp>
-        <p:nvSpPr>
-          <p:cNvPr id="8" name="TextBox 7">
-            <a:extLst>
-              <a:ext uri="{FF2B5EF4-FFF2-40B4-BE49-F238E27FC236}">
-                <a16:creationId xmlns:a16="http://schemas.microsoft.com/office/drawing/2014/main" id="{2219BEBA-175D-F5A3-3653-1D186C56F1A0}"/>
-              </a:ext>
-            </a:extLst>
-          </p:cNvPr>
-          <p:cNvSpPr txBox="1"/>
-          <p:nvPr/>
-        </p:nvSpPr>
-        <p:spPr>
-          <a:xfrm>
-            <a:off x="2390585" y="5056258"/>
-            <a:ext cx="2637703" cy="338554"/>
-          </a:xfrm>
-          <a:prstGeom prst="rect">
-            <a:avLst/>
-          </a:prstGeom>
-          <a:noFill/>
-        </p:spPr>
-        <p:txBody>
-          <a:bodyPr wrap="square">
-            <a:spAutoFit/>
-          </a:bodyPr>
-          <a:lstStyle/>
-          <a:p>
-            <a:pPr marL="285750" indent="-285750">
-              <a:buFont typeface="Arial" panose="020B0604020202020204" pitchFamily="34" charset="0"/>
-              <a:buChar char="•"/>
-            </a:pPr>
-            <a:r>
-              <a:rPr lang="en-US" altLang="ko-KR" sz="1600" dirty="0">
-                <a:latin typeface="HY신명조" panose="02030600000101010101" pitchFamily="18" charset="-127"/>
-                <a:ea typeface="HY신명조" panose="02030600000101010101" pitchFamily="18" charset="-127"/>
-              </a:rPr>
-              <a:t>general</a:t>
-            </a:r>
-          </a:p>
-        </p:txBody>
-      </p:sp>
-      <p:sp>
-        <p:nvSpPr>
-          <p:cNvPr id="9" name="TextBox 8">
-            <a:extLst>
-              <a:ext uri="{FF2B5EF4-FFF2-40B4-BE49-F238E27FC236}">
-                <a16:creationId xmlns:a16="http://schemas.microsoft.com/office/drawing/2014/main" id="{7BE8C0A4-E377-E2BA-8B55-CEE2A05FA038}"/>
-              </a:ext>
-            </a:extLst>
-          </p:cNvPr>
-          <p:cNvSpPr txBox="1"/>
-          <p:nvPr/>
-        </p:nvSpPr>
-        <p:spPr>
-          <a:xfrm>
-            <a:off x="2390585" y="5468036"/>
-            <a:ext cx="2637703" cy="338554"/>
-          </a:xfrm>
-          <a:prstGeom prst="rect">
-            <a:avLst/>
-          </a:prstGeom>
-          <a:noFill/>
-        </p:spPr>
-        <p:txBody>
-          <a:bodyPr wrap="square">
-            <a:spAutoFit/>
-          </a:bodyPr>
-          <a:lstStyle/>
-          <a:p>
-            <a:pPr marL="285750" indent="-285750">
-              <a:buFont typeface="Arial" panose="020B0604020202020204" pitchFamily="34" charset="0"/>
-              <a:buChar char="•"/>
-            </a:pPr>
-            <a:r>
-              <a:rPr lang="en-US" altLang="ko-KR" sz="1600" dirty="0">
-                <a:latin typeface="HY신명조" panose="02030600000101010101" pitchFamily="18" charset="-127"/>
-                <a:ea typeface="HY신명조" panose="02030600000101010101" pitchFamily="18" charset="-127"/>
-              </a:rPr>
-              <a:t>Unity3D</a:t>
-            </a:r>
-          </a:p>
-        </p:txBody>
-      </p:sp>
-      <p:sp>
-        <p:nvSpPr>
-          <p:cNvPr id="11" name="TextBox 10">
-            <a:extLst>
-              <a:ext uri="{FF2B5EF4-FFF2-40B4-BE49-F238E27FC236}">
-                <a16:creationId xmlns:a16="http://schemas.microsoft.com/office/drawing/2014/main" id="{B4C3A087-A259-F592-B7A8-5755F0AD6041}"/>
-              </a:ext>
-            </a:extLst>
-          </p:cNvPr>
-          <p:cNvSpPr txBox="1"/>
-          <p:nvPr/>
-        </p:nvSpPr>
-        <p:spPr>
-          <a:xfrm>
-            <a:off x="1974215" y="4549408"/>
-            <a:ext cx="3256517" cy="369332"/>
-          </a:xfrm>
-          <a:prstGeom prst="rect">
-            <a:avLst/>
-          </a:prstGeom>
-          <a:noFill/>
-        </p:spPr>
-        <p:txBody>
-          <a:bodyPr wrap="square">
-            <a:spAutoFit/>
-          </a:bodyPr>
-          <a:lstStyle/>
-          <a:p>
-            <a:r>
-              <a:rPr lang="en-US" altLang="ko-KR" sz="1800" dirty="0">
-                <a:latin typeface="HY견명조" panose="02030600000101010101" pitchFamily="18" charset="-127"/>
-                <a:ea typeface="HY견명조" panose="02030600000101010101" pitchFamily="18" charset="-127"/>
-              </a:rPr>
-              <a:t>C# project setting</a:t>
-            </a:r>
-            <a:endParaRPr lang="en-US" altLang="ko-KR" sz="1600" dirty="0">
-              <a:latin typeface="HY신명조" panose="02030600000101010101" pitchFamily="18" charset="-127"/>
-              <a:ea typeface="HY신명조" panose="02030600000101010101" pitchFamily="18" charset="-127"/>
-            </a:endParaRPr>
-          </a:p>
-        </p:txBody>
-      </p:sp>
-      <p:sp>
-        <p:nvSpPr>
-          <p:cNvPr id="12" name="TextBox 11">
-            <a:extLst>
-              <a:ext uri="{FF2B5EF4-FFF2-40B4-BE49-F238E27FC236}">
-                <a16:creationId xmlns:a16="http://schemas.microsoft.com/office/drawing/2014/main" id="{BC9A3B63-27FE-E2A6-6E8E-ED5E3897A88E}"/>
-              </a:ext>
-            </a:extLst>
-          </p:cNvPr>
-          <p:cNvSpPr txBox="1"/>
-          <p:nvPr/>
-        </p:nvSpPr>
-        <p:spPr>
-          <a:xfrm>
-            <a:off x="1974215" y="1678184"/>
-            <a:ext cx="3256517" cy="369332"/>
-          </a:xfrm>
-          <a:prstGeom prst="rect">
-            <a:avLst/>
-          </a:prstGeom>
-          <a:noFill/>
-        </p:spPr>
-        <p:txBody>
-          <a:bodyPr wrap="square">
-            <a:spAutoFit/>
-          </a:bodyPr>
-          <a:lstStyle/>
-          <a:p>
-            <a:r>
-              <a:rPr lang="en-US" altLang="ko-KR" sz="1800" dirty="0">
-                <a:latin typeface="HY견명조" panose="02030600000101010101" pitchFamily="18" charset="-127"/>
-                <a:ea typeface="HY견명조" panose="02030600000101010101" pitchFamily="18" charset="-127"/>
-              </a:rPr>
-              <a:t>Download CGDK::</a:t>
-            </a:r>
-            <a:r>
-              <a:rPr lang="en-US" altLang="ko-KR" dirty="0">
-                <a:latin typeface="HY견명조" panose="02030600000101010101" pitchFamily="18" charset="-127"/>
-                <a:ea typeface="HY견명조" panose="02030600000101010101" pitchFamily="18" charset="-127"/>
-              </a:rPr>
-              <a:t>buffer</a:t>
-            </a:r>
-            <a:endParaRPr lang="en-US" altLang="ko-KR" sz="1600" dirty="0">
-              <a:latin typeface="HY신명조" panose="02030600000101010101" pitchFamily="18" charset="-127"/>
-              <a:ea typeface="HY신명조" panose="02030600000101010101" pitchFamily="18" charset="-127"/>
-            </a:endParaRPr>
-          </a:p>
-        </p:txBody>
-      </p:sp>
-      <p:sp>
-        <p:nvSpPr>
-          <p:cNvPr id="7" name="TextBox 6">
-            <a:extLst>
-              <a:ext uri="{FF2B5EF4-FFF2-40B4-BE49-F238E27FC236}">
-                <a16:creationId xmlns:a16="http://schemas.microsoft.com/office/drawing/2014/main" id="{B0A7198B-FA65-D3ED-CDD4-93D64ADF1028}"/>
-              </a:ext>
-            </a:extLst>
-          </p:cNvPr>
-          <p:cNvSpPr txBox="1"/>
-          <p:nvPr/>
-        </p:nvSpPr>
-        <p:spPr>
-          <a:xfrm>
-            <a:off x="1771771" y="2583756"/>
-            <a:ext cx="3256517" cy="276999"/>
-          </a:xfrm>
-          <a:prstGeom prst="rect">
-            <a:avLst/>
-          </a:prstGeom>
-          <a:noFill/>
-        </p:spPr>
-        <p:txBody>
-          <a:bodyPr wrap="square">
-            <a:spAutoFit/>
-          </a:bodyPr>
-          <a:lstStyle/>
-          <a:p>
-            <a:r>
-              <a:rPr lang="en-US" altLang="ko-KR" sz="1200" dirty="0">
-                <a:latin typeface="HY신명조" panose="02030600000101010101" pitchFamily="18" charset="-127"/>
-                <a:ea typeface="HY신명조" panose="02030600000101010101" pitchFamily="18" charset="-127"/>
-              </a:rPr>
-              <a:t>project setting</a:t>
-            </a:r>
-          </a:p>
-        </p:txBody>
-      </p:sp>
-    </p:spTree>
-    <p:extLst>
-      <p:ext uri="{BB962C8B-B14F-4D97-AF65-F5344CB8AC3E}">
-        <p14:creationId xmlns:p14="http://schemas.microsoft.com/office/powerpoint/2010/main" val="461980180"/>
-      </p:ext>
-    </p:extLst>
-  </p:cSld>
-  <p:clrMapOvr>
-    <a:masterClrMapping/>
-  </p:clrMapOvr>
-</p:sld>
-</file>
-
-<file path=ppt/slides/slide6.xml><?xml version="1.0" encoding="utf-8"?>
 <p:sld xmlns:a="http://schemas.openxmlformats.org/drawingml/2006/main" xmlns:r="http://schemas.openxmlformats.org/officeDocument/2006/relationships" xmlns:p="http://schemas.openxmlformats.org/presentationml/2006/main">
   <p:cSld>
     <p:spTree>
@@ -14118,7 +14648,7 @@
 </p:sld>
 </file>
 
-<file path=ppt/slides/slide7.xml><?xml version="1.0" encoding="utf-8"?>
+<file path=ppt/slides/slide6.xml><?xml version="1.0" encoding="utf-8"?>
 <p:sld xmlns:a="http://schemas.openxmlformats.org/drawingml/2006/main" xmlns:r="http://schemas.openxmlformats.org/officeDocument/2006/relationships" xmlns:p="http://schemas.openxmlformats.org/presentationml/2006/main">
   <p:cSld>
     <p:spTree>
@@ -14554,14 +15084,28 @@
                 <a:latin typeface="HY신명조" panose="02030600000101010101" pitchFamily="18" charset="-127"/>
                 <a:ea typeface="HY신명조" panose="02030600000101010101" pitchFamily="18" charset="-127"/>
               </a:rPr>
-              <a:t>① C++20</a:t>
+              <a:t>① </a:t>
+            </a:r>
+            <a:r>
+              <a:rPr lang="en-US" altLang="ko-KR" sz="1400">
+                <a:latin typeface="HY신명조" panose="02030600000101010101" pitchFamily="18" charset="-127"/>
+                <a:ea typeface="HY신명조" panose="02030600000101010101" pitchFamily="18" charset="-127"/>
+              </a:rPr>
+              <a:t>C++17</a:t>
+            </a:r>
+            <a:r>
+              <a:rPr lang="ko-KR" altLang="en-US" sz="1400">
+                <a:latin typeface="HY신명조" panose="02030600000101010101" pitchFamily="18" charset="-127"/>
+                <a:ea typeface="HY신명조" panose="02030600000101010101" pitchFamily="18" charset="-127"/>
+              </a:rPr>
+              <a:t>이상을 </a:t>
             </a:r>
             <a:r>
               <a:rPr lang="ko-KR" altLang="en-US" sz="1400" dirty="0">
                 <a:latin typeface="HY신명조" panose="02030600000101010101" pitchFamily="18" charset="-127"/>
                 <a:ea typeface="HY신명조" panose="02030600000101010101" pitchFamily="18" charset="-127"/>
               </a:rPr>
-              <a:t>이상을 옵션으로 설정해 주시고</a:t>
+              <a:t>옵션으로 설정해 주시고</a:t>
             </a:r>
             <a:endParaRPr lang="en-US" altLang="ko-KR" sz="1400" dirty="0">
               <a:latin typeface="HY신명조" panose="02030600000101010101" pitchFamily="18" charset="-127"/>
@@ -14869,15 +15413,12 @@
                 <a:latin typeface="HY신명조" panose="02030600000101010101" pitchFamily="18" charset="-127"/>
                 <a:ea typeface="HY신명조" panose="02030600000101010101" pitchFamily="18" charset="-127"/>
               </a:rPr>
-              <a:t>프로젝트의 설정 방법입니다</a:t>
-            </a:r>
-            <a:r>
-              <a:rPr lang="en-US" altLang="ko-KR" sz="1400" dirty="0">
-                <a:latin typeface="HY신명조" panose="02030600000101010101" pitchFamily="18" charset="-127"/>
-                <a:ea typeface="HY신명조" panose="02030600000101010101" pitchFamily="18" charset="-127"/>
-              </a:rPr>
-              <a:t>.</a:t>
-            </a:r>
+              <a:t>프로젝트는</a:t>
+            </a:r>
+            <a:endParaRPr lang="en-US" altLang="ko-KR" sz="1400" dirty="0">
+              <a:latin typeface="HY신명조" panose="02030600000101010101" pitchFamily="18" charset="-127"/>
+              <a:ea typeface="HY신명조" panose="02030600000101010101" pitchFamily="18" charset="-127"/>
+            </a:endParaRPr>
           </a:p>
         </p:txBody>
       </p:sp>
@@ -14894,7 +15435,7 @@
 </p:sld>
 </file>
 
-<file path=ppt/slides/slide8.xml><?xml version="1.0" encoding="utf-8"?>
+<file path=ppt/slides/slide7.xml><?xml version="1.0" encoding="utf-8"?>
 <p:sld xmlns:a="http://schemas.openxmlformats.org/drawingml/2006/main" xmlns:r="http://schemas.openxmlformats.org/officeDocument/2006/relationships" xmlns:p="http://schemas.openxmlformats.org/presentationml/2006/main">
   <p:cSld>
     <p:spTree>
@@ -15556,7 +16097,7 @@
                 <a:latin typeface="HY견명조" panose="02030600000101010101" pitchFamily="18" charset="-127"/>
                 <a:ea typeface="HY견명조" panose="02030600000101010101" pitchFamily="18" charset="-127"/>
               </a:rPr>
-              <a:t>C++20</a:t>
+              <a:t>C++17</a:t>
             </a:r>
             <a:r>
               <a:rPr lang="ko-KR" altLang="en-US" sz="1400" dirty="0">
@@ -15606,7 +16147,7 @@
 </p:sld>
 </file>
 
-<file path=ppt/slides/slide9.xml><?xml version="1.0" encoding="utf-8"?>
+<file path=ppt/slides/slide8.xml><?xml version="1.0" encoding="utf-8"?>
 <p:sld xmlns:a="http://schemas.openxmlformats.org/drawingml/2006/main" xmlns:r="http://schemas.openxmlformats.org/officeDocument/2006/relationships" xmlns:p="http://schemas.openxmlformats.org/presentationml/2006/main">
   <p:cSld>
     <p:spTree>
@@ -16344,6 +16885,716 @@
     <p:extLst>
       <p:ext uri="{BB962C8B-B14F-4D97-AF65-F5344CB8AC3E}">
         <p14:creationId xmlns:p14="http://schemas.microsoft.com/office/powerpoint/2010/main" val="2927804775"/>
+      </p:ext>
+    </p:extLst>
+  </p:cSld>
+  <p:clrMapOvr>
+    <a:masterClrMapping/>
+  </p:clrMapOvr>
+</p:sld>
+</file>
+
+<file path=ppt/slides/slide9.xml><?xml version="1.0" encoding="utf-8"?>
+<p:sld xmlns:a="http://schemas.openxmlformats.org/drawingml/2006/main" xmlns:r="http://schemas.openxmlformats.org/officeDocument/2006/relationships" xmlns:p="http://schemas.openxmlformats.org/presentationml/2006/main">
+  <p:cSld>
+    <p:spTree>
+      <p:nvGrpSpPr>
+        <p:cNvPr id="1" name=""/>
+        <p:cNvGrpSpPr/>
+        <p:nvPr/>
+      </p:nvGrpSpPr>
+      <p:grpSpPr>
+        <a:xfrm>
+          <a:off x="0" y="0"/>
+          <a:ext cx="0" cy="0"/>
+          <a:chOff x="0" y="0"/>
+          <a:chExt cx="0" cy="0"/>
+        </a:xfrm>
+      </p:grpSpPr>
+      <p:pic>
+        <p:nvPicPr>
+          <p:cNvPr id="14" name="그림 13">
+            <a:extLst>
+              <a:ext uri="{FF2B5EF4-FFF2-40B4-BE49-F238E27FC236}">
+                <a16:creationId xmlns:a16="http://schemas.microsoft.com/office/drawing/2014/main" id="{FB928D26-E77B-4DB9-6A51-84B1CA7E40C1}"/>
+              </a:ext>
+            </a:extLst>
+          </p:cNvPr>
+          <p:cNvPicPr>
+            <a:picLocks noChangeAspect="1"/>
+          </p:cNvPicPr>
+          <p:nvPr/>
+        </p:nvPicPr>
+        <p:blipFill>
+          <a:blip r:embed="rId3"/>
+          <a:stretch>
+            <a:fillRect/>
+          </a:stretch>
+        </p:blipFill>
+        <p:spPr>
+          <a:xfrm>
+            <a:off x="2192264" y="3134426"/>
+            <a:ext cx="8326012" cy="3000794"/>
+          </a:xfrm>
+          <a:prstGeom prst="rect">
+            <a:avLst/>
+          </a:prstGeom>
+        </p:spPr>
+      </p:pic>
+      <p:sp>
+        <p:nvSpPr>
+          <p:cNvPr id="62" name="TextBox 61"/>
+          <p:cNvSpPr txBox="1"/>
+          <p:nvPr/>
+        </p:nvSpPr>
+        <p:spPr>
+          <a:xfrm>
+            <a:off x="21018" y="0"/>
+            <a:ext cx="783291" cy="369332"/>
+          </a:xfrm>
+          <a:prstGeom prst="rect">
+            <a:avLst/>
+          </a:prstGeom>
+          <a:noFill/>
+        </p:spPr>
+        <p:txBody>
+          <a:bodyPr wrap="none" rtlCol="0">
+            <a:spAutoFit/>
+          </a:bodyPr>
+          <a:lstStyle/>
+          <a:p>
+            <a:r>
+              <a:rPr lang="en-US" altLang="ko-KR" b="1" dirty="0">
+                <a:solidFill>
+                  <a:schemeClr val="tx2">
+                    <a:lumMod val="20000"/>
+                    <a:lumOff val="80000"/>
+                  </a:schemeClr>
+                </a:solidFill>
+              </a:rPr>
+              <a:t>CGCII</a:t>
+            </a:r>
+            <a:endParaRPr lang="ko-KR" altLang="en-US" b="1" dirty="0">
+              <a:solidFill>
+                <a:schemeClr val="tx2">
+                  <a:lumMod val="20000"/>
+                  <a:lumOff val="80000"/>
+                </a:schemeClr>
+              </a:solidFill>
+            </a:endParaRPr>
+          </a:p>
+        </p:txBody>
+      </p:sp>
+      <p:sp>
+        <p:nvSpPr>
+          <p:cNvPr id="18" name="TextBox 17">
+            <a:extLst>
+              <a:ext uri="{FF2B5EF4-FFF2-40B4-BE49-F238E27FC236}">
+                <a16:creationId xmlns:a16="http://schemas.microsoft.com/office/drawing/2014/main" id="{56031253-0268-C339-46E0-5C0CA4065F93}"/>
+              </a:ext>
+            </a:extLst>
+          </p:cNvPr>
+          <p:cNvSpPr txBox="1"/>
+          <p:nvPr/>
+        </p:nvSpPr>
+        <p:spPr>
+          <a:xfrm>
+            <a:off x="-145470" y="369332"/>
+            <a:ext cx="2027461" cy="646331"/>
+          </a:xfrm>
+          <a:prstGeom prst="rect">
+            <a:avLst/>
+          </a:prstGeom>
+          <a:noFill/>
+          <a:effectLst>
+            <a:outerShdw blurRad="50800" dist="38100" algn="l" rotWithShape="0">
+              <a:prstClr val="black">
+                <a:alpha val="40000"/>
+              </a:prstClr>
+            </a:outerShdw>
+          </a:effectLst>
+        </p:spPr>
+        <p:txBody>
+          <a:bodyPr wrap="square">
+            <a:spAutoFit/>
+          </a:bodyPr>
+          <a:lstStyle/>
+          <a:p>
+            <a:pPr algn="ctr"/>
+            <a:r>
+              <a:rPr lang="en-US" altLang="ko-KR" dirty="0">
+                <a:latin typeface="Segoe UI Semibold" panose="020B0702040204020203" pitchFamily="34" charset="0"/>
+                <a:ea typeface="HY신명조" panose="02030600000101010101" pitchFamily="18" charset="-127"/>
+                <a:cs typeface="Segoe UI Semibold" panose="020B0702040204020203" pitchFamily="34" charset="0"/>
+              </a:rPr>
+              <a:t>CGDK</a:t>
+            </a:r>
+            <a:r>
+              <a:rPr lang="en-US" altLang="ko-KR" dirty="0">
+                <a:solidFill>
+                  <a:schemeClr val="tx1">
+                    <a:lumMod val="50000"/>
+                    <a:lumOff val="50000"/>
+                  </a:schemeClr>
+                </a:solidFill>
+                <a:latin typeface="HY신명조" panose="02030600000101010101" pitchFamily="18" charset="-127"/>
+                <a:ea typeface="HY신명조" panose="02030600000101010101" pitchFamily="18" charset="-127"/>
+              </a:rPr>
+              <a:t>::</a:t>
+            </a:r>
+            <a:r>
+              <a:rPr lang="en-US" altLang="ko-KR" dirty="0">
+                <a:latin typeface="HY신명조" panose="02030600000101010101" pitchFamily="18" charset="-127"/>
+                <a:ea typeface="HY신명조" panose="02030600000101010101" pitchFamily="18" charset="-127"/>
+              </a:rPr>
+              <a:t>buffer</a:t>
+            </a:r>
+            <a:br>
+              <a:rPr lang="en-US" altLang="ko-KR" dirty="0">
+                <a:latin typeface="HY신명조" panose="02030600000101010101" pitchFamily="18" charset="-127"/>
+                <a:ea typeface="HY신명조" panose="02030600000101010101" pitchFamily="18" charset="-127"/>
+              </a:rPr>
+            </a:br>
+            <a:r>
+              <a:rPr lang="en-US" altLang="ko-KR" sz="600" dirty="0">
+                <a:latin typeface="HY신명조" panose="02030600000101010101" pitchFamily="18" charset="-127"/>
+                <a:ea typeface="HY신명조" panose="02030600000101010101" pitchFamily="18" charset="-127"/>
+              </a:rPr>
+              <a:t>with Reflection</a:t>
+            </a:r>
+            <a:endParaRPr lang="ko-KR" altLang="en-US" sz="600" dirty="0">
+              <a:latin typeface="HY신명조" panose="02030600000101010101" pitchFamily="18" charset="-127"/>
+              <a:ea typeface="HY신명조" panose="02030600000101010101" pitchFamily="18" charset="-127"/>
+            </a:endParaRPr>
+          </a:p>
+          <a:p>
+            <a:pPr algn="ctr"/>
+            <a:endParaRPr lang="ko-KR" altLang="en-US" sz="1200" dirty="0"/>
+          </a:p>
+        </p:txBody>
+      </p:sp>
+      <p:cxnSp>
+        <p:nvCxnSpPr>
+          <p:cNvPr id="19" name="직선 연결선 18">
+            <a:extLst>
+              <a:ext uri="{FF2B5EF4-FFF2-40B4-BE49-F238E27FC236}">
+                <a16:creationId xmlns:a16="http://schemas.microsoft.com/office/drawing/2014/main" id="{4D54D713-F571-C9FB-DD7D-6AC15501D59F}"/>
+              </a:ext>
+            </a:extLst>
+          </p:cNvPr>
+          <p:cNvCxnSpPr/>
+          <p:nvPr/>
+        </p:nvCxnSpPr>
+        <p:spPr>
+          <a:xfrm>
+            <a:off x="0" y="369332"/>
+            <a:ext cx="1727200" cy="0"/>
+          </a:xfrm>
+          <a:prstGeom prst="line">
+            <a:avLst/>
+          </a:prstGeom>
+          <a:ln>
+            <a:solidFill>
+              <a:schemeClr val="tx1"/>
+            </a:solidFill>
+            <a:tailEnd type="triangle"/>
+          </a:ln>
+        </p:spPr>
+        <p:style>
+          <a:lnRef idx="1">
+            <a:schemeClr val="accent1"/>
+          </a:lnRef>
+          <a:fillRef idx="0">
+            <a:schemeClr val="accent1"/>
+          </a:fillRef>
+          <a:effectRef idx="0">
+            <a:schemeClr val="accent1"/>
+          </a:effectRef>
+          <a:fontRef idx="minor">
+            <a:schemeClr val="tx1"/>
+          </a:fontRef>
+        </p:style>
+      </p:cxnSp>
+      <p:sp>
+        <p:nvSpPr>
+          <p:cNvPr id="4" name="부제목 2">
+            <a:extLst>
+              <a:ext uri="{FF2B5EF4-FFF2-40B4-BE49-F238E27FC236}">
+                <a16:creationId xmlns:a16="http://schemas.microsoft.com/office/drawing/2014/main" id="{919BD469-8EF4-8A9F-3484-425E9E437DE1}"/>
+              </a:ext>
+            </a:extLst>
+          </p:cNvPr>
+          <p:cNvSpPr txBox="1">
+            <a:spLocks/>
+          </p:cNvSpPr>
+          <p:nvPr/>
+        </p:nvSpPr>
+        <p:spPr>
+          <a:xfrm>
+            <a:off x="9743758" y="6608604"/>
+            <a:ext cx="2426208" cy="238379"/>
+          </a:xfrm>
+          <a:prstGeom prst="rect">
+            <a:avLst/>
+          </a:prstGeom>
+        </p:spPr>
+        <p:txBody>
+          <a:bodyPr vert="horz" wrap="none" lIns="91440" tIns="45720" rIns="91440" bIns="45720" rtlCol="0">
+            <a:normAutofit/>
+          </a:bodyPr>
+          <a:lstStyle>
+            <a:lvl1pPr marL="228600" indent="-228600" algn="l" defTabSz="914400" rtl="0" eaLnBrk="1" latinLnBrk="1" hangingPunct="1">
+              <a:lnSpc>
+                <a:spcPct val="90000"/>
+              </a:lnSpc>
+              <a:spcBef>
+                <a:spcPts val="1000"/>
+              </a:spcBef>
+              <a:buFont typeface="Arial" panose="020B0604020202020204" pitchFamily="34" charset="0"/>
+              <a:buChar char="•"/>
+              <a:defRPr sz="2800" kern="1200">
+                <a:solidFill>
+                  <a:schemeClr val="tx1"/>
+                </a:solidFill>
+                <a:latin typeface="+mn-lt"/>
+                <a:ea typeface="+mn-ea"/>
+                <a:cs typeface="+mn-cs"/>
+              </a:defRPr>
+            </a:lvl1pPr>
+            <a:lvl2pPr marL="685800" indent="-228600" algn="l" defTabSz="914400" rtl="0" eaLnBrk="1" latinLnBrk="1" hangingPunct="1">
+              <a:lnSpc>
+                <a:spcPct val="90000"/>
+              </a:lnSpc>
+              <a:spcBef>
+                <a:spcPts val="500"/>
+              </a:spcBef>
+              <a:buFont typeface="Arial" panose="020B0604020202020204" pitchFamily="34" charset="0"/>
+              <a:buChar char="•"/>
+              <a:defRPr sz="2400" kern="1200">
+                <a:solidFill>
+                  <a:schemeClr val="tx1"/>
+                </a:solidFill>
+                <a:latin typeface="+mn-lt"/>
+                <a:ea typeface="+mn-ea"/>
+                <a:cs typeface="+mn-cs"/>
+              </a:defRPr>
+            </a:lvl2pPr>
+            <a:lvl3pPr marL="1143000" indent="-228600" algn="l" defTabSz="914400" rtl="0" eaLnBrk="1" latinLnBrk="1" hangingPunct="1">
+              <a:lnSpc>
+                <a:spcPct val="90000"/>
+              </a:lnSpc>
+              <a:spcBef>
+                <a:spcPts val="500"/>
+              </a:spcBef>
+              <a:buFont typeface="Arial" panose="020B0604020202020204" pitchFamily="34" charset="0"/>
+              <a:buChar char="•"/>
+              <a:defRPr sz="2000" kern="1200">
+                <a:solidFill>
+                  <a:schemeClr val="tx1"/>
+                </a:solidFill>
+                <a:latin typeface="+mn-lt"/>
+                <a:ea typeface="+mn-ea"/>
+                <a:cs typeface="+mn-cs"/>
+              </a:defRPr>
+            </a:lvl3pPr>
+            <a:lvl4pPr marL="1600200" indent="-228600" algn="l" defTabSz="914400" rtl="0" eaLnBrk="1" latinLnBrk="1" hangingPunct="1">
+              <a:lnSpc>
+                <a:spcPct val="90000"/>
+              </a:lnSpc>
+              <a:spcBef>
+                <a:spcPts val="500"/>
+              </a:spcBef>
+              <a:buFont typeface="Arial" panose="020B0604020202020204" pitchFamily="34" charset="0"/>
+              <a:buChar char="•"/>
+              <a:defRPr sz="1800" kern="1200">
+                <a:solidFill>
+                  <a:schemeClr val="tx1"/>
+                </a:solidFill>
+                <a:latin typeface="+mn-lt"/>
+                <a:ea typeface="+mn-ea"/>
+                <a:cs typeface="+mn-cs"/>
+              </a:defRPr>
+            </a:lvl4pPr>
+            <a:lvl5pPr marL="2057400" indent="-228600" algn="l" defTabSz="914400" rtl="0" eaLnBrk="1" latinLnBrk="1" hangingPunct="1">
+              <a:lnSpc>
+                <a:spcPct val="90000"/>
+              </a:lnSpc>
+              <a:spcBef>
+                <a:spcPts val="500"/>
+              </a:spcBef>
+              <a:buFont typeface="Arial" panose="020B0604020202020204" pitchFamily="34" charset="0"/>
+              <a:buChar char="•"/>
+              <a:defRPr sz="1800" kern="1200">
+                <a:solidFill>
+                  <a:schemeClr val="tx1"/>
+                </a:solidFill>
+                <a:latin typeface="+mn-lt"/>
+                <a:ea typeface="+mn-ea"/>
+                <a:cs typeface="+mn-cs"/>
+              </a:defRPr>
+            </a:lvl5pPr>
+            <a:lvl6pPr marL="2514600" indent="-228600" algn="l" defTabSz="914400" rtl="0" eaLnBrk="1" latinLnBrk="1" hangingPunct="1">
+              <a:lnSpc>
+                <a:spcPct val="90000"/>
+              </a:lnSpc>
+              <a:spcBef>
+                <a:spcPts val="500"/>
+              </a:spcBef>
+              <a:buFont typeface="Arial" panose="020B0604020202020204" pitchFamily="34" charset="0"/>
+              <a:buChar char="•"/>
+              <a:defRPr sz="1800" kern="1200">
+                <a:solidFill>
+                  <a:schemeClr val="tx1"/>
+                </a:solidFill>
+                <a:latin typeface="+mn-lt"/>
+                <a:ea typeface="+mn-ea"/>
+                <a:cs typeface="+mn-cs"/>
+              </a:defRPr>
+            </a:lvl6pPr>
+            <a:lvl7pPr marL="2971800" indent="-228600" algn="l" defTabSz="914400" rtl="0" eaLnBrk="1" latinLnBrk="1" hangingPunct="1">
+              <a:lnSpc>
+                <a:spcPct val="90000"/>
+              </a:lnSpc>
+              <a:spcBef>
+                <a:spcPts val="500"/>
+              </a:spcBef>
+              <a:buFont typeface="Arial" panose="020B0604020202020204" pitchFamily="34" charset="0"/>
+              <a:buChar char="•"/>
+              <a:defRPr sz="1800" kern="1200">
+                <a:solidFill>
+                  <a:schemeClr val="tx1"/>
+                </a:solidFill>
+                <a:latin typeface="+mn-lt"/>
+                <a:ea typeface="+mn-ea"/>
+                <a:cs typeface="+mn-cs"/>
+              </a:defRPr>
+            </a:lvl7pPr>
+            <a:lvl8pPr marL="3429000" indent="-228600" algn="l" defTabSz="914400" rtl="0" eaLnBrk="1" latinLnBrk="1" hangingPunct="1">
+              <a:lnSpc>
+                <a:spcPct val="90000"/>
+              </a:lnSpc>
+              <a:spcBef>
+                <a:spcPts val="500"/>
+              </a:spcBef>
+              <a:buFont typeface="Arial" panose="020B0604020202020204" pitchFamily="34" charset="0"/>
+              <a:buChar char="•"/>
+              <a:defRPr sz="1800" kern="1200">
+                <a:solidFill>
+                  <a:schemeClr val="tx1"/>
+                </a:solidFill>
+                <a:latin typeface="+mn-lt"/>
+                <a:ea typeface="+mn-ea"/>
+                <a:cs typeface="+mn-cs"/>
+              </a:defRPr>
+            </a:lvl8pPr>
+            <a:lvl9pPr marL="3886200" indent="-228600" algn="l" defTabSz="914400" rtl="0" eaLnBrk="1" latinLnBrk="1" hangingPunct="1">
+              <a:lnSpc>
+                <a:spcPct val="90000"/>
+              </a:lnSpc>
+              <a:spcBef>
+                <a:spcPts val="500"/>
+              </a:spcBef>
+              <a:buFont typeface="Arial" panose="020B0604020202020204" pitchFamily="34" charset="0"/>
+              <a:buChar char="•"/>
+              <a:defRPr sz="1800" kern="1200">
+                <a:solidFill>
+                  <a:schemeClr val="tx1"/>
+                </a:solidFill>
+                <a:latin typeface="+mn-lt"/>
+                <a:ea typeface="+mn-ea"/>
+                <a:cs typeface="+mn-cs"/>
+              </a:defRPr>
+            </a:lvl9pPr>
+          </a:lstStyle>
+          <a:p>
+            <a:pPr marL="0" indent="0" algn="r">
+              <a:buNone/>
+            </a:pPr>
+            <a:r>
+              <a:rPr lang="en-US" altLang="ko-KR" sz="700" dirty="0"/>
+              <a:t>© 2016. </a:t>
+            </a:r>
+            <a:r>
+              <a:rPr lang="en-US" altLang="ko-KR" sz="700" b="1" dirty="0"/>
+              <a:t>CGCII</a:t>
+            </a:r>
+            <a:endParaRPr lang="ko-KR" altLang="en-US" sz="700" dirty="0"/>
+          </a:p>
+        </p:txBody>
+      </p:sp>
+      <p:sp>
+        <p:nvSpPr>
+          <p:cNvPr id="9" name="사각형: 둥근 모서리 8">
+            <a:extLst>
+              <a:ext uri="{FF2B5EF4-FFF2-40B4-BE49-F238E27FC236}">
+                <a16:creationId xmlns:a16="http://schemas.microsoft.com/office/drawing/2014/main" id="{D73E6FEF-F13E-85F1-D4C7-01720B6DE396}"/>
+              </a:ext>
+            </a:extLst>
+          </p:cNvPr>
+          <p:cNvSpPr/>
+          <p:nvPr/>
+        </p:nvSpPr>
+        <p:spPr>
+          <a:xfrm>
+            <a:off x="2903838" y="4139232"/>
+            <a:ext cx="2119185" cy="230346"/>
+          </a:xfrm>
+          <a:prstGeom prst="roundRect">
+            <a:avLst/>
+          </a:prstGeom>
+          <a:noFill/>
+          <a:ln>
+            <a:solidFill>
+              <a:srgbClr val="FFFF00"/>
+            </a:solidFill>
+            <a:prstDash val="sysDash"/>
+          </a:ln>
+        </p:spPr>
+        <p:style>
+          <a:lnRef idx="2">
+            <a:schemeClr val="accent1">
+              <a:shade val="50000"/>
+            </a:schemeClr>
+          </a:lnRef>
+          <a:fillRef idx="1">
+            <a:schemeClr val="accent1"/>
+          </a:fillRef>
+          <a:effectRef idx="0">
+            <a:schemeClr val="accent1"/>
+          </a:effectRef>
+          <a:fontRef idx="minor">
+            <a:schemeClr val="lt1"/>
+          </a:fontRef>
+        </p:style>
+        <p:txBody>
+          <a:bodyPr rtlCol="0" anchor="ctr"/>
+          <a:lstStyle/>
+          <a:p>
+            <a:pPr algn="ctr"/>
+            <a:endParaRPr lang="ko-KR" altLang="en-US"/>
+          </a:p>
+        </p:txBody>
+      </p:sp>
+      <p:sp>
+        <p:nvSpPr>
+          <p:cNvPr id="13" name="TextBox 12">
+            <a:extLst>
+              <a:ext uri="{FF2B5EF4-FFF2-40B4-BE49-F238E27FC236}">
+                <a16:creationId xmlns:a16="http://schemas.microsoft.com/office/drawing/2014/main" id="{FBDD0E11-2B58-1F1F-1EEE-626C183DC461}"/>
+              </a:ext>
+            </a:extLst>
+          </p:cNvPr>
+          <p:cNvSpPr txBox="1"/>
+          <p:nvPr/>
+        </p:nvSpPr>
+        <p:spPr>
+          <a:xfrm>
+            <a:off x="2297203" y="1142786"/>
+            <a:ext cx="6560846" cy="1815882"/>
+          </a:xfrm>
+          <a:prstGeom prst="rect">
+            <a:avLst/>
+          </a:prstGeom>
+          <a:noFill/>
+        </p:spPr>
+        <p:txBody>
+          <a:bodyPr wrap="square">
+            <a:spAutoFit/>
+          </a:bodyPr>
+          <a:lstStyle/>
+          <a:p>
+            <a:r>
+              <a:rPr lang="ko-KR" altLang="en-US" sz="1400" dirty="0">
+                <a:latin typeface="HY신명조" panose="02030600000101010101" pitchFamily="18" charset="-127"/>
+                <a:ea typeface="HY신명조" panose="02030600000101010101" pitchFamily="18" charset="-127"/>
+              </a:rPr>
+              <a:t>③ </a:t>
+            </a:r>
+            <a:r>
+              <a:rPr lang="en-US" altLang="ko-KR" sz="1400" dirty="0">
+                <a:latin typeface="HY신명조" panose="02030600000101010101" pitchFamily="18" charset="-127"/>
+                <a:ea typeface="HY신명조" panose="02030600000101010101" pitchFamily="18" charset="-127"/>
+              </a:rPr>
+              <a:t>CGDK </a:t>
+            </a:r>
+            <a:r>
+              <a:rPr lang="ko-KR" altLang="en-US" sz="1400" dirty="0">
+                <a:latin typeface="HY신명조" panose="02030600000101010101" pitchFamily="18" charset="-127"/>
+                <a:ea typeface="HY신명조" panose="02030600000101010101" pitchFamily="18" charset="-127"/>
+              </a:rPr>
+              <a:t>헤더 파일을 </a:t>
+            </a:r>
+            <a:r>
+              <a:rPr lang="en-US" altLang="ko-KR" sz="1400" dirty="0">
+                <a:latin typeface="HY신명조" panose="02030600000101010101" pitchFamily="18" charset="-127"/>
+                <a:ea typeface="HY신명조" panose="02030600000101010101" pitchFamily="18" charset="-127"/>
+              </a:rPr>
+              <a:t>include </a:t>
+            </a:r>
+            <a:r>
+              <a:rPr lang="ko-KR" altLang="en-US" sz="1400" dirty="0">
+                <a:latin typeface="HY신명조" panose="02030600000101010101" pitchFamily="18" charset="-127"/>
+                <a:ea typeface="HY신명조" panose="02030600000101010101" pitchFamily="18" charset="-127"/>
+              </a:rPr>
+              <a:t>시킵니다</a:t>
+            </a:r>
+            <a:r>
+              <a:rPr lang="en-US" altLang="ko-KR" sz="1400" dirty="0">
+                <a:latin typeface="HY신명조" panose="02030600000101010101" pitchFamily="18" charset="-127"/>
+                <a:ea typeface="HY신명조" panose="02030600000101010101" pitchFamily="18" charset="-127"/>
+              </a:rPr>
+              <a:t>.</a:t>
+            </a:r>
+          </a:p>
+          <a:p>
+            <a:r>
+              <a:rPr lang="en-US" altLang="ko-KR" sz="1400" dirty="0">
+                <a:latin typeface="HY신명조" panose="02030600000101010101" pitchFamily="18" charset="-127"/>
+                <a:ea typeface="HY신명조" panose="02030600000101010101" pitchFamily="18" charset="-127"/>
+              </a:rPr>
+              <a:t>    </a:t>
+            </a:r>
+            <a:r>
+              <a:rPr lang="ko-KR" altLang="en-US" sz="1400" dirty="0">
+                <a:latin typeface="HY신명조" panose="02030600000101010101" pitchFamily="18" charset="-127"/>
+                <a:ea typeface="HY신명조" panose="02030600000101010101" pitchFamily="18" charset="-127"/>
+              </a:rPr>
+              <a:t>사용을 원하시는 파일에</a:t>
+            </a:r>
+            <a:endParaRPr lang="en-US" altLang="ko-KR" sz="1400" dirty="0">
+              <a:latin typeface="HY신명조" panose="02030600000101010101" pitchFamily="18" charset="-127"/>
+              <a:ea typeface="HY신명조" panose="02030600000101010101" pitchFamily="18" charset="-127"/>
+            </a:endParaRPr>
+          </a:p>
+          <a:p>
+            <a:endParaRPr lang="en-US" altLang="ko-KR" sz="1400" dirty="0">
+              <a:latin typeface="HY신명조" panose="02030600000101010101" pitchFamily="18" charset="-127"/>
+              <a:ea typeface="HY신명조" panose="02030600000101010101" pitchFamily="18" charset="-127"/>
+            </a:endParaRPr>
+          </a:p>
+          <a:p>
+            <a:r>
+              <a:rPr lang="en-US" altLang="ko-KR" sz="1400" dirty="0">
+                <a:latin typeface="HY신명조" panose="02030600000101010101" pitchFamily="18" charset="-127"/>
+                <a:ea typeface="HY신명조" panose="02030600000101010101" pitchFamily="18" charset="-127"/>
+              </a:rPr>
+              <a:t>     </a:t>
+            </a:r>
+            <a:r>
+              <a:rPr lang="en-US" altLang="ko-KR" sz="1400" dirty="0">
+                <a:latin typeface="HY견명조" panose="02030600000101010101" pitchFamily="18" charset="-127"/>
+                <a:ea typeface="HY견명조" panose="02030600000101010101" pitchFamily="18" charset="-127"/>
+              </a:rPr>
+              <a:t>#include "</a:t>
+            </a:r>
+            <a:r>
+              <a:rPr lang="en-US" altLang="ko-KR" sz="1400" dirty="0" err="1">
+                <a:latin typeface="HY견명조" panose="02030600000101010101" pitchFamily="18" charset="-127"/>
+                <a:ea typeface="HY견명조" panose="02030600000101010101" pitchFamily="18" charset="-127"/>
+              </a:rPr>
+              <a:t>cgdk</a:t>
+            </a:r>
+            <a:r>
+              <a:rPr lang="en-US" altLang="ko-KR" sz="1400" dirty="0">
+                <a:latin typeface="HY견명조" panose="02030600000101010101" pitchFamily="18" charset="-127"/>
+                <a:ea typeface="HY견명조" panose="02030600000101010101" pitchFamily="18" charset="-127"/>
+              </a:rPr>
+              <a:t>/</a:t>
+            </a:r>
+            <a:r>
+              <a:rPr lang="en-US" altLang="ko-KR" sz="1400" dirty="0" err="1">
+                <a:latin typeface="HY견명조" panose="02030600000101010101" pitchFamily="18" charset="-127"/>
+                <a:ea typeface="HY견명조" panose="02030600000101010101" pitchFamily="18" charset="-127"/>
+              </a:rPr>
+              <a:t>shared_buffer</a:t>
+            </a:r>
+            <a:r>
+              <a:rPr lang="en-US" altLang="ko-KR" sz="1400" dirty="0">
+                <a:latin typeface="HY견명조" panose="02030600000101010101" pitchFamily="18" charset="-127"/>
+                <a:ea typeface="HY견명조" panose="02030600000101010101" pitchFamily="18" charset="-127"/>
+              </a:rPr>
+              <a:t>"</a:t>
+            </a:r>
+          </a:p>
+          <a:p>
+            <a:endParaRPr lang="en-US" altLang="ko-KR" sz="1400" dirty="0">
+              <a:latin typeface="HY신명조" panose="02030600000101010101" pitchFamily="18" charset="-127"/>
+              <a:ea typeface="HY신명조" panose="02030600000101010101" pitchFamily="18" charset="-127"/>
+            </a:endParaRPr>
+          </a:p>
+          <a:p>
+            <a:r>
+              <a:rPr lang="ko-KR" altLang="en-US" sz="1400" dirty="0">
+                <a:latin typeface="HY신명조" panose="02030600000101010101" pitchFamily="18" charset="-127"/>
+                <a:ea typeface="HY신명조" panose="02030600000101010101" pitchFamily="18" charset="-127"/>
+              </a:rPr>
+              <a:t>    혹은 </a:t>
+            </a:r>
+            <a:r>
+              <a:rPr lang="en-US" altLang="ko-KR" sz="1400" dirty="0">
+                <a:latin typeface="HY신명조" panose="02030600000101010101" pitchFamily="18" charset="-127"/>
+                <a:ea typeface="HY신명조" panose="02030600000101010101" pitchFamily="18" charset="-127"/>
+              </a:rPr>
+              <a:t>CGDK::buffer</a:t>
+            </a:r>
+            <a:r>
+              <a:rPr lang="ko-KR" altLang="en-US" sz="1400" dirty="0">
+                <a:latin typeface="HY신명조" panose="02030600000101010101" pitchFamily="18" charset="-127"/>
+                <a:ea typeface="HY신명조" panose="02030600000101010101" pitchFamily="18" charset="-127"/>
+              </a:rPr>
+              <a:t>까지만 쓰고 싶으시다면</a:t>
+            </a:r>
+            <a:br>
+              <a:rPr lang="en-US" altLang="ko-KR" sz="1400" dirty="0">
+                <a:latin typeface="HY신명조" panose="02030600000101010101" pitchFamily="18" charset="-127"/>
+                <a:ea typeface="HY신명조" panose="02030600000101010101" pitchFamily="18" charset="-127"/>
+              </a:rPr>
+            </a:br>
+            <a:br>
+              <a:rPr lang="en-US" altLang="ko-KR" sz="1400" dirty="0">
+                <a:latin typeface="HY신명조" panose="02030600000101010101" pitchFamily="18" charset="-127"/>
+                <a:ea typeface="HY신명조" panose="02030600000101010101" pitchFamily="18" charset="-127"/>
+              </a:rPr>
+            </a:br>
+            <a:r>
+              <a:rPr lang="en-US" altLang="ko-KR" sz="1400" dirty="0">
+                <a:latin typeface="HY신명조" panose="02030600000101010101" pitchFamily="18" charset="-127"/>
+                <a:ea typeface="HY신명조" panose="02030600000101010101" pitchFamily="18" charset="-127"/>
+              </a:rPr>
+              <a:t>    </a:t>
+            </a:r>
+            <a:r>
+              <a:rPr lang="en-US" altLang="ko-KR" sz="1400" dirty="0">
+                <a:latin typeface="HY견명조" panose="02030600000101010101" pitchFamily="18" charset="-127"/>
+                <a:ea typeface="HY견명조" panose="02030600000101010101" pitchFamily="18" charset="-127"/>
+              </a:rPr>
+              <a:t>#include "</a:t>
+            </a:r>
+            <a:r>
+              <a:rPr lang="en-US" altLang="ko-KR" sz="1400" dirty="0" err="1">
+                <a:latin typeface="HY견명조" panose="02030600000101010101" pitchFamily="18" charset="-127"/>
+                <a:ea typeface="HY견명조" panose="02030600000101010101" pitchFamily="18" charset="-127"/>
+              </a:rPr>
+              <a:t>cgdk</a:t>
+            </a:r>
+            <a:r>
+              <a:rPr lang="en-US" altLang="ko-KR" sz="1400" dirty="0">
+                <a:latin typeface="HY견명조" panose="02030600000101010101" pitchFamily="18" charset="-127"/>
+                <a:ea typeface="HY견명조" panose="02030600000101010101" pitchFamily="18" charset="-127"/>
+              </a:rPr>
+              <a:t>/buffer"</a:t>
+            </a:r>
+            <a:endParaRPr lang="ko-KR" altLang="en-US" sz="1400" dirty="0">
+              <a:latin typeface="HY신명조" panose="02030600000101010101" pitchFamily="18" charset="-127"/>
+              <a:ea typeface="HY신명조" panose="02030600000101010101" pitchFamily="18" charset="-127"/>
+            </a:endParaRPr>
+          </a:p>
+        </p:txBody>
+      </p:sp>
+    </p:spTree>
+    <p:extLst>
+      <p:ext uri="{BB962C8B-B14F-4D97-AF65-F5344CB8AC3E}">
+        <p14:creationId xmlns:p14="http://schemas.microsoft.com/office/powerpoint/2010/main" val="2392954409"/>
       </p:ext>
     </p:extLst>
   </p:cSld>
